--- a/IntegratingWeatherData/IntegratingWeatherData.pptx
+++ b/IntegratingWeatherData/IntegratingWeatherData.pptx
@@ -4,17 +4,23 @@
   <p:sldMasterIdLst>
     <p:sldMasterId id="2147483648" r:id="rId1"/>
   </p:sldMasterIdLst>
+  <p:notesMasterIdLst>
+    <p:notesMasterId r:id="rId15"/>
+  </p:notesMasterIdLst>
   <p:sldIdLst>
     <p:sldId id="256" r:id="rId2"/>
     <p:sldId id="259" r:id="rId3"/>
     <p:sldId id="257" r:id="rId4"/>
-    <p:sldId id="260" r:id="rId5"/>
-    <p:sldId id="261" r:id="rId6"/>
-    <p:sldId id="262" r:id="rId7"/>
-    <p:sldId id="258" r:id="rId8"/>
-    <p:sldId id="263" r:id="rId9"/>
-    <p:sldId id="264" r:id="rId10"/>
-    <p:sldId id="265" r:id="rId11"/>
+    <p:sldId id="266" r:id="rId5"/>
+    <p:sldId id="260" r:id="rId6"/>
+    <p:sldId id="261" r:id="rId7"/>
+    <p:sldId id="273" r:id="rId8"/>
+    <p:sldId id="274" r:id="rId9"/>
+    <p:sldId id="262" r:id="rId10"/>
+    <p:sldId id="258" r:id="rId11"/>
+    <p:sldId id="263" r:id="rId12"/>
+    <p:sldId id="264" r:id="rId13"/>
+    <p:sldId id="265" r:id="rId14"/>
   </p:sldIdLst>
   <p:sldSz cx="12192000" cy="6858000"/>
   <p:notesSz cx="6858000" cy="9144000"/>
@@ -114,6 +120,822 @@
     </a:lvl9pPr>
   </p:defaultTextStyle>
 </p:presentation>
+</file>
+
+<file path=ppt/notesMasters/notesMaster1.xml><?xml version="1.0" encoding="utf-8"?>
+<p:notesMaster xmlns:a="http://schemas.openxmlformats.org/drawingml/2006/main" xmlns:r="http://schemas.openxmlformats.org/officeDocument/2006/relationships" xmlns:p="http://schemas.openxmlformats.org/presentationml/2006/main">
+  <p:cSld>
+    <p:bg>
+      <p:bgRef idx="1001">
+        <a:schemeClr val="bg1"/>
+      </p:bgRef>
+    </p:bg>
+    <p:spTree>
+      <p:nvGrpSpPr>
+        <p:cNvPr id="1" name=""/>
+        <p:cNvGrpSpPr/>
+        <p:nvPr/>
+      </p:nvGrpSpPr>
+      <p:grpSpPr>
+        <a:xfrm>
+          <a:off x="0" y="0"/>
+          <a:ext cx="0" cy="0"/>
+          <a:chOff x="0" y="0"/>
+          <a:chExt cx="0" cy="0"/>
+        </a:xfrm>
+      </p:grpSpPr>
+      <p:sp>
+        <p:nvSpPr>
+          <p:cNvPr id="2" name="Header Placeholder 1"/>
+          <p:cNvSpPr>
+            <a:spLocks noGrp="1"/>
+          </p:cNvSpPr>
+          <p:nvPr>
+            <p:ph type="hdr" sz="quarter"/>
+          </p:nvPr>
+        </p:nvSpPr>
+        <p:spPr>
+          <a:xfrm>
+            <a:off x="0" y="0"/>
+            <a:ext cx="2971800" cy="458788"/>
+          </a:xfrm>
+          <a:prstGeom prst="rect">
+            <a:avLst/>
+          </a:prstGeom>
+        </p:spPr>
+        <p:txBody>
+          <a:bodyPr vert="horz" lIns="91440" tIns="45720" rIns="91440" bIns="45720" rtlCol="0"/>
+          <a:lstStyle>
+            <a:lvl1pPr algn="l">
+              <a:defRPr sz="1200"/>
+            </a:lvl1pPr>
+          </a:lstStyle>
+          <a:p>
+            <a:endParaRPr lang="en-US"/>
+          </a:p>
+        </p:txBody>
+      </p:sp>
+      <p:sp>
+        <p:nvSpPr>
+          <p:cNvPr id="3" name="Date Placeholder 2"/>
+          <p:cNvSpPr>
+            <a:spLocks noGrp="1"/>
+          </p:cNvSpPr>
+          <p:nvPr>
+            <p:ph type="dt" idx="1"/>
+          </p:nvPr>
+        </p:nvSpPr>
+        <p:spPr>
+          <a:xfrm>
+            <a:off x="3884613" y="0"/>
+            <a:ext cx="2971800" cy="458788"/>
+          </a:xfrm>
+          <a:prstGeom prst="rect">
+            <a:avLst/>
+          </a:prstGeom>
+        </p:spPr>
+        <p:txBody>
+          <a:bodyPr vert="horz" lIns="91440" tIns="45720" rIns="91440" bIns="45720" rtlCol="0"/>
+          <a:lstStyle>
+            <a:lvl1pPr algn="r">
+              <a:defRPr sz="1200"/>
+            </a:lvl1pPr>
+          </a:lstStyle>
+          <a:p>
+            <a:fld id="{4066DAB0-0501-4E5A-99D9-4F34B33EA481}" type="datetimeFigureOut">
+              <a:rPr lang="en-US" smtClean="0"/>
+              <a:t>8/8/2022</a:t>
+            </a:fld>
+            <a:endParaRPr lang="en-US"/>
+          </a:p>
+        </p:txBody>
+      </p:sp>
+      <p:sp>
+        <p:nvSpPr>
+          <p:cNvPr id="4" name="Slide Image Placeholder 3"/>
+          <p:cNvSpPr>
+            <a:spLocks noGrp="1" noRot="1" noChangeAspect="1"/>
+          </p:cNvSpPr>
+          <p:nvPr>
+            <p:ph type="sldImg" idx="2"/>
+          </p:nvPr>
+        </p:nvSpPr>
+        <p:spPr>
+          <a:xfrm>
+            <a:off x="685800" y="1143000"/>
+            <a:ext cx="5486400" cy="3086100"/>
+          </a:xfrm>
+          <a:prstGeom prst="rect">
+            <a:avLst/>
+          </a:prstGeom>
+          <a:noFill/>
+          <a:ln w="12700">
+            <a:solidFill>
+              <a:prstClr val="black"/>
+            </a:solidFill>
+          </a:ln>
+        </p:spPr>
+        <p:txBody>
+          <a:bodyPr vert="horz" lIns="91440" tIns="45720" rIns="91440" bIns="45720" rtlCol="0" anchor="ctr"/>
+          <a:lstStyle/>
+          <a:p>
+            <a:endParaRPr lang="en-US"/>
+          </a:p>
+        </p:txBody>
+      </p:sp>
+      <p:sp>
+        <p:nvSpPr>
+          <p:cNvPr id="5" name="Notes Placeholder 4"/>
+          <p:cNvSpPr>
+            <a:spLocks noGrp="1"/>
+          </p:cNvSpPr>
+          <p:nvPr>
+            <p:ph type="body" sz="quarter" idx="3"/>
+          </p:nvPr>
+        </p:nvSpPr>
+        <p:spPr>
+          <a:xfrm>
+            <a:off x="685800" y="4400550"/>
+            <a:ext cx="5486400" cy="3600450"/>
+          </a:xfrm>
+          <a:prstGeom prst="rect">
+            <a:avLst/>
+          </a:prstGeom>
+        </p:spPr>
+        <p:txBody>
+          <a:bodyPr vert="horz" lIns="91440" tIns="45720" rIns="91440" bIns="45720" rtlCol="0"/>
+          <a:lstStyle/>
+          <a:p>
+            <a:pPr lvl="0"/>
+            <a:r>
+              <a:rPr lang="en-US"/>
+              <a:t>Click to edit Master text styles</a:t>
+            </a:r>
+          </a:p>
+          <a:p>
+            <a:pPr lvl="1"/>
+            <a:r>
+              <a:rPr lang="en-US"/>
+              <a:t>Second level</a:t>
+            </a:r>
+          </a:p>
+          <a:p>
+            <a:pPr lvl="2"/>
+            <a:r>
+              <a:rPr lang="en-US"/>
+              <a:t>Third level</a:t>
+            </a:r>
+          </a:p>
+          <a:p>
+            <a:pPr lvl="3"/>
+            <a:r>
+              <a:rPr lang="en-US"/>
+              <a:t>Fourth level</a:t>
+            </a:r>
+          </a:p>
+          <a:p>
+            <a:pPr lvl="4"/>
+            <a:r>
+              <a:rPr lang="en-US"/>
+              <a:t>Fifth level</a:t>
+            </a:r>
+          </a:p>
+        </p:txBody>
+      </p:sp>
+      <p:sp>
+        <p:nvSpPr>
+          <p:cNvPr id="6" name="Footer Placeholder 5"/>
+          <p:cNvSpPr>
+            <a:spLocks noGrp="1"/>
+          </p:cNvSpPr>
+          <p:nvPr>
+            <p:ph type="ftr" sz="quarter" idx="4"/>
+          </p:nvPr>
+        </p:nvSpPr>
+        <p:spPr>
+          <a:xfrm>
+            <a:off x="0" y="8685213"/>
+            <a:ext cx="2971800" cy="458787"/>
+          </a:xfrm>
+          <a:prstGeom prst="rect">
+            <a:avLst/>
+          </a:prstGeom>
+        </p:spPr>
+        <p:txBody>
+          <a:bodyPr vert="horz" lIns="91440" tIns="45720" rIns="91440" bIns="45720" rtlCol="0" anchor="b"/>
+          <a:lstStyle>
+            <a:lvl1pPr algn="l">
+              <a:defRPr sz="1200"/>
+            </a:lvl1pPr>
+          </a:lstStyle>
+          <a:p>
+            <a:endParaRPr lang="en-US"/>
+          </a:p>
+        </p:txBody>
+      </p:sp>
+      <p:sp>
+        <p:nvSpPr>
+          <p:cNvPr id="7" name="Slide Number Placeholder 6"/>
+          <p:cNvSpPr>
+            <a:spLocks noGrp="1"/>
+          </p:cNvSpPr>
+          <p:nvPr>
+            <p:ph type="sldNum" sz="quarter" idx="5"/>
+          </p:nvPr>
+        </p:nvSpPr>
+        <p:spPr>
+          <a:xfrm>
+            <a:off x="3884613" y="8685213"/>
+            <a:ext cx="2971800" cy="458787"/>
+          </a:xfrm>
+          <a:prstGeom prst="rect">
+            <a:avLst/>
+          </a:prstGeom>
+        </p:spPr>
+        <p:txBody>
+          <a:bodyPr vert="horz" lIns="91440" tIns="45720" rIns="91440" bIns="45720" rtlCol="0" anchor="b"/>
+          <a:lstStyle>
+            <a:lvl1pPr algn="r">
+              <a:defRPr sz="1200"/>
+            </a:lvl1pPr>
+          </a:lstStyle>
+          <a:p>
+            <a:fld id="{E5935EFC-FB85-46C2-B66D-1D634388063F}" type="slidenum">
+              <a:rPr lang="en-US" smtClean="0"/>
+              <a:t>‹#›</a:t>
+            </a:fld>
+            <a:endParaRPr lang="en-US"/>
+          </a:p>
+        </p:txBody>
+      </p:sp>
+    </p:spTree>
+    <p:extLst>
+      <p:ext uri="{BB962C8B-B14F-4D97-AF65-F5344CB8AC3E}">
+        <p14:creationId xmlns:p14="http://schemas.microsoft.com/office/powerpoint/2010/main" val="945636361"/>
+      </p:ext>
+    </p:extLst>
+  </p:cSld>
+  <p:clrMap bg1="lt1" tx1="dk1" bg2="lt2" tx2="dk2" accent1="accent1" accent2="accent2" accent3="accent3" accent4="accent4" accent5="accent5" accent6="accent6" hlink="hlink" folHlink="folHlink"/>
+  <p:notesStyle>
+    <a:lvl1pPr marL="0" algn="l" defTabSz="914400" rtl="0" eaLnBrk="1" latinLnBrk="0" hangingPunct="1">
+      <a:defRPr sz="1200" kern="1200">
+        <a:solidFill>
+          <a:schemeClr val="tx1"/>
+        </a:solidFill>
+        <a:latin typeface="+mn-lt"/>
+        <a:ea typeface="+mn-ea"/>
+        <a:cs typeface="+mn-cs"/>
+      </a:defRPr>
+    </a:lvl1pPr>
+    <a:lvl2pPr marL="457200" algn="l" defTabSz="914400" rtl="0" eaLnBrk="1" latinLnBrk="0" hangingPunct="1">
+      <a:defRPr sz="1200" kern="1200">
+        <a:solidFill>
+          <a:schemeClr val="tx1"/>
+        </a:solidFill>
+        <a:latin typeface="+mn-lt"/>
+        <a:ea typeface="+mn-ea"/>
+        <a:cs typeface="+mn-cs"/>
+      </a:defRPr>
+    </a:lvl2pPr>
+    <a:lvl3pPr marL="914400" algn="l" defTabSz="914400" rtl="0" eaLnBrk="1" latinLnBrk="0" hangingPunct="1">
+      <a:defRPr sz="1200" kern="1200">
+        <a:solidFill>
+          <a:schemeClr val="tx1"/>
+        </a:solidFill>
+        <a:latin typeface="+mn-lt"/>
+        <a:ea typeface="+mn-ea"/>
+        <a:cs typeface="+mn-cs"/>
+      </a:defRPr>
+    </a:lvl3pPr>
+    <a:lvl4pPr marL="1371600" algn="l" defTabSz="914400" rtl="0" eaLnBrk="1" latinLnBrk="0" hangingPunct="1">
+      <a:defRPr sz="1200" kern="1200">
+        <a:solidFill>
+          <a:schemeClr val="tx1"/>
+        </a:solidFill>
+        <a:latin typeface="+mn-lt"/>
+        <a:ea typeface="+mn-ea"/>
+        <a:cs typeface="+mn-cs"/>
+      </a:defRPr>
+    </a:lvl4pPr>
+    <a:lvl5pPr marL="1828800" algn="l" defTabSz="914400" rtl="0" eaLnBrk="1" latinLnBrk="0" hangingPunct="1">
+      <a:defRPr sz="1200" kern="1200">
+        <a:solidFill>
+          <a:schemeClr val="tx1"/>
+        </a:solidFill>
+        <a:latin typeface="+mn-lt"/>
+        <a:ea typeface="+mn-ea"/>
+        <a:cs typeface="+mn-cs"/>
+      </a:defRPr>
+    </a:lvl5pPr>
+    <a:lvl6pPr marL="2286000" algn="l" defTabSz="914400" rtl="0" eaLnBrk="1" latinLnBrk="0" hangingPunct="1">
+      <a:defRPr sz="1200" kern="1200">
+        <a:solidFill>
+          <a:schemeClr val="tx1"/>
+        </a:solidFill>
+        <a:latin typeface="+mn-lt"/>
+        <a:ea typeface="+mn-ea"/>
+        <a:cs typeface="+mn-cs"/>
+      </a:defRPr>
+    </a:lvl6pPr>
+    <a:lvl7pPr marL="2743200" algn="l" defTabSz="914400" rtl="0" eaLnBrk="1" latinLnBrk="0" hangingPunct="1">
+      <a:defRPr sz="1200" kern="1200">
+        <a:solidFill>
+          <a:schemeClr val="tx1"/>
+        </a:solidFill>
+        <a:latin typeface="+mn-lt"/>
+        <a:ea typeface="+mn-ea"/>
+        <a:cs typeface="+mn-cs"/>
+      </a:defRPr>
+    </a:lvl7pPr>
+    <a:lvl8pPr marL="3200400" algn="l" defTabSz="914400" rtl="0" eaLnBrk="1" latinLnBrk="0" hangingPunct="1">
+      <a:defRPr sz="1200" kern="1200">
+        <a:solidFill>
+          <a:schemeClr val="tx1"/>
+        </a:solidFill>
+        <a:latin typeface="+mn-lt"/>
+        <a:ea typeface="+mn-ea"/>
+        <a:cs typeface="+mn-cs"/>
+      </a:defRPr>
+    </a:lvl8pPr>
+    <a:lvl9pPr marL="3657600" algn="l" defTabSz="914400" rtl="0" eaLnBrk="1" latinLnBrk="0" hangingPunct="1">
+      <a:defRPr sz="1200" kern="1200">
+        <a:solidFill>
+          <a:schemeClr val="tx1"/>
+        </a:solidFill>
+        <a:latin typeface="+mn-lt"/>
+        <a:ea typeface="+mn-ea"/>
+        <a:cs typeface="+mn-cs"/>
+      </a:defRPr>
+    </a:lvl9pPr>
+  </p:notesStyle>
+</p:notesMaster>
+</file>
+
+<file path=ppt/notesSlides/notesSlide1.xml><?xml version="1.0" encoding="utf-8"?>
+<p:notes xmlns:a="http://schemas.openxmlformats.org/drawingml/2006/main" xmlns:r="http://schemas.openxmlformats.org/officeDocument/2006/relationships" xmlns:p="http://schemas.openxmlformats.org/presentationml/2006/main">
+  <p:cSld>
+    <p:spTree>
+      <p:nvGrpSpPr>
+        <p:cNvPr id="1" name=""/>
+        <p:cNvGrpSpPr/>
+        <p:nvPr/>
+      </p:nvGrpSpPr>
+      <p:grpSpPr>
+        <a:xfrm>
+          <a:off x="0" y="0"/>
+          <a:ext cx="0" cy="0"/>
+          <a:chOff x="0" y="0"/>
+          <a:chExt cx="0" cy="0"/>
+        </a:xfrm>
+      </p:grpSpPr>
+      <p:sp>
+        <p:nvSpPr>
+          <p:cNvPr id="2" name="Slide Image Placeholder 1"/>
+          <p:cNvSpPr>
+            <a:spLocks noGrp="1" noRot="1" noChangeAspect="1"/>
+          </p:cNvSpPr>
+          <p:nvPr>
+            <p:ph type="sldImg"/>
+          </p:nvPr>
+        </p:nvSpPr>
+        <p:spPr/>
+      </p:sp>
+      <p:sp>
+        <p:nvSpPr>
+          <p:cNvPr id="3" name="Notes Placeholder 2"/>
+          <p:cNvSpPr>
+            <a:spLocks noGrp="1"/>
+          </p:cNvSpPr>
+          <p:nvPr>
+            <p:ph type="body" idx="1"/>
+          </p:nvPr>
+        </p:nvSpPr>
+        <p:spPr/>
+        <p:txBody>
+          <a:bodyPr/>
+          <a:lstStyle/>
+          <a:p>
+            <a:r>
+              <a:rPr lang="en-US" dirty="0"/>
+              <a:t>Please don’t ask me to spell Bureau or Meteorology without spellcheck</a:t>
+            </a:r>
+          </a:p>
+          <a:p>
+            <a:endParaRPr lang="en-US" dirty="0"/>
+          </a:p>
+        </p:txBody>
+      </p:sp>
+      <p:sp>
+        <p:nvSpPr>
+          <p:cNvPr id="4" name="Slide Number Placeholder 3"/>
+          <p:cNvSpPr>
+            <a:spLocks noGrp="1"/>
+          </p:cNvSpPr>
+          <p:nvPr>
+            <p:ph type="sldNum" sz="quarter" idx="5"/>
+          </p:nvPr>
+        </p:nvSpPr>
+        <p:spPr/>
+        <p:txBody>
+          <a:bodyPr/>
+          <a:lstStyle/>
+          <a:p>
+            <a:fld id="{E5935EFC-FB85-46C2-B66D-1D634388063F}" type="slidenum">
+              <a:rPr lang="en-US" smtClean="0"/>
+              <a:t>5</a:t>
+            </a:fld>
+            <a:endParaRPr lang="en-US"/>
+          </a:p>
+        </p:txBody>
+      </p:sp>
+    </p:spTree>
+    <p:extLst>
+      <p:ext uri="{BB962C8B-B14F-4D97-AF65-F5344CB8AC3E}">
+        <p14:creationId xmlns:p14="http://schemas.microsoft.com/office/powerpoint/2010/main" val="2030679848"/>
+      </p:ext>
+    </p:extLst>
+  </p:cSld>
+  <p:clrMapOvr>
+    <a:masterClrMapping/>
+  </p:clrMapOvr>
+</p:notes>
+</file>
+
+<file path=ppt/notesSlides/notesSlide2.xml><?xml version="1.0" encoding="utf-8"?>
+<p:notes xmlns:a="http://schemas.openxmlformats.org/drawingml/2006/main" xmlns:r="http://schemas.openxmlformats.org/officeDocument/2006/relationships" xmlns:p="http://schemas.openxmlformats.org/presentationml/2006/main">
+  <p:cSld>
+    <p:spTree>
+      <p:nvGrpSpPr>
+        <p:cNvPr id="1" name=""/>
+        <p:cNvGrpSpPr/>
+        <p:nvPr/>
+      </p:nvGrpSpPr>
+      <p:grpSpPr>
+        <a:xfrm>
+          <a:off x="0" y="0"/>
+          <a:ext cx="0" cy="0"/>
+          <a:chOff x="0" y="0"/>
+          <a:chExt cx="0" cy="0"/>
+        </a:xfrm>
+      </p:grpSpPr>
+      <p:sp>
+        <p:nvSpPr>
+          <p:cNvPr id="2" name="Slide Image Placeholder 1"/>
+          <p:cNvSpPr>
+            <a:spLocks noGrp="1" noRot="1" noChangeAspect="1"/>
+          </p:cNvSpPr>
+          <p:nvPr>
+            <p:ph type="sldImg"/>
+          </p:nvPr>
+        </p:nvSpPr>
+        <p:spPr/>
+      </p:sp>
+      <p:sp>
+        <p:nvSpPr>
+          <p:cNvPr id="3" name="Notes Placeholder 2"/>
+          <p:cNvSpPr>
+            <a:spLocks noGrp="1"/>
+          </p:cNvSpPr>
+          <p:nvPr>
+            <p:ph type="body" idx="1"/>
+          </p:nvPr>
+        </p:nvSpPr>
+        <p:spPr/>
+        <p:txBody>
+          <a:bodyPr/>
+          <a:lstStyle/>
+          <a:p>
+            <a:endParaRPr lang="en-US" dirty="0"/>
+          </a:p>
+        </p:txBody>
+      </p:sp>
+      <p:sp>
+        <p:nvSpPr>
+          <p:cNvPr id="4" name="Slide Number Placeholder 3"/>
+          <p:cNvSpPr>
+            <a:spLocks noGrp="1"/>
+          </p:cNvSpPr>
+          <p:nvPr>
+            <p:ph type="sldNum" sz="quarter" idx="5"/>
+          </p:nvPr>
+        </p:nvSpPr>
+        <p:spPr/>
+        <p:txBody>
+          <a:bodyPr/>
+          <a:lstStyle/>
+          <a:p>
+            <a:fld id="{E5935EFC-FB85-46C2-B66D-1D634388063F}" type="slidenum">
+              <a:rPr lang="en-US" smtClean="0"/>
+              <a:t>6</a:t>
+            </a:fld>
+            <a:endParaRPr lang="en-US"/>
+          </a:p>
+        </p:txBody>
+      </p:sp>
+    </p:spTree>
+    <p:extLst>
+      <p:ext uri="{BB962C8B-B14F-4D97-AF65-F5344CB8AC3E}">
+        <p14:creationId xmlns:p14="http://schemas.microsoft.com/office/powerpoint/2010/main" val="130452446"/>
+      </p:ext>
+    </p:extLst>
+  </p:cSld>
+  <p:clrMapOvr>
+    <a:masterClrMapping/>
+  </p:clrMapOvr>
+</p:notes>
+</file>
+
+<file path=ppt/notesSlides/notesSlide3.xml><?xml version="1.0" encoding="utf-8"?>
+<p:notes xmlns:a="http://schemas.openxmlformats.org/drawingml/2006/main" xmlns:r="http://schemas.openxmlformats.org/officeDocument/2006/relationships" xmlns:p="http://schemas.openxmlformats.org/presentationml/2006/main">
+  <p:cSld>
+    <p:spTree>
+      <p:nvGrpSpPr>
+        <p:cNvPr id="1" name=""/>
+        <p:cNvGrpSpPr/>
+        <p:nvPr/>
+      </p:nvGrpSpPr>
+      <p:grpSpPr>
+        <a:xfrm>
+          <a:off x="0" y="0"/>
+          <a:ext cx="0" cy="0"/>
+          <a:chOff x="0" y="0"/>
+          <a:chExt cx="0" cy="0"/>
+        </a:xfrm>
+      </p:grpSpPr>
+      <p:sp>
+        <p:nvSpPr>
+          <p:cNvPr id="2" name="Slide Image Placeholder 1"/>
+          <p:cNvSpPr>
+            <a:spLocks noGrp="1" noRot="1" noChangeAspect="1"/>
+          </p:cNvSpPr>
+          <p:nvPr>
+            <p:ph type="sldImg"/>
+          </p:nvPr>
+        </p:nvSpPr>
+        <p:spPr/>
+      </p:sp>
+      <p:sp>
+        <p:nvSpPr>
+          <p:cNvPr id="3" name="Notes Placeholder 2"/>
+          <p:cNvSpPr>
+            <a:spLocks noGrp="1"/>
+          </p:cNvSpPr>
+          <p:nvPr>
+            <p:ph type="body" idx="1"/>
+          </p:nvPr>
+        </p:nvSpPr>
+        <p:spPr/>
+        <p:txBody>
+          <a:bodyPr/>
+          <a:lstStyle/>
+          <a:p>
+            <a:pPr marL="0" marR="0" lvl="0" indent="0" algn="l" defTabSz="914400" rtl="0" eaLnBrk="1" fontAlgn="auto" latinLnBrk="0" hangingPunct="1">
+              <a:lnSpc>
+                <a:spcPct val="100000"/>
+              </a:lnSpc>
+              <a:spcBef>
+                <a:spcPts val="0"/>
+              </a:spcBef>
+              <a:spcAft>
+                <a:spcPts val="0"/>
+              </a:spcAft>
+              <a:buClrTx/>
+              <a:buSzTx/>
+              <a:buFontTx/>
+              <a:buNone/>
+              <a:tabLst/>
+              <a:defRPr/>
+            </a:pPr>
+            <a:r>
+              <a:rPr lang="en-US" sz="1200" i="1" dirty="0">
+                <a:solidFill>
+                  <a:srgbClr val="595959"/>
+                </a:solidFill>
+                <a:effectLst/>
+                <a:latin typeface="Calibri" panose="020F0502020204030204" pitchFamily="34" charset="0"/>
+              </a:rPr>
+              <a:t> </a:t>
+            </a:r>
+            <a:r>
+              <a:rPr lang="en-US" sz="1200" dirty="0">
+                <a:effectLst/>
+                <a:latin typeface="Calibri" panose="020F0502020204030204" pitchFamily="34" charset="0"/>
+                <a:hlinkClick r:id="rId3"/>
+              </a:rPr>
+              <a:t>https://gis.stackexchange.com/questions/8650/measuring-accuracy-of-latitude-and-longitude</a:t>
+            </a:r>
+            <a:endParaRPr lang="en-US" sz="1200" dirty="0">
+              <a:effectLst/>
+              <a:latin typeface="Calibri" panose="020F0502020204030204" pitchFamily="34" charset="0"/>
+            </a:endParaRPr>
+          </a:p>
+          <a:p>
+            <a:endParaRPr lang="en-US" dirty="0"/>
+          </a:p>
+        </p:txBody>
+      </p:sp>
+      <p:sp>
+        <p:nvSpPr>
+          <p:cNvPr id="4" name="Slide Number Placeholder 3"/>
+          <p:cNvSpPr>
+            <a:spLocks noGrp="1"/>
+          </p:cNvSpPr>
+          <p:nvPr>
+            <p:ph type="sldNum" sz="quarter" idx="5"/>
+          </p:nvPr>
+        </p:nvSpPr>
+        <p:spPr/>
+        <p:txBody>
+          <a:bodyPr/>
+          <a:lstStyle/>
+          <a:p>
+            <a:fld id="{E5935EFC-FB85-46C2-B66D-1D634388063F}" type="slidenum">
+              <a:rPr lang="en-US" smtClean="0"/>
+              <a:t>7</a:t>
+            </a:fld>
+            <a:endParaRPr lang="en-US"/>
+          </a:p>
+        </p:txBody>
+      </p:sp>
+    </p:spTree>
+    <p:extLst>
+      <p:ext uri="{BB962C8B-B14F-4D97-AF65-F5344CB8AC3E}">
+        <p14:creationId xmlns:p14="http://schemas.microsoft.com/office/powerpoint/2010/main" val="1671838417"/>
+      </p:ext>
+    </p:extLst>
+  </p:cSld>
+  <p:clrMapOvr>
+    <a:masterClrMapping/>
+  </p:clrMapOvr>
+</p:notes>
+</file>
+
+<file path=ppt/notesSlides/notesSlide4.xml><?xml version="1.0" encoding="utf-8"?>
+<p:notes xmlns:a="http://schemas.openxmlformats.org/drawingml/2006/main" xmlns:r="http://schemas.openxmlformats.org/officeDocument/2006/relationships" xmlns:p="http://schemas.openxmlformats.org/presentationml/2006/main">
+  <p:cSld>
+    <p:spTree>
+      <p:nvGrpSpPr>
+        <p:cNvPr id="1" name=""/>
+        <p:cNvGrpSpPr/>
+        <p:nvPr/>
+      </p:nvGrpSpPr>
+      <p:grpSpPr>
+        <a:xfrm>
+          <a:off x="0" y="0"/>
+          <a:ext cx="0" cy="0"/>
+          <a:chOff x="0" y="0"/>
+          <a:chExt cx="0" cy="0"/>
+        </a:xfrm>
+      </p:grpSpPr>
+      <p:sp>
+        <p:nvSpPr>
+          <p:cNvPr id="2" name="Slide Image Placeholder 1"/>
+          <p:cNvSpPr>
+            <a:spLocks noGrp="1" noRot="1" noChangeAspect="1"/>
+          </p:cNvSpPr>
+          <p:nvPr>
+            <p:ph type="sldImg"/>
+          </p:nvPr>
+        </p:nvSpPr>
+        <p:spPr/>
+      </p:sp>
+      <p:sp>
+        <p:nvSpPr>
+          <p:cNvPr id="3" name="Notes Placeholder 2"/>
+          <p:cNvSpPr>
+            <a:spLocks noGrp="1"/>
+          </p:cNvSpPr>
+          <p:nvPr>
+            <p:ph type="body" idx="1"/>
+          </p:nvPr>
+        </p:nvSpPr>
+        <p:spPr/>
+        <p:txBody>
+          <a:bodyPr/>
+          <a:lstStyle/>
+          <a:p>
+            <a:endParaRPr lang="en-US" dirty="0"/>
+          </a:p>
+        </p:txBody>
+      </p:sp>
+      <p:sp>
+        <p:nvSpPr>
+          <p:cNvPr id="4" name="Slide Number Placeholder 3"/>
+          <p:cNvSpPr>
+            <a:spLocks noGrp="1"/>
+          </p:cNvSpPr>
+          <p:nvPr>
+            <p:ph type="sldNum" sz="quarter" idx="5"/>
+          </p:nvPr>
+        </p:nvSpPr>
+        <p:spPr/>
+        <p:txBody>
+          <a:bodyPr/>
+          <a:lstStyle/>
+          <a:p>
+            <a:fld id="{E5935EFC-FB85-46C2-B66D-1D634388063F}" type="slidenum">
+              <a:rPr lang="en-US" smtClean="0"/>
+              <a:t>9</a:t>
+            </a:fld>
+            <a:endParaRPr lang="en-US"/>
+          </a:p>
+        </p:txBody>
+      </p:sp>
+    </p:spTree>
+    <p:extLst>
+      <p:ext uri="{BB962C8B-B14F-4D97-AF65-F5344CB8AC3E}">
+        <p14:creationId xmlns:p14="http://schemas.microsoft.com/office/powerpoint/2010/main" val="3593864412"/>
+      </p:ext>
+    </p:extLst>
+  </p:cSld>
+  <p:clrMapOvr>
+    <a:masterClrMapping/>
+  </p:clrMapOvr>
+</p:notes>
+</file>
+
+<file path=ppt/notesSlides/notesSlide5.xml><?xml version="1.0" encoding="utf-8"?>
+<p:notes xmlns:a="http://schemas.openxmlformats.org/drawingml/2006/main" xmlns:r="http://schemas.openxmlformats.org/officeDocument/2006/relationships" xmlns:p="http://schemas.openxmlformats.org/presentationml/2006/main">
+  <p:cSld>
+    <p:spTree>
+      <p:nvGrpSpPr>
+        <p:cNvPr id="1" name=""/>
+        <p:cNvGrpSpPr/>
+        <p:nvPr/>
+      </p:nvGrpSpPr>
+      <p:grpSpPr>
+        <a:xfrm>
+          <a:off x="0" y="0"/>
+          <a:ext cx="0" cy="0"/>
+          <a:chOff x="0" y="0"/>
+          <a:chExt cx="0" cy="0"/>
+        </a:xfrm>
+      </p:grpSpPr>
+      <p:sp>
+        <p:nvSpPr>
+          <p:cNvPr id="2" name="Slide Image Placeholder 1"/>
+          <p:cNvSpPr>
+            <a:spLocks noGrp="1" noRot="1" noChangeAspect="1"/>
+          </p:cNvSpPr>
+          <p:nvPr>
+            <p:ph type="sldImg"/>
+          </p:nvPr>
+        </p:nvSpPr>
+        <p:spPr/>
+      </p:sp>
+      <p:sp>
+        <p:nvSpPr>
+          <p:cNvPr id="3" name="Notes Placeholder 2"/>
+          <p:cNvSpPr>
+            <a:spLocks noGrp="1"/>
+          </p:cNvSpPr>
+          <p:nvPr>
+            <p:ph type="body" idx="1"/>
+          </p:nvPr>
+        </p:nvSpPr>
+        <p:spPr/>
+        <p:txBody>
+          <a:bodyPr/>
+          <a:lstStyle/>
+          <a:p>
+            <a:endParaRPr lang="en-US"/>
+          </a:p>
+        </p:txBody>
+      </p:sp>
+      <p:sp>
+        <p:nvSpPr>
+          <p:cNvPr id="4" name="Slide Number Placeholder 3"/>
+          <p:cNvSpPr>
+            <a:spLocks noGrp="1"/>
+          </p:cNvSpPr>
+          <p:nvPr>
+            <p:ph type="sldNum" sz="quarter" idx="5"/>
+          </p:nvPr>
+        </p:nvSpPr>
+        <p:spPr/>
+        <p:txBody>
+          <a:bodyPr/>
+          <a:lstStyle/>
+          <a:p>
+            <a:fld id="{E5935EFC-FB85-46C2-B66D-1D634388063F}" type="slidenum">
+              <a:rPr lang="en-US" smtClean="0"/>
+              <a:t>13</a:t>
+            </a:fld>
+            <a:endParaRPr lang="en-US"/>
+          </a:p>
+        </p:txBody>
+      </p:sp>
+    </p:spTree>
+    <p:extLst>
+      <p:ext uri="{BB962C8B-B14F-4D97-AF65-F5344CB8AC3E}">
+        <p14:creationId xmlns:p14="http://schemas.microsoft.com/office/powerpoint/2010/main" val="167641411"/>
+      </p:ext>
+    </p:extLst>
+  </p:cSld>
+  <p:clrMapOvr>
+    <a:masterClrMapping/>
+  </p:clrMapOvr>
+</p:notes>
 </file>
 
 <file path=ppt/slideLayouts/slideLayout1.xml><?xml version="1.0" encoding="utf-8"?>
@@ -3418,6 +4240,266 @@
           <p:cNvPr id="2" name="Title 1">
             <a:extLst>
               <a:ext uri="{FF2B5EF4-FFF2-40B4-BE49-F238E27FC236}">
+                <a16:creationId xmlns:a16="http://schemas.microsoft.com/office/drawing/2014/main" id="{EEE6E266-6ED5-BE97-37D8-5BCA28A91F36}"/>
+              </a:ext>
+            </a:extLst>
+          </p:cNvPr>
+          <p:cNvSpPr>
+            <a:spLocks noGrp="1"/>
+          </p:cNvSpPr>
+          <p:nvPr>
+            <p:ph type="title"/>
+          </p:nvPr>
+        </p:nvSpPr>
+        <p:spPr/>
+        <p:txBody>
+          <a:bodyPr/>
+          <a:lstStyle/>
+          <a:p>
+            <a:r>
+              <a:rPr lang="en-US" dirty="0"/>
+              <a:t>Data Files</a:t>
+            </a:r>
+          </a:p>
+        </p:txBody>
+      </p:sp>
+      <p:sp>
+        <p:nvSpPr>
+          <p:cNvPr id="3" name="Content Placeholder 2">
+            <a:extLst>
+              <a:ext uri="{FF2B5EF4-FFF2-40B4-BE49-F238E27FC236}">
+                <a16:creationId xmlns:a16="http://schemas.microsoft.com/office/drawing/2014/main" id="{27F6F7AD-BE7C-2786-BD35-3D06A7E878B7}"/>
+              </a:ext>
+            </a:extLst>
+          </p:cNvPr>
+          <p:cNvSpPr>
+            <a:spLocks noGrp="1"/>
+          </p:cNvSpPr>
+          <p:nvPr>
+            <p:ph idx="1"/>
+          </p:nvPr>
+        </p:nvSpPr>
+        <p:spPr/>
+        <p:txBody>
+          <a:bodyPr/>
+          <a:lstStyle/>
+          <a:p>
+            <a:r>
+              <a:rPr lang="en-US" dirty="0" err="1"/>
+              <a:t>NetCDF</a:t>
+            </a:r>
+            <a:endParaRPr lang="en-US" dirty="0"/>
+          </a:p>
+          <a:p>
+            <a:r>
+              <a:rPr lang="en-US" dirty="0" err="1"/>
+              <a:t>Grib</a:t>
+            </a:r>
+            <a:endParaRPr lang="en-US" dirty="0"/>
+          </a:p>
+        </p:txBody>
+      </p:sp>
+    </p:spTree>
+    <p:extLst>
+      <p:ext uri="{BB962C8B-B14F-4D97-AF65-F5344CB8AC3E}">
+        <p14:creationId xmlns:p14="http://schemas.microsoft.com/office/powerpoint/2010/main" val="2597266994"/>
+      </p:ext>
+    </p:extLst>
+  </p:cSld>
+  <p:clrMapOvr>
+    <a:masterClrMapping/>
+  </p:clrMapOvr>
+</p:sld>
+</file>
+
+<file path=ppt/slides/slide11.xml><?xml version="1.0" encoding="utf-8"?>
+<p:sld xmlns:a="http://schemas.openxmlformats.org/drawingml/2006/main" xmlns:r="http://schemas.openxmlformats.org/officeDocument/2006/relationships" xmlns:p="http://schemas.openxmlformats.org/presentationml/2006/main">
+  <p:cSld>
+    <p:spTree>
+      <p:nvGrpSpPr>
+        <p:cNvPr id="1" name=""/>
+        <p:cNvGrpSpPr/>
+        <p:nvPr/>
+      </p:nvGrpSpPr>
+      <p:grpSpPr>
+        <a:xfrm>
+          <a:off x="0" y="0"/>
+          <a:ext cx="0" cy="0"/>
+          <a:chOff x="0" y="0"/>
+          <a:chExt cx="0" cy="0"/>
+        </a:xfrm>
+      </p:grpSpPr>
+      <p:sp>
+        <p:nvSpPr>
+          <p:cNvPr id="2" name="Title 1">
+            <a:extLst>
+              <a:ext uri="{FF2B5EF4-FFF2-40B4-BE49-F238E27FC236}">
+                <a16:creationId xmlns:a16="http://schemas.microsoft.com/office/drawing/2014/main" id="{4CD116D0-9FB1-F90F-4C92-94FC6EAB34C5}"/>
+              </a:ext>
+            </a:extLst>
+          </p:cNvPr>
+          <p:cNvSpPr>
+            <a:spLocks noGrp="1"/>
+          </p:cNvSpPr>
+          <p:nvPr>
+            <p:ph type="title"/>
+          </p:nvPr>
+        </p:nvSpPr>
+        <p:spPr/>
+        <p:txBody>
+          <a:bodyPr/>
+          <a:lstStyle/>
+          <a:p>
+            <a:r>
+              <a:rPr lang="en-US" dirty="0"/>
+              <a:t>Tooling</a:t>
+            </a:r>
+          </a:p>
+        </p:txBody>
+      </p:sp>
+      <p:sp>
+        <p:nvSpPr>
+          <p:cNvPr id="3" name="Content Placeholder 2">
+            <a:extLst>
+              <a:ext uri="{FF2B5EF4-FFF2-40B4-BE49-F238E27FC236}">
+                <a16:creationId xmlns:a16="http://schemas.microsoft.com/office/drawing/2014/main" id="{170C1740-11A8-A35E-187B-ADFA4617DF9D}"/>
+              </a:ext>
+            </a:extLst>
+          </p:cNvPr>
+          <p:cNvSpPr>
+            <a:spLocks noGrp="1"/>
+          </p:cNvSpPr>
+          <p:nvPr>
+            <p:ph idx="1"/>
+          </p:nvPr>
+        </p:nvSpPr>
+        <p:spPr/>
+        <p:txBody>
+          <a:bodyPr/>
+          <a:lstStyle/>
+          <a:p>
+            <a:endParaRPr lang="en-US"/>
+          </a:p>
+        </p:txBody>
+      </p:sp>
+    </p:spTree>
+    <p:extLst>
+      <p:ext uri="{BB962C8B-B14F-4D97-AF65-F5344CB8AC3E}">
+        <p14:creationId xmlns:p14="http://schemas.microsoft.com/office/powerpoint/2010/main" val="1092022144"/>
+      </p:ext>
+    </p:extLst>
+  </p:cSld>
+  <p:clrMapOvr>
+    <a:masterClrMapping/>
+  </p:clrMapOvr>
+</p:sld>
+</file>
+
+<file path=ppt/slides/slide12.xml><?xml version="1.0" encoding="utf-8"?>
+<p:sld xmlns:a="http://schemas.openxmlformats.org/drawingml/2006/main" xmlns:r="http://schemas.openxmlformats.org/officeDocument/2006/relationships" xmlns:p="http://schemas.openxmlformats.org/presentationml/2006/main">
+  <p:cSld>
+    <p:spTree>
+      <p:nvGrpSpPr>
+        <p:cNvPr id="1" name=""/>
+        <p:cNvGrpSpPr/>
+        <p:nvPr/>
+      </p:nvGrpSpPr>
+      <p:grpSpPr>
+        <a:xfrm>
+          <a:off x="0" y="0"/>
+          <a:ext cx="0" cy="0"/>
+          <a:chOff x="0" y="0"/>
+          <a:chExt cx="0" cy="0"/>
+        </a:xfrm>
+      </p:grpSpPr>
+      <p:sp>
+        <p:nvSpPr>
+          <p:cNvPr id="2" name="Title 1">
+            <a:extLst>
+              <a:ext uri="{FF2B5EF4-FFF2-40B4-BE49-F238E27FC236}">
+                <a16:creationId xmlns:a16="http://schemas.microsoft.com/office/drawing/2014/main" id="{1C883FCD-C461-F4C8-B684-E732166867E6}"/>
+              </a:ext>
+            </a:extLst>
+          </p:cNvPr>
+          <p:cNvSpPr>
+            <a:spLocks noGrp="1"/>
+          </p:cNvSpPr>
+          <p:nvPr>
+            <p:ph type="title"/>
+          </p:nvPr>
+        </p:nvSpPr>
+        <p:spPr/>
+        <p:txBody>
+          <a:bodyPr/>
+          <a:lstStyle/>
+          <a:p>
+            <a:r>
+              <a:rPr lang="en-US" dirty="0"/>
+              <a:t>Library</a:t>
+            </a:r>
+          </a:p>
+        </p:txBody>
+      </p:sp>
+      <p:sp>
+        <p:nvSpPr>
+          <p:cNvPr id="3" name="Content Placeholder 2">
+            <a:extLst>
+              <a:ext uri="{FF2B5EF4-FFF2-40B4-BE49-F238E27FC236}">
+                <a16:creationId xmlns:a16="http://schemas.microsoft.com/office/drawing/2014/main" id="{ACAB7142-9FFD-16F8-A406-C18838A17EE2}"/>
+              </a:ext>
+            </a:extLst>
+          </p:cNvPr>
+          <p:cNvSpPr>
+            <a:spLocks noGrp="1"/>
+          </p:cNvSpPr>
+          <p:nvPr>
+            <p:ph idx="1"/>
+          </p:nvPr>
+        </p:nvSpPr>
+        <p:spPr/>
+        <p:txBody>
+          <a:bodyPr/>
+          <a:lstStyle/>
+          <a:p>
+            <a:endParaRPr lang="en-US"/>
+          </a:p>
+        </p:txBody>
+      </p:sp>
+    </p:spTree>
+    <p:extLst>
+      <p:ext uri="{BB962C8B-B14F-4D97-AF65-F5344CB8AC3E}">
+        <p14:creationId xmlns:p14="http://schemas.microsoft.com/office/powerpoint/2010/main" val="3234120278"/>
+      </p:ext>
+    </p:extLst>
+  </p:cSld>
+  <p:clrMapOvr>
+    <a:masterClrMapping/>
+  </p:clrMapOvr>
+</p:sld>
+</file>
+
+<file path=ppt/slides/slide13.xml><?xml version="1.0" encoding="utf-8"?>
+<p:sld xmlns:a="http://schemas.openxmlformats.org/drawingml/2006/main" xmlns:r="http://schemas.openxmlformats.org/officeDocument/2006/relationships" xmlns:p="http://schemas.openxmlformats.org/presentationml/2006/main">
+  <p:cSld>
+    <p:spTree>
+      <p:nvGrpSpPr>
+        <p:cNvPr id="1" name=""/>
+        <p:cNvGrpSpPr/>
+        <p:nvPr/>
+      </p:nvGrpSpPr>
+      <p:grpSpPr>
+        <a:xfrm>
+          <a:off x="0" y="0"/>
+          <a:ext cx="0" cy="0"/>
+          <a:chOff x="0" y="0"/>
+          <a:chExt cx="0" cy="0"/>
+        </a:xfrm>
+      </p:grpSpPr>
+      <p:sp>
+        <p:nvSpPr>
+          <p:cNvPr id="2" name="Title 1">
+            <a:extLst>
+              <a:ext uri="{FF2B5EF4-FFF2-40B4-BE49-F238E27FC236}">
                 <a16:creationId xmlns:a16="http://schemas.microsoft.com/office/drawing/2014/main" id="{7A3AAB93-9192-2F9E-5A4E-97DFE9601B32}"/>
               </a:ext>
             </a:extLst>
@@ -3483,6 +4565,13 @@
             <a:r>
               <a:rPr lang="en-US" dirty="0"/>
               <a:t>Usage</a:t>
+            </a:r>
+          </a:p>
+          <a:p>
+            <a:pPr lvl="1"/>
+            <a:r>
+              <a:rPr lang="en-US" dirty="0"/>
+              <a:t>Hourly/daily</a:t>
             </a:r>
           </a:p>
           <a:p>
@@ -3655,7 +4744,10 @@
           <a:bodyPr/>
           <a:lstStyle/>
           <a:p>
-            <a:endParaRPr lang="en-US"/>
+            <a:r>
+              <a:rPr lang="en-US" dirty="0"/>
+              <a:t>Has the weather impacted our business?</a:t>
+            </a:r>
           </a:p>
         </p:txBody>
       </p:sp>
@@ -3694,7 +4786,7 @@
           <p:cNvPr id="2" name="Title 1">
             <a:extLst>
               <a:ext uri="{FF2B5EF4-FFF2-40B4-BE49-F238E27FC236}">
-                <a16:creationId xmlns:a16="http://schemas.microsoft.com/office/drawing/2014/main" id="{166653DF-C29D-2F26-2D4E-F8677D865590}"/>
+                <a16:creationId xmlns:a16="http://schemas.microsoft.com/office/drawing/2014/main" id="{7242E533-4E6C-6281-3794-C1FE2495EDF9}"/>
               </a:ext>
             </a:extLst>
           </p:cNvPr>
@@ -3712,7 +4804,7 @@
           <a:p>
             <a:r>
               <a:rPr lang="en-US" dirty="0"/>
-              <a:t>Data Acquisition</a:t>
+              <a:t>Weather</a:t>
             </a:r>
           </a:p>
         </p:txBody>
@@ -3722,7 +4814,7 @@
           <p:cNvPr id="3" name="Content Placeholder 2">
             <a:extLst>
               <a:ext uri="{FF2B5EF4-FFF2-40B4-BE49-F238E27FC236}">
-                <a16:creationId xmlns:a16="http://schemas.microsoft.com/office/drawing/2014/main" id="{9002C11F-761A-0A80-4B41-8F4B9EB3CFC3}"/>
+                <a16:creationId xmlns:a16="http://schemas.microsoft.com/office/drawing/2014/main" id="{2039678C-6EC2-C7E3-6430-3A098E06B358}"/>
               </a:ext>
             </a:extLst>
           </p:cNvPr>
@@ -3738,14 +4830,17 @@
           <a:bodyPr/>
           <a:lstStyle/>
           <a:p>
-            <a:endParaRPr lang="en-US"/>
+            <a:r>
+              <a:rPr lang="en-US" dirty="0"/>
+              <a:t>Temperature – high low, hourly</a:t>
+            </a:r>
           </a:p>
         </p:txBody>
       </p:sp>
     </p:spTree>
     <p:extLst>
       <p:ext uri="{BB962C8B-B14F-4D97-AF65-F5344CB8AC3E}">
-        <p14:creationId xmlns:p14="http://schemas.microsoft.com/office/powerpoint/2010/main" val="3121652376"/>
+        <p14:creationId xmlns:p14="http://schemas.microsoft.com/office/powerpoint/2010/main" val="1787469747"/>
       </p:ext>
     </p:extLst>
   </p:cSld>
@@ -3777,7 +4872,7 @@
           <p:cNvPr id="2" name="Title 1">
             <a:extLst>
               <a:ext uri="{FF2B5EF4-FFF2-40B4-BE49-F238E27FC236}">
-                <a16:creationId xmlns:a16="http://schemas.microsoft.com/office/drawing/2014/main" id="{F1859399-9879-D5D6-0839-FBAE1CC3A4B6}"/>
+                <a16:creationId xmlns:a16="http://schemas.microsoft.com/office/drawing/2014/main" id="{166653DF-C29D-2F26-2D4E-F8677D865590}"/>
               </a:ext>
             </a:extLst>
           </p:cNvPr>
@@ -3795,7 +4890,7 @@
           <a:p>
             <a:r>
               <a:rPr lang="en-US" dirty="0"/>
-              <a:t>Geolocation</a:t>
+              <a:t>Data Acquisition</a:t>
             </a:r>
           </a:p>
         </p:txBody>
@@ -3805,7 +4900,7 @@
           <p:cNvPr id="3" name="Content Placeholder 2">
             <a:extLst>
               <a:ext uri="{FF2B5EF4-FFF2-40B4-BE49-F238E27FC236}">
-                <a16:creationId xmlns:a16="http://schemas.microsoft.com/office/drawing/2014/main" id="{F2A55CBE-DE16-3DF8-09A2-992F76FE5E87}"/>
+                <a16:creationId xmlns:a16="http://schemas.microsoft.com/office/drawing/2014/main" id="{9002C11F-761A-0A80-4B41-8F4B9EB3CFC3}"/>
               </a:ext>
             </a:extLst>
           </p:cNvPr>
@@ -3821,14 +4916,35 @@
           <a:bodyPr/>
           <a:lstStyle/>
           <a:p>
-            <a:endParaRPr lang="en-US"/>
+            <a:r>
+              <a:rPr lang="en-US" dirty="0"/>
+              <a:t>US: NOAA; Bureau of Meteorology (BoM)</a:t>
+            </a:r>
+          </a:p>
+          <a:p>
+            <a:r>
+              <a:rPr lang="en-US" dirty="0"/>
+              <a:t>Data Brokers</a:t>
+            </a:r>
+          </a:p>
+          <a:p>
+            <a:r>
+              <a:rPr lang="en-US" dirty="0"/>
+              <a:t>Qualified Independent Weather Observers</a:t>
+            </a:r>
+          </a:p>
+          <a:p>
+            <a:r>
+              <a:rPr lang="en-US" dirty="0"/>
+              <a:t>Raw vs interpreted </a:t>
+            </a:r>
           </a:p>
         </p:txBody>
       </p:sp>
     </p:spTree>
     <p:extLst>
       <p:ext uri="{BB962C8B-B14F-4D97-AF65-F5344CB8AC3E}">
-        <p14:creationId xmlns:p14="http://schemas.microsoft.com/office/powerpoint/2010/main" val="991094366"/>
+        <p14:creationId xmlns:p14="http://schemas.microsoft.com/office/powerpoint/2010/main" val="3121652376"/>
       </p:ext>
     </p:extLst>
   </p:cSld>
@@ -3860,7 +4976,7 @@
           <p:cNvPr id="2" name="Title 1">
             <a:extLst>
               <a:ext uri="{FF2B5EF4-FFF2-40B4-BE49-F238E27FC236}">
-                <a16:creationId xmlns:a16="http://schemas.microsoft.com/office/drawing/2014/main" id="{3B3C3E02-A6D1-CAF1-BF73-E34D6F3B3B38}"/>
+                <a16:creationId xmlns:a16="http://schemas.microsoft.com/office/drawing/2014/main" id="{F1859399-9879-D5D6-0839-FBAE1CC3A4B6}"/>
               </a:ext>
             </a:extLst>
           </p:cNvPr>
@@ -3878,7 +4994,7 @@
           <a:p>
             <a:r>
               <a:rPr lang="en-US" dirty="0"/>
-              <a:t>Space, Math, and Projections</a:t>
+              <a:t>Geolocation</a:t>
             </a:r>
           </a:p>
         </p:txBody>
@@ -3888,7 +5004,7 @@
           <p:cNvPr id="3" name="Content Placeholder 2">
             <a:extLst>
               <a:ext uri="{FF2B5EF4-FFF2-40B4-BE49-F238E27FC236}">
-                <a16:creationId xmlns:a16="http://schemas.microsoft.com/office/drawing/2014/main" id="{FB7F6E07-6692-C4F0-EA42-FE35CABB0242}"/>
+                <a16:creationId xmlns:a16="http://schemas.microsoft.com/office/drawing/2014/main" id="{F2A55CBE-DE16-3DF8-09A2-992F76FE5E87}"/>
               </a:ext>
             </a:extLst>
           </p:cNvPr>
@@ -3904,14 +5020,23 @@
           <a:bodyPr/>
           <a:lstStyle/>
           <a:p>
-            <a:endParaRPr lang="en-US"/>
+            <a:r>
+              <a:rPr lang="en-US" dirty="0"/>
+              <a:t>Latitude (up/down) Y coordinate</a:t>
+            </a:r>
+          </a:p>
+          <a:p>
+            <a:r>
+              <a:rPr lang="en-US" dirty="0"/>
+              <a:t>Longitude (left/right) X coordinate</a:t>
+            </a:r>
           </a:p>
         </p:txBody>
       </p:sp>
     </p:spTree>
     <p:extLst>
       <p:ext uri="{BB962C8B-B14F-4D97-AF65-F5344CB8AC3E}">
-        <p14:creationId xmlns:p14="http://schemas.microsoft.com/office/powerpoint/2010/main" val="229049515"/>
+        <p14:creationId xmlns:p14="http://schemas.microsoft.com/office/powerpoint/2010/main" val="991094366"/>
       </p:ext>
     </p:extLst>
   </p:cSld>
@@ -3943,7 +5068,7 @@
           <p:cNvPr id="2" name="Title 1">
             <a:extLst>
               <a:ext uri="{FF2B5EF4-FFF2-40B4-BE49-F238E27FC236}">
-                <a16:creationId xmlns:a16="http://schemas.microsoft.com/office/drawing/2014/main" id="{EEE6E266-6ED5-BE97-37D8-5BCA28A91F36}"/>
+                <a16:creationId xmlns:a16="http://schemas.microsoft.com/office/drawing/2014/main" id="{C3106D7F-2A93-6B3D-1802-9C5350207A45}"/>
               </a:ext>
             </a:extLst>
           </p:cNvPr>
@@ -3961,7 +5086,14 @@
           <a:p>
             <a:r>
               <a:rPr lang="en-US" dirty="0"/>
-              <a:t>Data Files</a:t>
+              <a:t>Precision</a:t>
+            </a:r>
+            <a:br>
+              <a:rPr lang="en-US" dirty="0"/>
+            </a:br>
+            <a:r>
+              <a:rPr lang="en-US" dirty="0"/>
+              <a:t>Longitude -91.74983737245891</a:t>
             </a:r>
           </a:p>
         </p:txBody>
@@ -3971,7 +5103,7 @@
           <p:cNvPr id="3" name="Content Placeholder 2">
             <a:extLst>
               <a:ext uri="{FF2B5EF4-FFF2-40B4-BE49-F238E27FC236}">
-                <a16:creationId xmlns:a16="http://schemas.microsoft.com/office/drawing/2014/main" id="{27F6F7AD-BE7C-2786-BD35-3D06A7E878B7}"/>
+                <a16:creationId xmlns:a16="http://schemas.microsoft.com/office/drawing/2014/main" id="{CD59869B-D93E-7304-3819-DCFE1117F1BB}"/>
               </a:ext>
             </a:extLst>
           </p:cNvPr>
@@ -3988,16 +5120,53 @@
           <a:lstStyle/>
           <a:p>
             <a:r>
-              <a:rPr lang="en-US" dirty="0" err="1"/>
-              <a:t>NetCDF</a:t>
-            </a:r>
-            <a:endParaRPr lang="en-US" dirty="0"/>
-          </a:p>
-          <a:p>
-            <a:r>
-              <a:rPr lang="en-US" dirty="0" err="1"/>
-              <a:t>Grib</a:t>
-            </a:r>
+              <a:rPr lang="en-US" dirty="0"/>
+              <a:t>- South</a:t>
+            </a:r>
+          </a:p>
+          <a:p>
+            <a:r>
+              <a:rPr lang="en-US" dirty="0"/>
+              <a:t>9x.xxxxx (1000 km – identify continent/ocean)</a:t>
+            </a:r>
+          </a:p>
+          <a:p>
+            <a:r>
+              <a:rPr lang="en-US" dirty="0"/>
+              <a:t>x1.xxxxx (111 km – identify state/country)</a:t>
+            </a:r>
+          </a:p>
+          <a:p>
+            <a:r>
+              <a:rPr lang="en-US" dirty="0"/>
+              <a:t>xx.7xxxx (11.1 km – identify city)</a:t>
+            </a:r>
+          </a:p>
+          <a:p>
+            <a:r>
+              <a:rPr lang="en-US" dirty="0"/>
+              <a:t>xx.x4xxx (1.1 km – identify village)</a:t>
+            </a:r>
+          </a:p>
+          <a:p>
+            <a:r>
+              <a:rPr lang="en-US" dirty="0"/>
+              <a:t>xx.xx9xx (110 m – identify ag field/institutional campus)</a:t>
+            </a:r>
+          </a:p>
+          <a:p>
+            <a:r>
+              <a:rPr lang="en-US" dirty="0"/>
+              <a:t>xx.xxx8x (11 m – identify a parcel of land)</a:t>
+            </a:r>
+          </a:p>
+          <a:p>
+            <a:r>
+              <a:rPr lang="en-US" dirty="0"/>
+              <a:t>xx.xxxx3 (1.1 m – identify a tree)</a:t>
+            </a:r>
+          </a:p>
+          <a:p>
             <a:endParaRPr lang="en-US" dirty="0"/>
           </a:p>
         </p:txBody>
@@ -4005,7 +5174,7 @@
     </p:spTree>
     <p:extLst>
       <p:ext uri="{BB962C8B-B14F-4D97-AF65-F5344CB8AC3E}">
-        <p14:creationId xmlns:p14="http://schemas.microsoft.com/office/powerpoint/2010/main" val="2597266994"/>
+        <p14:creationId xmlns:p14="http://schemas.microsoft.com/office/powerpoint/2010/main" val="1489810841"/>
       </p:ext>
     </p:extLst>
   </p:cSld>
@@ -4032,63 +5201,59 @@
           <a:chExt cx="0" cy="0"/>
         </a:xfrm>
       </p:grpSpPr>
-      <p:sp>
-        <p:nvSpPr>
-          <p:cNvPr id="2" name="Title 1">
-            <a:extLst>
-              <a:ext uri="{FF2B5EF4-FFF2-40B4-BE49-F238E27FC236}">
-                <a16:creationId xmlns:a16="http://schemas.microsoft.com/office/drawing/2014/main" id="{4CD116D0-9FB1-F90F-4C92-94FC6EAB34C5}"/>
-              </a:ext>
-            </a:extLst>
-          </p:cNvPr>
-          <p:cNvSpPr>
-            <a:spLocks noGrp="1"/>
-          </p:cNvSpPr>
-          <p:nvPr>
-            <p:ph type="title"/>
-          </p:nvPr>
-        </p:nvSpPr>
-        <p:spPr/>
-        <p:txBody>
-          <a:bodyPr/>
-          <a:lstStyle/>
-          <a:p>
-            <a:r>
-              <a:rPr lang="en-US" dirty="0"/>
-              <a:t>Tooling</a:t>
-            </a:r>
-          </a:p>
-        </p:txBody>
-      </p:sp>
-      <p:sp>
-        <p:nvSpPr>
-          <p:cNvPr id="3" name="Content Placeholder 2">
-            <a:extLst>
-              <a:ext uri="{FF2B5EF4-FFF2-40B4-BE49-F238E27FC236}">
-                <a16:creationId xmlns:a16="http://schemas.microsoft.com/office/drawing/2014/main" id="{170C1740-11A8-A35E-187B-ADFA4617DF9D}"/>
-              </a:ext>
-            </a:extLst>
-          </p:cNvPr>
-          <p:cNvSpPr>
-            <a:spLocks noGrp="1"/>
-          </p:cNvSpPr>
-          <p:nvPr>
-            <p:ph idx="1"/>
-          </p:nvPr>
-        </p:nvSpPr>
-        <p:spPr/>
-        <p:txBody>
-          <a:bodyPr/>
-          <a:lstStyle/>
-          <a:p>
-            <a:endParaRPr lang="en-US"/>
-          </a:p>
-        </p:txBody>
-      </p:sp>
+      <p:pic>
+        <p:nvPicPr>
+          <p:cNvPr id="1026" name="Picture 2" descr="using these ideas we can construct a table of what each digit in a decimal degree signifies: &#10;The sign tells us whether we are north or south, east or west on the globe. &#10;• A nonzero hundreds digit tells us we're using longitude, not &#10;• The tens digit gives a position to about 1,000 kilometers. It gives us useful information about &#10;what continent or ocean we are on. &#10;• The units digit (one decimal degree) gives a position up to 111 kilometers (60 nautical miles, &#10;about 69 miles) It can tell us roughly what large state or country we are in. &#10;• The first decimal place is worth up to 11.1 km: it can distinguish the position of one large city &#10;from a neighboring large city. &#10;The second decimal place is worth up to 1_1 km: it can separate one village from the next &#10;• The third decimal place is worth up to 110 m: it can identify a large agricultural field or &#10;institutional campus. &#10;• The fourth decimal place is worth up to 11 m: it can identify a parcel of land. It is comparable to &#10;the typical accuracy of an uncorrected GPS unit with no interference. &#10;The fifth decimal place is worth up to m: it distinguish trees from each other. Accuracy to &#10;this level with commercial GPS units can only be achieved With differential correction. &#10;The sixth decimal place is worth up to 0.11 m: you can use this for laying out structures in &#10;detail, for designing landscapes, building roads. It should be more than good enough for tracking &#10;movements of glaciers and rivers. This can be achieved by taking painstaking measures with &#10;GPS, such as differentially corrected GPS. &#10;The seventh decimal place is worth up to 11 mm: this is good for much surveying and is near &#10;the limit of what GPS-based techniques can achieve. &#10;The eighth decimal place is worth up to 1.1 mm: this is good for charting motions of tectonic &#10;plates and movements of volcanoes Permanent, corrected, constantly-running GPS base &#10;stations might be able to achieve this level of accuracy. &#10;The ninth decimal place is worth up to 110 microns we are getting into the range of &#10;microscopy. For almost any conceivable application with earth positions, this is overkill and will &#10;be more precise than the accuracy of any surveying device. &#10;• Ten or more decimal places indicates a computer or calculator was used and that no attention &#10;was paid to the fact that the extra decimals are useless Be careful, because unless you are the &#10;one reading these numbers off the device, this can indicate low quality processing' ">
+            <a:extLst>
+              <a:ext uri="{FF2B5EF4-FFF2-40B4-BE49-F238E27FC236}">
+                <a16:creationId xmlns:a16="http://schemas.microsoft.com/office/drawing/2014/main" id="{9F813DE6-8A8A-874D-1C36-EF7E37B6F5A6}"/>
+              </a:ext>
+            </a:extLst>
+          </p:cNvPr>
+          <p:cNvPicPr>
+            <a:picLocks noGrp="1" noChangeAspect="1" noChangeArrowheads="1"/>
+          </p:cNvPicPr>
+          <p:nvPr>
+            <p:ph idx="4294967295"/>
+          </p:nvPr>
+        </p:nvPicPr>
+        <p:blipFill>
+          <a:blip r:embed="rId2">
+            <a:extLst>
+              <a:ext uri="{28A0092B-C50C-407E-A947-70E740481C1C}">
+                <a14:useLocalDpi xmlns:a14="http://schemas.microsoft.com/office/drawing/2010/main" val="0"/>
+              </a:ext>
+            </a:extLst>
+          </a:blip>
+          <a:srcRect/>
+          <a:stretch>
+            <a:fillRect/>
+          </a:stretch>
+        </p:blipFill>
+        <p:spPr bwMode="auto">
+          <a:xfrm>
+            <a:off x="766482" y="-1"/>
+            <a:ext cx="6548718" cy="6799257"/>
+          </a:xfrm>
+          <a:prstGeom prst="rect">
+            <a:avLst/>
+          </a:prstGeom>
+          <a:noFill/>
+          <a:extLst>
+            <a:ext uri="{909E8E84-426E-40DD-AFC4-6F175D3DCCD1}">
+              <a14:hiddenFill xmlns:a14="http://schemas.microsoft.com/office/drawing/2010/main">
+                <a:solidFill>
+                  <a:srgbClr val="FFFFFF"/>
+                </a:solidFill>
+              </a14:hiddenFill>
+            </a:ext>
+          </a:extLst>
+        </p:spPr>
+      </p:pic>
     </p:spTree>
     <p:extLst>
       <p:ext uri="{BB962C8B-B14F-4D97-AF65-F5344CB8AC3E}">
-        <p14:creationId xmlns:p14="http://schemas.microsoft.com/office/powerpoint/2010/main" val="1092022144"/>
+        <p14:creationId xmlns:p14="http://schemas.microsoft.com/office/powerpoint/2010/main" val="3276134040"/>
       </p:ext>
     </p:extLst>
   </p:cSld>
@@ -4120,7 +5285,7 @@
           <p:cNvPr id="2" name="Title 1">
             <a:extLst>
               <a:ext uri="{FF2B5EF4-FFF2-40B4-BE49-F238E27FC236}">
-                <a16:creationId xmlns:a16="http://schemas.microsoft.com/office/drawing/2014/main" id="{1C883FCD-C461-F4C8-B684-E732166867E6}"/>
+                <a16:creationId xmlns:a16="http://schemas.microsoft.com/office/drawing/2014/main" id="{3B3C3E02-A6D1-CAF1-BF73-E34D6F3B3B38}"/>
               </a:ext>
             </a:extLst>
           </p:cNvPr>
@@ -4138,7 +5303,7 @@
           <a:p>
             <a:r>
               <a:rPr lang="en-US" dirty="0"/>
-              <a:t>Library</a:t>
+              <a:t>Space, Math, and Projections</a:t>
             </a:r>
           </a:p>
         </p:txBody>
@@ -4148,7 +5313,7 @@
           <p:cNvPr id="3" name="Content Placeholder 2">
             <a:extLst>
               <a:ext uri="{FF2B5EF4-FFF2-40B4-BE49-F238E27FC236}">
-                <a16:creationId xmlns:a16="http://schemas.microsoft.com/office/drawing/2014/main" id="{ACAB7142-9FFD-16F8-A406-C18838A17EE2}"/>
+                <a16:creationId xmlns:a16="http://schemas.microsoft.com/office/drawing/2014/main" id="{FB7F6E07-6692-C4F0-EA42-FE35CABB0242}"/>
               </a:ext>
             </a:extLst>
           </p:cNvPr>
@@ -4171,7 +5336,7 @@
     </p:spTree>
     <p:extLst>
       <p:ext uri="{BB962C8B-B14F-4D97-AF65-F5344CB8AC3E}">
-        <p14:creationId xmlns:p14="http://schemas.microsoft.com/office/powerpoint/2010/main" val="3234120278"/>
+        <p14:creationId xmlns:p14="http://schemas.microsoft.com/office/powerpoint/2010/main" val="229049515"/>
       </p:ext>
     </p:extLst>
   </p:cSld>
@@ -4474,4 +5639,299 @@
     </a:ext>
   </a:extLst>
 </a:theme>
+</file>
+
+<file path=ppt/theme/theme2.xml><?xml version="1.0" encoding="utf-8"?>
+<a:theme xmlns:a="http://schemas.openxmlformats.org/drawingml/2006/main" name="Office Theme">
+  <a:themeElements>
+    <a:clrScheme name="Office">
+      <a:dk1>
+        <a:sysClr val="windowText" lastClr="000000"/>
+      </a:dk1>
+      <a:lt1>
+        <a:sysClr val="window" lastClr="FFFFFF"/>
+      </a:lt1>
+      <a:dk2>
+        <a:srgbClr val="44546A"/>
+      </a:dk2>
+      <a:lt2>
+        <a:srgbClr val="E7E6E6"/>
+      </a:lt2>
+      <a:accent1>
+        <a:srgbClr val="4472C4"/>
+      </a:accent1>
+      <a:accent2>
+        <a:srgbClr val="ED7D31"/>
+      </a:accent2>
+      <a:accent3>
+        <a:srgbClr val="A5A5A5"/>
+      </a:accent3>
+      <a:accent4>
+        <a:srgbClr val="FFC000"/>
+      </a:accent4>
+      <a:accent5>
+        <a:srgbClr val="5B9BD5"/>
+      </a:accent5>
+      <a:accent6>
+        <a:srgbClr val="70AD47"/>
+      </a:accent6>
+      <a:hlink>
+        <a:srgbClr val="0563C1"/>
+      </a:hlink>
+      <a:folHlink>
+        <a:srgbClr val="954F72"/>
+      </a:folHlink>
+    </a:clrScheme>
+    <a:fontScheme name="Office">
+      <a:majorFont>
+        <a:latin typeface="Calibri Light" panose="020F0302020204030204"/>
+        <a:ea typeface=""/>
+        <a:cs typeface=""/>
+        <a:font script="Jpan" typeface="游ゴシック Light"/>
+        <a:font script="Hang" typeface="맑은 고딕"/>
+        <a:font script="Hans" typeface="等线 Light"/>
+        <a:font script="Hant" typeface="新細明體"/>
+        <a:font script="Arab" typeface="Times New Roman"/>
+        <a:font script="Hebr" typeface="Times New Roman"/>
+        <a:font script="Thai" typeface="Angsana New"/>
+        <a:font script="Ethi" typeface="Nyala"/>
+        <a:font script="Beng" typeface="Vrinda"/>
+        <a:font script="Gujr" typeface="Shruti"/>
+        <a:font script="Khmr" typeface="MoolBoran"/>
+        <a:font script="Knda" typeface="Tunga"/>
+        <a:font script="Guru" typeface="Raavi"/>
+        <a:font script="Cans" typeface="Euphemia"/>
+        <a:font script="Cher" typeface="Plantagenet Cherokee"/>
+        <a:font script="Yiii" typeface="Microsoft Yi Baiti"/>
+        <a:font script="Tibt" typeface="Microsoft Himalaya"/>
+        <a:font script="Thaa" typeface="MV Boli"/>
+        <a:font script="Deva" typeface="Mangal"/>
+        <a:font script="Telu" typeface="Gautami"/>
+        <a:font script="Taml" typeface="Latha"/>
+        <a:font script="Syrc" typeface="Estrangelo Edessa"/>
+        <a:font script="Orya" typeface="Kalinga"/>
+        <a:font script="Mlym" typeface="Kartika"/>
+        <a:font script="Laoo" typeface="DokChampa"/>
+        <a:font script="Sinh" typeface="Iskoola Pota"/>
+        <a:font script="Mong" typeface="Mongolian Baiti"/>
+        <a:font script="Viet" typeface="Times New Roman"/>
+        <a:font script="Uigh" typeface="Microsoft Uighur"/>
+        <a:font script="Geor" typeface="Sylfaen"/>
+        <a:font script="Armn" typeface="Arial"/>
+        <a:font script="Bugi" typeface="Leelawadee UI"/>
+        <a:font script="Bopo" typeface="Microsoft JhengHei"/>
+        <a:font script="Java" typeface="Javanese Text"/>
+        <a:font script="Lisu" typeface="Segoe UI"/>
+        <a:font script="Mymr" typeface="Myanmar Text"/>
+        <a:font script="Nkoo" typeface="Ebrima"/>
+        <a:font script="Olck" typeface="Nirmala UI"/>
+        <a:font script="Osma" typeface="Ebrima"/>
+        <a:font script="Phag" typeface="Phagspa"/>
+        <a:font script="Syrn" typeface="Estrangelo Edessa"/>
+        <a:font script="Syrj" typeface="Estrangelo Edessa"/>
+        <a:font script="Syre" typeface="Estrangelo Edessa"/>
+        <a:font script="Sora" typeface="Nirmala UI"/>
+        <a:font script="Tale" typeface="Microsoft Tai Le"/>
+        <a:font script="Talu" typeface="Microsoft New Tai Lue"/>
+        <a:font script="Tfng" typeface="Ebrima"/>
+      </a:majorFont>
+      <a:minorFont>
+        <a:latin typeface="Calibri" panose="020F0502020204030204"/>
+        <a:ea typeface=""/>
+        <a:cs typeface=""/>
+        <a:font script="Jpan" typeface="游ゴシック"/>
+        <a:font script="Hang" typeface="맑은 고딕"/>
+        <a:font script="Hans" typeface="等线"/>
+        <a:font script="Hant" typeface="新細明體"/>
+        <a:font script="Arab" typeface="Arial"/>
+        <a:font script="Hebr" typeface="Arial"/>
+        <a:font script="Thai" typeface="Cordia New"/>
+        <a:font script="Ethi" typeface="Nyala"/>
+        <a:font script="Beng" typeface="Vrinda"/>
+        <a:font script="Gujr" typeface="Shruti"/>
+        <a:font script="Khmr" typeface="DaunPenh"/>
+        <a:font script="Knda" typeface="Tunga"/>
+        <a:font script="Guru" typeface="Raavi"/>
+        <a:font script="Cans" typeface="Euphemia"/>
+        <a:font script="Cher" typeface="Plantagenet Cherokee"/>
+        <a:font script="Yiii" typeface="Microsoft Yi Baiti"/>
+        <a:font script="Tibt" typeface="Microsoft Himalaya"/>
+        <a:font script="Thaa" typeface="MV Boli"/>
+        <a:font script="Deva" typeface="Mangal"/>
+        <a:font script="Telu" typeface="Gautami"/>
+        <a:font script="Taml" typeface="Latha"/>
+        <a:font script="Syrc" typeface="Estrangelo Edessa"/>
+        <a:font script="Orya" typeface="Kalinga"/>
+        <a:font script="Mlym" typeface="Kartika"/>
+        <a:font script="Laoo" typeface="DokChampa"/>
+        <a:font script="Sinh" typeface="Iskoola Pota"/>
+        <a:font script="Mong" typeface="Mongolian Baiti"/>
+        <a:font script="Viet" typeface="Arial"/>
+        <a:font script="Uigh" typeface="Microsoft Uighur"/>
+        <a:font script="Geor" typeface="Sylfaen"/>
+        <a:font script="Armn" typeface="Arial"/>
+        <a:font script="Bugi" typeface="Leelawadee UI"/>
+        <a:font script="Bopo" typeface="Microsoft JhengHei"/>
+        <a:font script="Java" typeface="Javanese Text"/>
+        <a:font script="Lisu" typeface="Segoe UI"/>
+        <a:font script="Mymr" typeface="Myanmar Text"/>
+        <a:font script="Nkoo" typeface="Ebrima"/>
+        <a:font script="Olck" typeface="Nirmala UI"/>
+        <a:font script="Osma" typeface="Ebrima"/>
+        <a:font script="Phag" typeface="Phagspa"/>
+        <a:font script="Syrn" typeface="Estrangelo Edessa"/>
+        <a:font script="Syrj" typeface="Estrangelo Edessa"/>
+        <a:font script="Syre" typeface="Estrangelo Edessa"/>
+        <a:font script="Sora" typeface="Nirmala UI"/>
+        <a:font script="Tale" typeface="Microsoft Tai Le"/>
+        <a:font script="Talu" typeface="Microsoft New Tai Lue"/>
+        <a:font script="Tfng" typeface="Ebrima"/>
+      </a:minorFont>
+    </a:fontScheme>
+    <a:fmtScheme name="Office">
+      <a:fillStyleLst>
+        <a:solidFill>
+          <a:schemeClr val="phClr"/>
+        </a:solidFill>
+        <a:gradFill rotWithShape="1">
+          <a:gsLst>
+            <a:gs pos="0">
+              <a:schemeClr val="phClr">
+                <a:lumMod val="110000"/>
+                <a:satMod val="105000"/>
+                <a:tint val="67000"/>
+              </a:schemeClr>
+            </a:gs>
+            <a:gs pos="50000">
+              <a:schemeClr val="phClr">
+                <a:lumMod val="105000"/>
+                <a:satMod val="103000"/>
+                <a:tint val="73000"/>
+              </a:schemeClr>
+            </a:gs>
+            <a:gs pos="100000">
+              <a:schemeClr val="phClr">
+                <a:lumMod val="105000"/>
+                <a:satMod val="109000"/>
+                <a:tint val="81000"/>
+              </a:schemeClr>
+            </a:gs>
+          </a:gsLst>
+          <a:lin ang="5400000" scaled="0"/>
+        </a:gradFill>
+        <a:gradFill rotWithShape="1">
+          <a:gsLst>
+            <a:gs pos="0">
+              <a:schemeClr val="phClr">
+                <a:satMod val="103000"/>
+                <a:lumMod val="102000"/>
+                <a:tint val="94000"/>
+              </a:schemeClr>
+            </a:gs>
+            <a:gs pos="50000">
+              <a:schemeClr val="phClr">
+                <a:satMod val="110000"/>
+                <a:lumMod val="100000"/>
+                <a:shade val="100000"/>
+              </a:schemeClr>
+            </a:gs>
+            <a:gs pos="100000">
+              <a:schemeClr val="phClr">
+                <a:lumMod val="99000"/>
+                <a:satMod val="120000"/>
+                <a:shade val="78000"/>
+              </a:schemeClr>
+            </a:gs>
+          </a:gsLst>
+          <a:lin ang="5400000" scaled="0"/>
+        </a:gradFill>
+      </a:fillStyleLst>
+      <a:lnStyleLst>
+        <a:ln w="6350" cap="flat" cmpd="sng" algn="ctr">
+          <a:solidFill>
+            <a:schemeClr val="phClr"/>
+          </a:solidFill>
+          <a:prstDash val="solid"/>
+          <a:miter lim="800000"/>
+        </a:ln>
+        <a:ln w="12700" cap="flat" cmpd="sng" algn="ctr">
+          <a:solidFill>
+            <a:schemeClr val="phClr"/>
+          </a:solidFill>
+          <a:prstDash val="solid"/>
+          <a:miter lim="800000"/>
+        </a:ln>
+        <a:ln w="19050" cap="flat" cmpd="sng" algn="ctr">
+          <a:solidFill>
+            <a:schemeClr val="phClr"/>
+          </a:solidFill>
+          <a:prstDash val="solid"/>
+          <a:miter lim="800000"/>
+        </a:ln>
+      </a:lnStyleLst>
+      <a:effectStyleLst>
+        <a:effectStyle>
+          <a:effectLst/>
+        </a:effectStyle>
+        <a:effectStyle>
+          <a:effectLst/>
+        </a:effectStyle>
+        <a:effectStyle>
+          <a:effectLst>
+            <a:outerShdw blurRad="57150" dist="19050" dir="5400000" algn="ctr" rotWithShape="0">
+              <a:srgbClr val="000000">
+                <a:alpha val="63000"/>
+              </a:srgbClr>
+            </a:outerShdw>
+          </a:effectLst>
+        </a:effectStyle>
+      </a:effectStyleLst>
+      <a:bgFillStyleLst>
+        <a:solidFill>
+          <a:schemeClr val="phClr"/>
+        </a:solidFill>
+        <a:solidFill>
+          <a:schemeClr val="phClr">
+            <a:tint val="95000"/>
+            <a:satMod val="170000"/>
+          </a:schemeClr>
+        </a:solidFill>
+        <a:gradFill rotWithShape="1">
+          <a:gsLst>
+            <a:gs pos="0">
+              <a:schemeClr val="phClr">
+                <a:tint val="93000"/>
+                <a:satMod val="150000"/>
+                <a:shade val="98000"/>
+                <a:lumMod val="102000"/>
+              </a:schemeClr>
+            </a:gs>
+            <a:gs pos="50000">
+              <a:schemeClr val="phClr">
+                <a:tint val="98000"/>
+                <a:satMod val="130000"/>
+                <a:shade val="90000"/>
+                <a:lumMod val="103000"/>
+              </a:schemeClr>
+            </a:gs>
+            <a:gs pos="100000">
+              <a:schemeClr val="phClr">
+                <a:shade val="63000"/>
+                <a:satMod val="120000"/>
+              </a:schemeClr>
+            </a:gs>
+          </a:gsLst>
+          <a:lin ang="5400000" scaled="0"/>
+        </a:gradFill>
+      </a:bgFillStyleLst>
+    </a:fmtScheme>
+  </a:themeElements>
+  <a:objectDefaults/>
+  <a:extraClrSchemeLst/>
+  <a:extLst>
+    <a:ext uri="{05A4C25C-085E-4340-85A3-A5531E510DB2}">
+      <thm15:themeFamily xmlns:thm15="http://schemas.microsoft.com/office/thememl/2012/main" name="Office Theme" id="{62F939B6-93AF-4DB8-9C6B-D6C7DFDC589F}" vid="{4A3C46E8-61CC-4603-A589-7422A47A8E4A}"/>
+    </a:ext>
+  </a:extLst>
+</a:theme>
 </file>
--- a/IntegratingWeatherData/IntegratingWeatherData.pptx
+++ b/IntegratingWeatherData/IntegratingWeatherData.pptx
@@ -5,7 +5,7 @@
     <p:sldMasterId id="2147483648" r:id="rId1"/>
   </p:sldMasterIdLst>
   <p:notesMasterIdLst>
-    <p:notesMasterId r:id="rId15"/>
+    <p:notesMasterId r:id="rId16"/>
   </p:notesMasterIdLst>
   <p:sldIdLst>
     <p:sldId id="256" r:id="rId2"/>
@@ -17,10 +17,11 @@
     <p:sldId id="273" r:id="rId8"/>
     <p:sldId id="274" r:id="rId9"/>
     <p:sldId id="262" r:id="rId10"/>
-    <p:sldId id="258" r:id="rId11"/>
-    <p:sldId id="263" r:id="rId12"/>
-    <p:sldId id="264" r:id="rId13"/>
-    <p:sldId id="265" r:id="rId14"/>
+    <p:sldId id="275" r:id="rId11"/>
+    <p:sldId id="258" r:id="rId12"/>
+    <p:sldId id="263" r:id="rId13"/>
+    <p:sldId id="264" r:id="rId14"/>
+    <p:sldId id="265" r:id="rId15"/>
   </p:sldIdLst>
   <p:sldSz cx="12192000" cy="6858000"/>
   <p:notesSz cx="6858000" cy="9144000"/>
@@ -814,7 +815,39 @@
           <a:bodyPr/>
           <a:lstStyle/>
           <a:p>
-            <a:endParaRPr lang="en-US" dirty="0"/>
+            <a:pPr marL="0" marR="0" lvl="0" indent="0" algn="l" defTabSz="914400" rtl="0" eaLnBrk="1" fontAlgn="auto" latinLnBrk="0" hangingPunct="1">
+              <a:lnSpc>
+                <a:spcPct val="100000"/>
+              </a:lnSpc>
+              <a:spcBef>
+                <a:spcPts val="0"/>
+              </a:spcBef>
+              <a:spcAft>
+                <a:spcPts val="0"/>
+              </a:spcAft>
+              <a:buClrTx/>
+              <a:buSzTx/>
+              <a:buFontTx/>
+              <a:buNone/>
+              <a:tabLst/>
+              <a:defRPr/>
+            </a:pPr>
+            <a:r>
+              <a:rPr lang="en-US" b="1" dirty="0"/>
+              <a:t>“You cannot flatten an orange peel without tearing and warping it”</a:t>
+            </a:r>
+          </a:p>
+          <a:p>
+            <a:endParaRPr lang="en-US" b="1" dirty="0"/>
+          </a:p>
+          <a:p>
+            <a:r>
+              <a:rPr lang="en-US" b="1" dirty="0"/>
+              <a:t>https://en.wikipedia.org/wiki/Map_projection</a:t>
+            </a:r>
+          </a:p>
+          <a:p>
+            <a:endParaRPr lang="en-US" b="1" dirty="0"/>
           </a:p>
         </p:txBody>
       </p:sp>
@@ -898,7 +931,10 @@
           <a:bodyPr/>
           <a:lstStyle/>
           <a:p>
-            <a:endParaRPr lang="en-US"/>
+            <a:r>
+              <a:rPr lang="en-US" dirty="0"/>
+              <a:t>https://www.hec.usace.army.mil/confluence/hmsdocs/hmsum/4.8/geographic-information/coordinate-reference-systems</a:t>
+            </a:r>
           </a:p>
         </p:txBody>
       </p:sp>
@@ -919,7 +955,91 @@
           <a:p>
             <a:fld id="{E5935EFC-FB85-46C2-B66D-1D634388063F}" type="slidenum">
               <a:rPr lang="en-US" smtClean="0"/>
-              <a:t>13</a:t>
+              <a:t>10</a:t>
+            </a:fld>
+            <a:endParaRPr lang="en-US"/>
+          </a:p>
+        </p:txBody>
+      </p:sp>
+    </p:spTree>
+    <p:extLst>
+      <p:ext uri="{BB962C8B-B14F-4D97-AF65-F5344CB8AC3E}">
+        <p14:creationId xmlns:p14="http://schemas.microsoft.com/office/powerpoint/2010/main" val="3605841803"/>
+      </p:ext>
+    </p:extLst>
+  </p:cSld>
+  <p:clrMapOvr>
+    <a:masterClrMapping/>
+  </p:clrMapOvr>
+</p:notes>
+</file>
+
+<file path=ppt/notesSlides/notesSlide6.xml><?xml version="1.0" encoding="utf-8"?>
+<p:notes xmlns:a="http://schemas.openxmlformats.org/drawingml/2006/main" xmlns:r="http://schemas.openxmlformats.org/officeDocument/2006/relationships" xmlns:p="http://schemas.openxmlformats.org/presentationml/2006/main">
+  <p:cSld>
+    <p:spTree>
+      <p:nvGrpSpPr>
+        <p:cNvPr id="1" name=""/>
+        <p:cNvGrpSpPr/>
+        <p:nvPr/>
+      </p:nvGrpSpPr>
+      <p:grpSpPr>
+        <a:xfrm>
+          <a:off x="0" y="0"/>
+          <a:ext cx="0" cy="0"/>
+          <a:chOff x="0" y="0"/>
+          <a:chExt cx="0" cy="0"/>
+        </a:xfrm>
+      </p:grpSpPr>
+      <p:sp>
+        <p:nvSpPr>
+          <p:cNvPr id="2" name="Slide Image Placeholder 1"/>
+          <p:cNvSpPr>
+            <a:spLocks noGrp="1" noRot="1" noChangeAspect="1"/>
+          </p:cNvSpPr>
+          <p:nvPr>
+            <p:ph type="sldImg"/>
+          </p:nvPr>
+        </p:nvSpPr>
+        <p:spPr/>
+      </p:sp>
+      <p:sp>
+        <p:nvSpPr>
+          <p:cNvPr id="3" name="Notes Placeholder 2"/>
+          <p:cNvSpPr>
+            <a:spLocks noGrp="1"/>
+          </p:cNvSpPr>
+          <p:nvPr>
+            <p:ph type="body" idx="1"/>
+          </p:nvPr>
+        </p:nvSpPr>
+        <p:spPr/>
+        <p:txBody>
+          <a:bodyPr/>
+          <a:lstStyle/>
+          <a:p>
+            <a:endParaRPr lang="en-US" dirty="0"/>
+          </a:p>
+        </p:txBody>
+      </p:sp>
+      <p:sp>
+        <p:nvSpPr>
+          <p:cNvPr id="4" name="Slide Number Placeholder 3"/>
+          <p:cNvSpPr>
+            <a:spLocks noGrp="1"/>
+          </p:cNvSpPr>
+          <p:nvPr>
+            <p:ph type="sldNum" sz="quarter" idx="5"/>
+          </p:nvPr>
+        </p:nvSpPr>
+        <p:spPr/>
+        <p:txBody>
+          <a:bodyPr/>
+          <a:lstStyle/>
+          <a:p>
+            <a:fld id="{E5935EFC-FB85-46C2-B66D-1D634388063F}" type="slidenum">
+              <a:rPr lang="en-US" smtClean="0"/>
+              <a:t>14</a:t>
             </a:fld>
             <a:endParaRPr lang="en-US"/>
           </a:p>
@@ -4237,10 +4357,10 @@
       </p:grpSpPr>
       <p:sp>
         <p:nvSpPr>
-          <p:cNvPr id="2" name="Title 1">
-            <a:extLst>
-              <a:ext uri="{FF2B5EF4-FFF2-40B4-BE49-F238E27FC236}">
-                <a16:creationId xmlns:a16="http://schemas.microsoft.com/office/drawing/2014/main" id="{EEE6E266-6ED5-BE97-37D8-5BCA28A91F36}"/>
+          <p:cNvPr id="7" name="Title 6">
+            <a:extLst>
+              <a:ext uri="{FF2B5EF4-FFF2-40B4-BE49-F238E27FC236}">
+                <a16:creationId xmlns:a16="http://schemas.microsoft.com/office/drawing/2014/main" id="{B6118AEE-F521-7292-4C19-F02922E4FD02}"/>
               </a:ext>
             </a:extLst>
           </p:cNvPr>
@@ -4258,51 +4378,54 @@
           <a:p>
             <a:r>
               <a:rPr lang="en-US" dirty="0"/>
-              <a:t>Data Files</a:t>
-            </a:r>
-          </a:p>
-        </p:txBody>
-      </p:sp>
-      <p:sp>
-        <p:nvSpPr>
-          <p:cNvPr id="3" name="Content Placeholder 2">
-            <a:extLst>
-              <a:ext uri="{FF2B5EF4-FFF2-40B4-BE49-F238E27FC236}">
-                <a16:creationId xmlns:a16="http://schemas.microsoft.com/office/drawing/2014/main" id="{27F6F7AD-BE7C-2786-BD35-3D06A7E878B7}"/>
-              </a:ext>
-            </a:extLst>
-          </p:cNvPr>
-          <p:cNvSpPr>
-            <a:spLocks noGrp="1"/>
-          </p:cNvSpPr>
+              <a:t>Who’s projection </a:t>
+            </a:r>
+            <a:r>
+              <a:rPr lang="en-US"/>
+              <a:t>is it anyway?</a:t>
+            </a:r>
+          </a:p>
+        </p:txBody>
+      </p:sp>
+      <p:pic>
+        <p:nvPicPr>
+          <p:cNvPr id="6" name="Picture Placeholder 5" descr="Chart&#10;&#10;Description automatically generated">
+            <a:extLst>
+              <a:ext uri="{FF2B5EF4-FFF2-40B4-BE49-F238E27FC236}">
+                <a16:creationId xmlns:a16="http://schemas.microsoft.com/office/drawing/2014/main" id="{D8F0C48D-8CBB-0D38-5771-95C4269DEFED}"/>
+              </a:ext>
+            </a:extLst>
+          </p:cNvPr>
+          <p:cNvPicPr>
+            <a:picLocks noGrp="1" noChangeAspect="1"/>
+          </p:cNvPicPr>
           <p:nvPr>
             <p:ph idx="1"/>
           </p:nvPr>
-        </p:nvSpPr>
-        <p:spPr/>
-        <p:txBody>
-          <a:bodyPr/>
-          <a:lstStyle/>
-          <a:p>
-            <a:r>
-              <a:rPr lang="en-US" dirty="0" err="1"/>
-              <a:t>NetCDF</a:t>
-            </a:r>
-            <a:endParaRPr lang="en-US" dirty="0"/>
-          </a:p>
-          <a:p>
-            <a:r>
-              <a:rPr lang="en-US" dirty="0" err="1"/>
-              <a:t>Grib</a:t>
-            </a:r>
-            <a:endParaRPr lang="en-US" dirty="0"/>
-          </a:p>
-        </p:txBody>
-      </p:sp>
+        </p:nvPicPr>
+        <p:blipFill>
+          <a:blip r:embed="rId3">
+            <a:extLst>
+              <a:ext uri="{28A0092B-C50C-407E-A947-70E740481C1C}">
+                <a14:useLocalDpi xmlns:a14="http://schemas.microsoft.com/office/drawing/2010/main" val="0"/>
+              </a:ext>
+            </a:extLst>
+          </a:blip>
+          <a:stretch>
+            <a:fillRect/>
+          </a:stretch>
+        </p:blipFill>
+        <p:spPr>
+          <a:xfrm>
+            <a:off x="2334409" y="2031391"/>
+            <a:ext cx="6788076" cy="4418275"/>
+          </a:xfrm>
+        </p:spPr>
+      </p:pic>
     </p:spTree>
     <p:extLst>
       <p:ext uri="{BB962C8B-B14F-4D97-AF65-F5344CB8AC3E}">
-        <p14:creationId xmlns:p14="http://schemas.microsoft.com/office/powerpoint/2010/main" val="2597266994"/>
+        <p14:creationId xmlns:p14="http://schemas.microsoft.com/office/powerpoint/2010/main" val="1073583161"/>
       </p:ext>
     </p:extLst>
   </p:cSld>
@@ -4334,7 +4457,7 @@
           <p:cNvPr id="2" name="Title 1">
             <a:extLst>
               <a:ext uri="{FF2B5EF4-FFF2-40B4-BE49-F238E27FC236}">
-                <a16:creationId xmlns:a16="http://schemas.microsoft.com/office/drawing/2014/main" id="{4CD116D0-9FB1-F90F-4C92-94FC6EAB34C5}"/>
+                <a16:creationId xmlns:a16="http://schemas.microsoft.com/office/drawing/2014/main" id="{EEE6E266-6ED5-BE97-37D8-5BCA28A91F36}"/>
               </a:ext>
             </a:extLst>
           </p:cNvPr>
@@ -4352,7 +4475,7 @@
           <a:p>
             <a:r>
               <a:rPr lang="en-US" dirty="0"/>
-              <a:t>Tooling</a:t>
+              <a:t>Data Files</a:t>
             </a:r>
           </a:p>
         </p:txBody>
@@ -4362,7 +4485,7 @@
           <p:cNvPr id="3" name="Content Placeholder 2">
             <a:extLst>
               <a:ext uri="{FF2B5EF4-FFF2-40B4-BE49-F238E27FC236}">
-                <a16:creationId xmlns:a16="http://schemas.microsoft.com/office/drawing/2014/main" id="{170C1740-11A8-A35E-187B-ADFA4617DF9D}"/>
+                <a16:creationId xmlns:a16="http://schemas.microsoft.com/office/drawing/2014/main" id="{27F6F7AD-BE7C-2786-BD35-3D06A7E878B7}"/>
               </a:ext>
             </a:extLst>
           </p:cNvPr>
@@ -4378,14 +4501,25 @@
           <a:bodyPr/>
           <a:lstStyle/>
           <a:p>
-            <a:endParaRPr lang="en-US"/>
+            <a:r>
+              <a:rPr lang="en-US" dirty="0" err="1"/>
+              <a:t>NetCDF</a:t>
+            </a:r>
+            <a:endParaRPr lang="en-US" dirty="0"/>
+          </a:p>
+          <a:p>
+            <a:r>
+              <a:rPr lang="en-US" dirty="0" err="1"/>
+              <a:t>Grib</a:t>
+            </a:r>
+            <a:endParaRPr lang="en-US" dirty="0"/>
           </a:p>
         </p:txBody>
       </p:sp>
     </p:spTree>
     <p:extLst>
       <p:ext uri="{BB962C8B-B14F-4D97-AF65-F5344CB8AC3E}">
-        <p14:creationId xmlns:p14="http://schemas.microsoft.com/office/powerpoint/2010/main" val="1092022144"/>
+        <p14:creationId xmlns:p14="http://schemas.microsoft.com/office/powerpoint/2010/main" val="2597266994"/>
       </p:ext>
     </p:extLst>
   </p:cSld>
@@ -4417,6 +4551,108 @@
           <p:cNvPr id="2" name="Title 1">
             <a:extLst>
               <a:ext uri="{FF2B5EF4-FFF2-40B4-BE49-F238E27FC236}">
+                <a16:creationId xmlns:a16="http://schemas.microsoft.com/office/drawing/2014/main" id="{4CD116D0-9FB1-F90F-4C92-94FC6EAB34C5}"/>
+              </a:ext>
+            </a:extLst>
+          </p:cNvPr>
+          <p:cNvSpPr>
+            <a:spLocks noGrp="1"/>
+          </p:cNvSpPr>
+          <p:nvPr>
+            <p:ph type="title"/>
+          </p:nvPr>
+        </p:nvSpPr>
+        <p:spPr/>
+        <p:txBody>
+          <a:bodyPr/>
+          <a:lstStyle/>
+          <a:p>
+            <a:r>
+              <a:rPr lang="en-US" dirty="0"/>
+              <a:t>Tooling</a:t>
+            </a:r>
+          </a:p>
+        </p:txBody>
+      </p:sp>
+      <p:sp>
+        <p:nvSpPr>
+          <p:cNvPr id="3" name="Content Placeholder 2">
+            <a:extLst>
+              <a:ext uri="{FF2B5EF4-FFF2-40B4-BE49-F238E27FC236}">
+                <a16:creationId xmlns:a16="http://schemas.microsoft.com/office/drawing/2014/main" id="{170C1740-11A8-A35E-187B-ADFA4617DF9D}"/>
+              </a:ext>
+            </a:extLst>
+          </p:cNvPr>
+          <p:cNvSpPr>
+            <a:spLocks noGrp="1"/>
+          </p:cNvSpPr>
+          <p:nvPr>
+            <p:ph idx="1"/>
+          </p:nvPr>
+        </p:nvSpPr>
+        <p:spPr/>
+        <p:txBody>
+          <a:bodyPr/>
+          <a:lstStyle/>
+          <a:p>
+            <a:r>
+              <a:rPr lang="en-US" dirty="0"/>
+              <a:t>Google Earth</a:t>
+            </a:r>
+          </a:p>
+          <a:p>
+            <a:r>
+              <a:rPr lang="en-US" dirty="0"/>
+              <a:t>Panoply</a:t>
+            </a:r>
+          </a:p>
+          <a:p>
+            <a:r>
+              <a:rPr lang="en-US" dirty="0" err="1"/>
+              <a:t>nc</a:t>
+            </a:r>
+            <a:r>
+              <a:rPr lang="en-US" dirty="0"/>
+              <a:t>*</a:t>
+            </a:r>
+          </a:p>
+        </p:txBody>
+      </p:sp>
+    </p:spTree>
+    <p:extLst>
+      <p:ext uri="{BB962C8B-B14F-4D97-AF65-F5344CB8AC3E}">
+        <p14:creationId xmlns:p14="http://schemas.microsoft.com/office/powerpoint/2010/main" val="1092022144"/>
+      </p:ext>
+    </p:extLst>
+  </p:cSld>
+  <p:clrMapOvr>
+    <a:masterClrMapping/>
+  </p:clrMapOvr>
+</p:sld>
+</file>
+
+<file path=ppt/slides/slide13.xml><?xml version="1.0" encoding="utf-8"?>
+<p:sld xmlns:a="http://schemas.openxmlformats.org/drawingml/2006/main" xmlns:r="http://schemas.openxmlformats.org/officeDocument/2006/relationships" xmlns:p="http://schemas.openxmlformats.org/presentationml/2006/main">
+  <p:cSld>
+    <p:spTree>
+      <p:nvGrpSpPr>
+        <p:cNvPr id="1" name=""/>
+        <p:cNvGrpSpPr/>
+        <p:nvPr/>
+      </p:nvGrpSpPr>
+      <p:grpSpPr>
+        <a:xfrm>
+          <a:off x="0" y="0"/>
+          <a:ext cx="0" cy="0"/>
+          <a:chOff x="0" y="0"/>
+          <a:chExt cx="0" cy="0"/>
+        </a:xfrm>
+      </p:grpSpPr>
+      <p:sp>
+        <p:nvSpPr>
+          <p:cNvPr id="2" name="Title 1">
+            <a:extLst>
+              <a:ext uri="{FF2B5EF4-FFF2-40B4-BE49-F238E27FC236}">
                 <a16:creationId xmlns:a16="http://schemas.microsoft.com/office/drawing/2014/main" id="{1C883FCD-C461-F4C8-B684-E732166867E6}"/>
               </a:ext>
             </a:extLst>
@@ -4478,7 +4714,7 @@
 </p:sld>
 </file>
 
-<file path=ppt/slides/slide13.xml><?xml version="1.0" encoding="utf-8"?>
+<file path=ppt/slides/slide14.xml><?xml version="1.0" encoding="utf-8"?>
 <p:sld xmlns:a="http://schemas.openxmlformats.org/drawingml/2006/main" xmlns:r="http://schemas.openxmlformats.org/officeDocument/2006/relationships" xmlns:p="http://schemas.openxmlformats.org/presentationml/2006/main">
   <p:cSld>
     <p:spTree>
@@ -4832,7 +5068,48 @@
           <a:p>
             <a:r>
               <a:rPr lang="en-US" dirty="0"/>
-              <a:t>Temperature – high low, hourly</a:t>
+              <a:t>Temperature – high, low</a:t>
+            </a:r>
+          </a:p>
+          <a:p>
+            <a:r>
+              <a:rPr lang="en-US" dirty="0"/>
+              <a:t>Rain</a:t>
+            </a:r>
+          </a:p>
+          <a:p>
+            <a:r>
+              <a:rPr lang="en-US" dirty="0"/>
+              <a:t>Hail</a:t>
+            </a:r>
+          </a:p>
+          <a:p>
+            <a:r>
+              <a:rPr lang="en-US" dirty="0"/>
+              <a:t>Wind – ground level, N meters </a:t>
+            </a:r>
+            <a:r>
+              <a:rPr lang="en-US" dirty="0" err="1"/>
+              <a:t>agl</a:t>
+            </a:r>
+            <a:endParaRPr lang="en-US" dirty="0"/>
+          </a:p>
+          <a:p>
+            <a:r>
+              <a:rPr lang="en-US" dirty="0"/>
+              <a:t>Snow</a:t>
+            </a:r>
+          </a:p>
+          <a:p>
+            <a:r>
+              <a:rPr lang="en-US" dirty="0"/>
+              <a:t>Lightning</a:t>
+            </a:r>
+          </a:p>
+          <a:p>
+            <a:r>
+              <a:rPr lang="en-US" dirty="0"/>
+              <a:t>Hurricane/Tornado</a:t>
             </a:r>
           </a:p>
         </p:txBody>
@@ -5310,29 +5587,77 @@
       </p:sp>
       <p:sp>
         <p:nvSpPr>
-          <p:cNvPr id="3" name="Content Placeholder 2">
-            <a:extLst>
-              <a:ext uri="{FF2B5EF4-FFF2-40B4-BE49-F238E27FC236}">
-                <a16:creationId xmlns:a16="http://schemas.microsoft.com/office/drawing/2014/main" id="{FB7F6E07-6692-C4F0-EA42-FE35CABB0242}"/>
-              </a:ext>
-            </a:extLst>
-          </p:cNvPr>
-          <p:cNvSpPr>
-            <a:spLocks noGrp="1"/>
-          </p:cNvSpPr>
-          <p:nvPr>
-            <p:ph idx="1"/>
-          </p:nvPr>
-        </p:nvSpPr>
-        <p:spPr/>
-        <p:txBody>
-          <a:bodyPr/>
-          <a:lstStyle/>
-          <a:p>
-            <a:endParaRPr lang="en-US"/>
-          </a:p>
-        </p:txBody>
-      </p:sp>
+          <p:cNvPr id="5" name="Text Placeholder 4">
+            <a:extLst>
+              <a:ext uri="{FF2B5EF4-FFF2-40B4-BE49-F238E27FC236}">
+                <a16:creationId xmlns:a16="http://schemas.microsoft.com/office/drawing/2014/main" id="{2C021AB9-A86F-1763-D08F-030404D79281}"/>
+              </a:ext>
+            </a:extLst>
+          </p:cNvPr>
+          <p:cNvSpPr>
+            <a:spLocks noGrp="1"/>
+          </p:cNvSpPr>
+          <p:nvPr>
+            <p:ph type="body" sz="half" idx="2"/>
+          </p:nvPr>
+        </p:nvSpPr>
+        <p:spPr/>
+        <p:txBody>
+          <a:bodyPr/>
+          <a:lstStyle/>
+          <a:p>
+            <a:r>
+              <a:rPr lang="en-US" dirty="0"/>
+              <a:t>“Always...No, no. </a:t>
+            </a:r>
+            <a:r>
+              <a:rPr lang="en-US" i="1" dirty="0"/>
+              <a:t>Never</a:t>
+            </a:r>
+            <a:r>
+              <a:rPr lang="en-US" dirty="0"/>
+              <a:t> forget to check your references”</a:t>
+            </a:r>
+          </a:p>
+          <a:p>
+            <a:r>
+              <a:rPr lang="en-US" dirty="0"/>
+              <a:t>Dr. Meredith, Real Genius</a:t>
+            </a:r>
+          </a:p>
+        </p:txBody>
+      </p:sp>
+      <p:pic>
+        <p:nvPicPr>
+          <p:cNvPr id="11" name="Picture Placeholder 10" descr="A person wearing glasses and a suit&#10;&#10;Description automatically generated with low confidence">
+            <a:extLst>
+              <a:ext uri="{FF2B5EF4-FFF2-40B4-BE49-F238E27FC236}">
+                <a16:creationId xmlns:a16="http://schemas.microsoft.com/office/drawing/2014/main" id="{A640F04A-DCD0-3805-EEDD-375A641C6C53}"/>
+              </a:ext>
+            </a:extLst>
+          </p:cNvPr>
+          <p:cNvPicPr>
+            <a:picLocks noGrp="1" noChangeAspect="1"/>
+          </p:cNvPicPr>
+          <p:nvPr>
+            <p:ph type="pic" idx="1"/>
+          </p:nvPr>
+        </p:nvPicPr>
+        <p:blipFill>
+          <a:blip r:embed="rId3">
+            <a:extLst>
+              <a:ext uri="{28A0092B-C50C-407E-A947-70E740481C1C}">
+                <a14:useLocalDpi xmlns:a14="http://schemas.microsoft.com/office/drawing/2010/main" val="0"/>
+              </a:ext>
+            </a:extLst>
+          </a:blip>
+          <a:srcRect l="5214" r="5214"/>
+          <a:stretch>
+            <a:fillRect/>
+          </a:stretch>
+        </p:blipFill>
+        <p:spPr/>
+      </p:pic>
     </p:spTree>
     <p:extLst>
       <p:ext uri="{BB962C8B-B14F-4D97-AF65-F5344CB8AC3E}">

--- a/IntegratingWeatherData/IntegratingWeatherData.pptx
+++ b/IntegratingWeatherData/IntegratingWeatherData.pptx
@@ -5,7 +5,7 @@
     <p:sldMasterId id="2147483648" r:id="rId1"/>
   </p:sldMasterIdLst>
   <p:notesMasterIdLst>
-    <p:notesMasterId r:id="rId16"/>
+    <p:notesMasterId r:id="rId27"/>
   </p:notesMasterIdLst>
   <p:sldIdLst>
     <p:sldId id="256" r:id="rId2"/>
@@ -18,10 +18,21 @@
     <p:sldId id="274" r:id="rId9"/>
     <p:sldId id="262" r:id="rId10"/>
     <p:sldId id="275" r:id="rId11"/>
-    <p:sldId id="258" r:id="rId12"/>
-    <p:sldId id="263" r:id="rId13"/>
-    <p:sldId id="264" r:id="rId14"/>
-    <p:sldId id="265" r:id="rId15"/>
+    <p:sldId id="276" r:id="rId12"/>
+    <p:sldId id="258" r:id="rId13"/>
+    <p:sldId id="263" r:id="rId14"/>
+    <p:sldId id="264" r:id="rId15"/>
+    <p:sldId id="265" r:id="rId16"/>
+    <p:sldId id="279" r:id="rId17"/>
+    <p:sldId id="285" r:id="rId18"/>
+    <p:sldId id="280" r:id="rId19"/>
+    <p:sldId id="281" r:id="rId20"/>
+    <p:sldId id="282" r:id="rId21"/>
+    <p:sldId id="283" r:id="rId22"/>
+    <p:sldId id="286" r:id="rId23"/>
+    <p:sldId id="284" r:id="rId24"/>
+    <p:sldId id="278" r:id="rId25"/>
+    <p:sldId id="277" r:id="rId26"/>
   </p:sldIdLst>
   <p:sldSz cx="12192000" cy="6858000"/>
   <p:notesSz cx="6858000" cy="9144000"/>
@@ -120,6 +131,11 @@
       </a:defRPr>
     </a:lvl9pPr>
   </p:defaultTextStyle>
+  <p:extLst>
+    <p:ext uri="{EFAFB233-063F-42B5-8137-9DF3F51BA10A}">
+      <p15:sldGuideLst xmlns:p15="http://schemas.microsoft.com/office/powerpoint/2012/main"/>
+    </p:ext>
+  </p:extLst>
 </p:presentation>
 </file>
 
@@ -205,7 +221,7 @@
           <a:p>
             <a:fld id="{4066DAB0-0501-4E5A-99D9-4F34B33EA481}" type="datetimeFigureOut">
               <a:rPr lang="en-US" smtClean="0"/>
-              <a:t>8/8/2022</a:t>
+              <a:t>8/14/2022</a:t>
             </a:fld>
             <a:endParaRPr lang="en-US"/>
           </a:p>
@@ -524,6 +540,73 @@
           <a:p>
             <a:endParaRPr lang="en-US" dirty="0"/>
           </a:p>
+          <a:p>
+            <a:r>
+              <a:rPr lang="en-US" dirty="0"/>
+              <a:t>e.g. https://psl.noaa.gov/data/gridded/</a:t>
+            </a:r>
+          </a:p>
+          <a:p>
+            <a:endParaRPr lang="en-US" dirty="0"/>
+          </a:p>
+          <a:p>
+            <a:r>
+              <a:rPr lang="en-US" dirty="0"/>
+              <a:t>https://water.weather.gov/precip/downloads/</a:t>
+            </a:r>
+          </a:p>
+          <a:p>
+            <a:endParaRPr lang="en-US" dirty="0"/>
+          </a:p>
+          <a:p>
+            <a:r>
+              <a:rPr lang="en-US" dirty="0"/>
+              <a:t>Demo: </a:t>
+            </a:r>
+          </a:p>
+          <a:p>
+            <a:r>
+              <a:rPr lang="en-US" dirty="0"/>
+              <a:t>Scenario: It rained “here” on the 11</a:t>
+            </a:r>
+            <a:r>
+              <a:rPr lang="en-US" baseline="30000" dirty="0"/>
+              <a:t>th</a:t>
+            </a:r>
+            <a:r>
+              <a:rPr lang="en-US" dirty="0"/>
+              <a:t> (Thursday) Let’s download the daily precipitation file and see what happened.</a:t>
+            </a:r>
+          </a:p>
+          <a:p>
+            <a:endParaRPr lang="en-US" dirty="0"/>
+          </a:p>
+          <a:p>
+            <a:r>
+              <a:rPr lang="en-US" dirty="0"/>
+              <a:t>Visit https://water.weather.gov/precip/download.php</a:t>
+            </a:r>
+          </a:p>
+          <a:p>
+            <a:r>
+              <a:rPr lang="en-US" dirty="0"/>
+              <a:t>Daily/</a:t>
+            </a:r>
+            <a:r>
+              <a:rPr lang="en-US" dirty="0" err="1"/>
+              <a:t>NetCDF</a:t>
+            </a:r>
+            <a:r>
+              <a:rPr lang="en-US" dirty="0"/>
+              <a:t>/Day/2022-August-11</a:t>
+            </a:r>
+          </a:p>
+          <a:p>
+            <a:r>
+              <a:rPr lang="en-US" dirty="0"/>
+              <a:t>1 Day</a:t>
+            </a:r>
+          </a:p>
         </p:txBody>
       </p:sp>
       <p:sp>
@@ -553,6 +636,1084 @@
     <p:extLst>
       <p:ext uri="{BB962C8B-B14F-4D97-AF65-F5344CB8AC3E}">
         <p14:creationId xmlns:p14="http://schemas.microsoft.com/office/powerpoint/2010/main" val="2030679848"/>
+      </p:ext>
+    </p:extLst>
+  </p:cSld>
+  <p:clrMapOvr>
+    <a:masterClrMapping/>
+  </p:clrMapOvr>
+</p:notes>
+</file>
+
+<file path=ppt/notesSlides/notesSlide10.xml><?xml version="1.0" encoding="utf-8"?>
+<p:notes xmlns:a="http://schemas.openxmlformats.org/drawingml/2006/main" xmlns:r="http://schemas.openxmlformats.org/officeDocument/2006/relationships" xmlns:p="http://schemas.openxmlformats.org/presentationml/2006/main">
+  <p:cSld>
+    <p:spTree>
+      <p:nvGrpSpPr>
+        <p:cNvPr id="1" name=""/>
+        <p:cNvGrpSpPr/>
+        <p:nvPr/>
+      </p:nvGrpSpPr>
+      <p:grpSpPr>
+        <a:xfrm>
+          <a:off x="0" y="0"/>
+          <a:ext cx="0" cy="0"/>
+          <a:chOff x="0" y="0"/>
+          <a:chExt cx="0" cy="0"/>
+        </a:xfrm>
+      </p:grpSpPr>
+      <p:sp>
+        <p:nvSpPr>
+          <p:cNvPr id="2" name="Slide Image Placeholder 1"/>
+          <p:cNvSpPr>
+            <a:spLocks noGrp="1" noRot="1" noChangeAspect="1"/>
+          </p:cNvSpPr>
+          <p:nvPr>
+            <p:ph type="sldImg"/>
+          </p:nvPr>
+        </p:nvSpPr>
+        <p:spPr/>
+      </p:sp>
+      <p:sp>
+        <p:nvSpPr>
+          <p:cNvPr id="3" name="Notes Placeholder 2"/>
+          <p:cNvSpPr>
+            <a:spLocks noGrp="1"/>
+          </p:cNvSpPr>
+          <p:nvPr>
+            <p:ph type="body" idx="1"/>
+          </p:nvPr>
+        </p:nvSpPr>
+        <p:spPr/>
+        <p:txBody>
+          <a:bodyPr/>
+          <a:lstStyle/>
+          <a:p>
+            <a:r>
+              <a:rPr lang="en-US" dirty="0"/>
+              <a:t>What date format do you get to deal with? Bonus points for Gregorian dates</a:t>
+            </a:r>
+          </a:p>
+          <a:p>
+            <a:r>
+              <a:rPr lang="en-US" dirty="0" err="1"/>
+              <a:t>Timezones</a:t>
+            </a:r>
+            <a:r>
+              <a:rPr lang="en-US" dirty="0"/>
+              <a:t>!</a:t>
+            </a:r>
+          </a:p>
+          <a:p>
+            <a:endParaRPr lang="en-US" dirty="0"/>
+          </a:p>
+        </p:txBody>
+      </p:sp>
+      <p:sp>
+        <p:nvSpPr>
+          <p:cNvPr id="4" name="Slide Number Placeholder 3"/>
+          <p:cNvSpPr>
+            <a:spLocks noGrp="1"/>
+          </p:cNvSpPr>
+          <p:nvPr>
+            <p:ph type="sldNum" sz="quarter" idx="5"/>
+          </p:nvPr>
+        </p:nvSpPr>
+        <p:spPr/>
+        <p:txBody>
+          <a:bodyPr/>
+          <a:lstStyle/>
+          <a:p>
+            <a:fld id="{E5935EFC-FB85-46C2-B66D-1D634388063F}" type="slidenum">
+              <a:rPr lang="en-US" smtClean="0"/>
+              <a:t>15</a:t>
+            </a:fld>
+            <a:endParaRPr lang="en-US"/>
+          </a:p>
+        </p:txBody>
+      </p:sp>
+    </p:spTree>
+    <p:extLst>
+      <p:ext uri="{BB962C8B-B14F-4D97-AF65-F5344CB8AC3E}">
+        <p14:creationId xmlns:p14="http://schemas.microsoft.com/office/powerpoint/2010/main" val="167641411"/>
+      </p:ext>
+    </p:extLst>
+  </p:cSld>
+  <p:clrMapOvr>
+    <a:masterClrMapping/>
+  </p:clrMapOvr>
+</p:notes>
+</file>
+
+<file path=ppt/notesSlides/notesSlide11.xml><?xml version="1.0" encoding="utf-8"?>
+<p:notes xmlns:a="http://schemas.openxmlformats.org/drawingml/2006/main" xmlns:r="http://schemas.openxmlformats.org/officeDocument/2006/relationships" xmlns:p="http://schemas.openxmlformats.org/presentationml/2006/main">
+  <p:cSld>
+    <p:spTree>
+      <p:nvGrpSpPr>
+        <p:cNvPr id="1" name=""/>
+        <p:cNvGrpSpPr/>
+        <p:nvPr/>
+      </p:nvGrpSpPr>
+      <p:grpSpPr>
+        <a:xfrm>
+          <a:off x="0" y="0"/>
+          <a:ext cx="0" cy="0"/>
+          <a:chOff x="0" y="0"/>
+          <a:chExt cx="0" cy="0"/>
+        </a:xfrm>
+      </p:grpSpPr>
+      <p:sp>
+        <p:nvSpPr>
+          <p:cNvPr id="2" name="Slide Image Placeholder 1"/>
+          <p:cNvSpPr>
+            <a:spLocks noGrp="1" noRot="1" noChangeAspect="1"/>
+          </p:cNvSpPr>
+          <p:nvPr>
+            <p:ph type="sldImg"/>
+          </p:nvPr>
+        </p:nvSpPr>
+        <p:spPr/>
+      </p:sp>
+      <p:sp>
+        <p:nvSpPr>
+          <p:cNvPr id="3" name="Notes Placeholder 2"/>
+          <p:cNvSpPr>
+            <a:spLocks noGrp="1"/>
+          </p:cNvSpPr>
+          <p:nvPr>
+            <p:ph type="body" idx="1"/>
+          </p:nvPr>
+        </p:nvSpPr>
+        <p:spPr/>
+        <p:txBody>
+          <a:bodyPr/>
+          <a:lstStyle/>
+          <a:p>
+            <a:r>
+              <a:rPr lang="en-US" dirty="0"/>
+              <a:t>How is the missing data identified? A literal not-a-number or do they use a sentinel value?</a:t>
+            </a:r>
+          </a:p>
+          <a:p>
+            <a:r>
+              <a:rPr lang="en-US" dirty="0"/>
+              <a:t>What business rules need to apply? Historical prediction, we threw out the entire set</a:t>
+            </a:r>
+          </a:p>
+        </p:txBody>
+      </p:sp>
+      <p:sp>
+        <p:nvSpPr>
+          <p:cNvPr id="4" name="Slide Number Placeholder 3"/>
+          <p:cNvSpPr>
+            <a:spLocks noGrp="1"/>
+          </p:cNvSpPr>
+          <p:nvPr>
+            <p:ph type="sldNum" sz="quarter" idx="5"/>
+          </p:nvPr>
+        </p:nvSpPr>
+        <p:spPr/>
+        <p:txBody>
+          <a:bodyPr/>
+          <a:lstStyle/>
+          <a:p>
+            <a:fld id="{E5935EFC-FB85-46C2-B66D-1D634388063F}" type="slidenum">
+              <a:rPr lang="en-US" smtClean="0"/>
+              <a:t>16</a:t>
+            </a:fld>
+            <a:endParaRPr lang="en-US"/>
+          </a:p>
+        </p:txBody>
+      </p:sp>
+    </p:spTree>
+    <p:extLst>
+      <p:ext uri="{BB962C8B-B14F-4D97-AF65-F5344CB8AC3E}">
+        <p14:creationId xmlns:p14="http://schemas.microsoft.com/office/powerpoint/2010/main" val="1653535611"/>
+      </p:ext>
+    </p:extLst>
+  </p:cSld>
+  <p:clrMapOvr>
+    <a:masterClrMapping/>
+  </p:clrMapOvr>
+</p:notes>
+</file>
+
+<file path=ppt/notesSlides/notesSlide12.xml><?xml version="1.0" encoding="utf-8"?>
+<p:notes xmlns:a="http://schemas.openxmlformats.org/drawingml/2006/main" xmlns:r="http://schemas.openxmlformats.org/officeDocument/2006/relationships" xmlns:p="http://schemas.openxmlformats.org/presentationml/2006/main">
+  <p:cSld>
+    <p:spTree>
+      <p:nvGrpSpPr>
+        <p:cNvPr id="1" name=""/>
+        <p:cNvGrpSpPr/>
+        <p:nvPr/>
+      </p:nvGrpSpPr>
+      <p:grpSpPr>
+        <a:xfrm>
+          <a:off x="0" y="0"/>
+          <a:ext cx="0" cy="0"/>
+          <a:chOff x="0" y="0"/>
+          <a:chExt cx="0" cy="0"/>
+        </a:xfrm>
+      </p:grpSpPr>
+      <p:sp>
+        <p:nvSpPr>
+          <p:cNvPr id="2" name="Slide Image Placeholder 1"/>
+          <p:cNvSpPr>
+            <a:spLocks noGrp="1" noRot="1" noChangeAspect="1"/>
+          </p:cNvSpPr>
+          <p:nvPr>
+            <p:ph type="sldImg"/>
+          </p:nvPr>
+        </p:nvSpPr>
+        <p:spPr/>
+      </p:sp>
+      <p:sp>
+        <p:nvSpPr>
+          <p:cNvPr id="3" name="Notes Placeholder 2"/>
+          <p:cNvSpPr>
+            <a:spLocks noGrp="1"/>
+          </p:cNvSpPr>
+          <p:nvPr>
+            <p:ph type="body" idx="1"/>
+          </p:nvPr>
+        </p:nvSpPr>
+        <p:spPr/>
+        <p:txBody>
+          <a:bodyPr/>
+          <a:lstStyle/>
+          <a:p>
+            <a:r>
+              <a:rPr lang="en-US" dirty="0"/>
+              <a:t>How is the missing data identified? A literal not-a-number or do they use a sentinel value?</a:t>
+            </a:r>
+          </a:p>
+          <a:p>
+            <a:r>
+              <a:rPr lang="en-US" dirty="0"/>
+              <a:t>What business rules need to apply? Historical prediction, we threw out the entire set</a:t>
+            </a:r>
+          </a:p>
+        </p:txBody>
+      </p:sp>
+      <p:sp>
+        <p:nvSpPr>
+          <p:cNvPr id="4" name="Slide Number Placeholder 3"/>
+          <p:cNvSpPr>
+            <a:spLocks noGrp="1"/>
+          </p:cNvSpPr>
+          <p:nvPr>
+            <p:ph type="sldNum" sz="quarter" idx="5"/>
+          </p:nvPr>
+        </p:nvSpPr>
+        <p:spPr/>
+        <p:txBody>
+          <a:bodyPr/>
+          <a:lstStyle/>
+          <a:p>
+            <a:fld id="{E5935EFC-FB85-46C2-B66D-1D634388063F}" type="slidenum">
+              <a:rPr lang="en-US" smtClean="0"/>
+              <a:t>17</a:t>
+            </a:fld>
+            <a:endParaRPr lang="en-US"/>
+          </a:p>
+        </p:txBody>
+      </p:sp>
+    </p:spTree>
+    <p:extLst>
+      <p:ext uri="{BB962C8B-B14F-4D97-AF65-F5344CB8AC3E}">
+        <p14:creationId xmlns:p14="http://schemas.microsoft.com/office/powerpoint/2010/main" val="2375256773"/>
+      </p:ext>
+    </p:extLst>
+  </p:cSld>
+  <p:clrMapOvr>
+    <a:masterClrMapping/>
+  </p:clrMapOvr>
+</p:notes>
+</file>
+
+<file path=ppt/notesSlides/notesSlide13.xml><?xml version="1.0" encoding="utf-8"?>
+<p:notes xmlns:a="http://schemas.openxmlformats.org/drawingml/2006/main" xmlns:r="http://schemas.openxmlformats.org/officeDocument/2006/relationships" xmlns:p="http://schemas.openxmlformats.org/presentationml/2006/main">
+  <p:cSld>
+    <p:spTree>
+      <p:nvGrpSpPr>
+        <p:cNvPr id="1" name=""/>
+        <p:cNvGrpSpPr/>
+        <p:nvPr/>
+      </p:nvGrpSpPr>
+      <p:grpSpPr>
+        <a:xfrm>
+          <a:off x="0" y="0"/>
+          <a:ext cx="0" cy="0"/>
+          <a:chOff x="0" y="0"/>
+          <a:chExt cx="0" cy="0"/>
+        </a:xfrm>
+      </p:grpSpPr>
+      <p:sp>
+        <p:nvSpPr>
+          <p:cNvPr id="2" name="Slide Image Placeholder 1"/>
+          <p:cNvSpPr>
+            <a:spLocks noGrp="1" noRot="1" noChangeAspect="1"/>
+          </p:cNvSpPr>
+          <p:nvPr>
+            <p:ph type="sldImg"/>
+          </p:nvPr>
+        </p:nvSpPr>
+        <p:spPr/>
+      </p:sp>
+      <p:sp>
+        <p:nvSpPr>
+          <p:cNvPr id="3" name="Notes Placeholder 2"/>
+          <p:cNvSpPr>
+            <a:spLocks noGrp="1"/>
+          </p:cNvSpPr>
+          <p:nvPr>
+            <p:ph type="body" idx="1"/>
+          </p:nvPr>
+        </p:nvSpPr>
+        <p:spPr/>
+        <p:txBody>
+          <a:bodyPr/>
+          <a:lstStyle/>
+          <a:p>
+            <a:r>
+              <a:rPr lang="en-US" dirty="0"/>
+              <a:t>In-situ on site collector/recorder of information</a:t>
+            </a:r>
+          </a:p>
+          <a:p>
+            <a:r>
+              <a:rPr lang="en-US" dirty="0"/>
+              <a:t>Remote instruments </a:t>
+            </a:r>
+          </a:p>
+          <a:p>
+            <a:r>
+              <a:rPr lang="en-US" dirty="0"/>
+              <a:t>Why does this matter? Localization/Averages</a:t>
+            </a:r>
+          </a:p>
+          <a:p>
+            <a:endParaRPr lang="en-US" dirty="0"/>
+          </a:p>
+          <a:p>
+            <a:r>
+              <a:rPr lang="en-US" dirty="0"/>
+              <a:t>This is probably beyond what I can talk about so drop this slide</a:t>
+            </a:r>
+          </a:p>
+        </p:txBody>
+      </p:sp>
+      <p:sp>
+        <p:nvSpPr>
+          <p:cNvPr id="4" name="Slide Number Placeholder 3"/>
+          <p:cNvSpPr>
+            <a:spLocks noGrp="1"/>
+          </p:cNvSpPr>
+          <p:nvPr>
+            <p:ph type="sldNum" sz="quarter" idx="5"/>
+          </p:nvPr>
+        </p:nvSpPr>
+        <p:spPr/>
+        <p:txBody>
+          <a:bodyPr/>
+          <a:lstStyle/>
+          <a:p>
+            <a:fld id="{E5935EFC-FB85-46C2-B66D-1D634388063F}" type="slidenum">
+              <a:rPr lang="en-US" smtClean="0"/>
+              <a:t>18</a:t>
+            </a:fld>
+            <a:endParaRPr lang="en-US"/>
+          </a:p>
+        </p:txBody>
+      </p:sp>
+    </p:spTree>
+    <p:extLst>
+      <p:ext uri="{BB962C8B-B14F-4D97-AF65-F5344CB8AC3E}">
+        <p14:creationId xmlns:p14="http://schemas.microsoft.com/office/powerpoint/2010/main" val="2244058847"/>
+      </p:ext>
+    </p:extLst>
+  </p:cSld>
+  <p:clrMapOvr>
+    <a:masterClrMapping/>
+  </p:clrMapOvr>
+</p:notes>
+</file>
+
+<file path=ppt/notesSlides/notesSlide14.xml><?xml version="1.0" encoding="utf-8"?>
+<p:notes xmlns:a="http://schemas.openxmlformats.org/drawingml/2006/main" xmlns:r="http://schemas.openxmlformats.org/officeDocument/2006/relationships" xmlns:p="http://schemas.openxmlformats.org/presentationml/2006/main">
+  <p:cSld>
+    <p:spTree>
+      <p:nvGrpSpPr>
+        <p:cNvPr id="1" name=""/>
+        <p:cNvGrpSpPr/>
+        <p:nvPr/>
+      </p:nvGrpSpPr>
+      <p:grpSpPr>
+        <a:xfrm>
+          <a:off x="0" y="0"/>
+          <a:ext cx="0" cy="0"/>
+          <a:chOff x="0" y="0"/>
+          <a:chExt cx="0" cy="0"/>
+        </a:xfrm>
+      </p:grpSpPr>
+      <p:sp>
+        <p:nvSpPr>
+          <p:cNvPr id="2" name="Slide Image Placeholder 1"/>
+          <p:cNvSpPr>
+            <a:spLocks noGrp="1" noRot="1" noChangeAspect="1"/>
+          </p:cNvSpPr>
+          <p:nvPr>
+            <p:ph type="sldImg"/>
+          </p:nvPr>
+        </p:nvSpPr>
+        <p:spPr/>
+      </p:sp>
+      <p:sp>
+        <p:nvSpPr>
+          <p:cNvPr id="3" name="Notes Placeholder 2"/>
+          <p:cNvSpPr>
+            <a:spLocks noGrp="1"/>
+          </p:cNvSpPr>
+          <p:nvPr>
+            <p:ph type="body" idx="1"/>
+          </p:nvPr>
+        </p:nvSpPr>
+        <p:spPr/>
+        <p:txBody>
+          <a:bodyPr/>
+          <a:lstStyle/>
+          <a:p>
+            <a:r>
+              <a:rPr lang="en-US" dirty="0"/>
+              <a:t>Raw sensor data might be misleading</a:t>
+            </a:r>
+          </a:p>
+          <a:p>
+            <a:r>
+              <a:rPr lang="en-US" dirty="0"/>
+              <a:t>Situations where a radar interpreted data was “cold” Local meteorologists would “know” that and adjust but if you are not in the tribe, you won’t know to do the same</a:t>
+            </a:r>
+          </a:p>
+          <a:p>
+            <a:endParaRPr lang="en-US" dirty="0"/>
+          </a:p>
+          <a:p>
+            <a:r>
+              <a:rPr lang="en-US" dirty="0"/>
+              <a:t>Some data files publish asap but can be restated up to a month later</a:t>
+            </a:r>
+          </a:p>
+        </p:txBody>
+      </p:sp>
+      <p:sp>
+        <p:nvSpPr>
+          <p:cNvPr id="4" name="Slide Number Placeholder 3"/>
+          <p:cNvSpPr>
+            <a:spLocks noGrp="1"/>
+          </p:cNvSpPr>
+          <p:nvPr>
+            <p:ph type="sldNum" sz="quarter" idx="5"/>
+          </p:nvPr>
+        </p:nvSpPr>
+        <p:spPr/>
+        <p:txBody>
+          <a:bodyPr/>
+          <a:lstStyle/>
+          <a:p>
+            <a:fld id="{E5935EFC-FB85-46C2-B66D-1D634388063F}" type="slidenum">
+              <a:rPr lang="en-US" smtClean="0"/>
+              <a:t>19</a:t>
+            </a:fld>
+            <a:endParaRPr lang="en-US"/>
+          </a:p>
+        </p:txBody>
+      </p:sp>
+    </p:spTree>
+    <p:extLst>
+      <p:ext uri="{BB962C8B-B14F-4D97-AF65-F5344CB8AC3E}">
+        <p14:creationId xmlns:p14="http://schemas.microsoft.com/office/powerpoint/2010/main" val="2162564805"/>
+      </p:ext>
+    </p:extLst>
+  </p:cSld>
+  <p:clrMapOvr>
+    <a:masterClrMapping/>
+  </p:clrMapOvr>
+</p:notes>
+</file>
+
+<file path=ppt/notesSlides/notesSlide15.xml><?xml version="1.0" encoding="utf-8"?>
+<p:notes xmlns:a="http://schemas.openxmlformats.org/drawingml/2006/main" xmlns:r="http://schemas.openxmlformats.org/officeDocument/2006/relationships" xmlns:p="http://schemas.openxmlformats.org/presentationml/2006/main">
+  <p:cSld>
+    <p:spTree>
+      <p:nvGrpSpPr>
+        <p:cNvPr id="1" name=""/>
+        <p:cNvGrpSpPr/>
+        <p:nvPr/>
+      </p:nvGrpSpPr>
+      <p:grpSpPr>
+        <a:xfrm>
+          <a:off x="0" y="0"/>
+          <a:ext cx="0" cy="0"/>
+          <a:chOff x="0" y="0"/>
+          <a:chExt cx="0" cy="0"/>
+        </a:xfrm>
+      </p:grpSpPr>
+      <p:sp>
+        <p:nvSpPr>
+          <p:cNvPr id="2" name="Slide Image Placeholder 1"/>
+          <p:cNvSpPr>
+            <a:spLocks noGrp="1" noRot="1" noChangeAspect="1"/>
+          </p:cNvSpPr>
+          <p:nvPr>
+            <p:ph type="sldImg"/>
+          </p:nvPr>
+        </p:nvSpPr>
+        <p:spPr/>
+      </p:sp>
+      <p:sp>
+        <p:nvSpPr>
+          <p:cNvPr id="3" name="Notes Placeholder 2"/>
+          <p:cNvSpPr>
+            <a:spLocks noGrp="1"/>
+          </p:cNvSpPr>
+          <p:nvPr>
+            <p:ph type="body" idx="1"/>
+          </p:nvPr>
+        </p:nvSpPr>
+        <p:spPr/>
+        <p:txBody>
+          <a:bodyPr/>
+          <a:lstStyle/>
+          <a:p>
+            <a:r>
+              <a:rPr lang="en-US" dirty="0"/>
+              <a:t>What do you need to do with the data? </a:t>
+            </a:r>
+          </a:p>
+        </p:txBody>
+      </p:sp>
+      <p:sp>
+        <p:nvSpPr>
+          <p:cNvPr id="4" name="Slide Number Placeholder 3"/>
+          <p:cNvSpPr>
+            <a:spLocks noGrp="1"/>
+          </p:cNvSpPr>
+          <p:nvPr>
+            <p:ph type="sldNum" sz="quarter" idx="5"/>
+          </p:nvPr>
+        </p:nvSpPr>
+        <p:spPr/>
+        <p:txBody>
+          <a:bodyPr/>
+          <a:lstStyle/>
+          <a:p>
+            <a:fld id="{E5935EFC-FB85-46C2-B66D-1D634388063F}" type="slidenum">
+              <a:rPr lang="en-US" smtClean="0"/>
+              <a:t>20</a:t>
+            </a:fld>
+            <a:endParaRPr lang="en-US"/>
+          </a:p>
+        </p:txBody>
+      </p:sp>
+    </p:spTree>
+    <p:extLst>
+      <p:ext uri="{BB962C8B-B14F-4D97-AF65-F5344CB8AC3E}">
+        <p14:creationId xmlns:p14="http://schemas.microsoft.com/office/powerpoint/2010/main" val="2137574610"/>
+      </p:ext>
+    </p:extLst>
+  </p:cSld>
+  <p:clrMapOvr>
+    <a:masterClrMapping/>
+  </p:clrMapOvr>
+</p:notes>
+</file>
+
+<file path=ppt/notesSlides/notesSlide16.xml><?xml version="1.0" encoding="utf-8"?>
+<p:notes xmlns:a="http://schemas.openxmlformats.org/drawingml/2006/main" xmlns:r="http://schemas.openxmlformats.org/officeDocument/2006/relationships" xmlns:p="http://schemas.openxmlformats.org/presentationml/2006/main">
+  <p:cSld>
+    <p:spTree>
+      <p:nvGrpSpPr>
+        <p:cNvPr id="1" name=""/>
+        <p:cNvGrpSpPr/>
+        <p:nvPr/>
+      </p:nvGrpSpPr>
+      <p:grpSpPr>
+        <a:xfrm>
+          <a:off x="0" y="0"/>
+          <a:ext cx="0" cy="0"/>
+          <a:chOff x="0" y="0"/>
+          <a:chExt cx="0" cy="0"/>
+        </a:xfrm>
+      </p:grpSpPr>
+      <p:sp>
+        <p:nvSpPr>
+          <p:cNvPr id="2" name="Slide Image Placeholder 1"/>
+          <p:cNvSpPr>
+            <a:spLocks noGrp="1" noRot="1" noChangeAspect="1"/>
+          </p:cNvSpPr>
+          <p:nvPr>
+            <p:ph type="sldImg"/>
+          </p:nvPr>
+        </p:nvSpPr>
+        <p:spPr/>
+      </p:sp>
+      <p:sp>
+        <p:nvSpPr>
+          <p:cNvPr id="3" name="Notes Placeholder 2"/>
+          <p:cNvSpPr>
+            <a:spLocks noGrp="1"/>
+          </p:cNvSpPr>
+          <p:nvPr>
+            <p:ph type="body" idx="1"/>
+          </p:nvPr>
+        </p:nvSpPr>
+        <p:spPr/>
+        <p:txBody>
+          <a:bodyPr/>
+          <a:lstStyle/>
+          <a:p>
+            <a:r>
+              <a:rPr lang="en-US" dirty="0"/>
+              <a:t>You do not have enough storage</a:t>
+            </a:r>
+          </a:p>
+          <a:p>
+            <a:endParaRPr lang="en-US" dirty="0"/>
+          </a:p>
+          <a:p>
+            <a:r>
+              <a:rPr lang="en-US" dirty="0"/>
+              <a:t>Storage drives access patterns or access patterns drive storage</a:t>
+            </a:r>
+          </a:p>
+          <a:p>
+            <a:endParaRPr lang="en-US" dirty="0"/>
+          </a:p>
+          <a:p>
+            <a:r>
+              <a:rPr lang="en-US" dirty="0"/>
+              <a:t>1 day </a:t>
+            </a:r>
+            <a:r>
+              <a:rPr lang="en-US" dirty="0" err="1"/>
+              <a:t>netcdf</a:t>
+            </a:r>
+            <a:r>
+              <a:rPr lang="en-US" dirty="0"/>
+              <a:t> for rainfall is 4.2 MB</a:t>
+            </a:r>
+          </a:p>
+          <a:p>
+            <a:r>
+              <a:rPr lang="en-US" dirty="0"/>
+              <a:t>365 days * 20 years =&gt;  4.2 * 365 * 20 = 30,660 MB or ~30GB</a:t>
+            </a:r>
+          </a:p>
+          <a:p>
+            <a:endParaRPr lang="en-US" dirty="0"/>
+          </a:p>
+          <a:p>
+            <a:r>
+              <a:rPr lang="en-US" dirty="0"/>
+              <a:t>Likely time-based hierarchy or location-based hierarchy</a:t>
+            </a:r>
+          </a:p>
+          <a:p>
+            <a:endParaRPr lang="en-US" dirty="0"/>
+          </a:p>
+          <a:p>
+            <a:r>
+              <a:rPr lang="en-US" dirty="0"/>
+              <a:t>Time-based hierarchy – What happened on July 31, 2022 in Hampton Roads, VA?</a:t>
+            </a:r>
+          </a:p>
+          <a:p>
+            <a:r>
+              <a:rPr lang="en-US" dirty="0"/>
+              <a:t>	One file read activity can support multiple locations</a:t>
+            </a:r>
+          </a:p>
+          <a:p>
+            <a:endParaRPr lang="en-US" dirty="0"/>
+          </a:p>
+          <a:p>
+            <a:r>
+              <a:rPr lang="en-US" dirty="0"/>
+              <a:t>Location-based hierarchy – What happened in Hampton Roads, VA on July 31, 2022</a:t>
+            </a:r>
+          </a:p>
+          <a:p>
+            <a:r>
+              <a:rPr lang="en-US" dirty="0"/>
+              <a:t>	One file read activity can support multiple dates</a:t>
+            </a:r>
+          </a:p>
+          <a:p>
+            <a:endParaRPr lang="en-US" dirty="0"/>
+          </a:p>
+        </p:txBody>
+      </p:sp>
+      <p:sp>
+        <p:nvSpPr>
+          <p:cNvPr id="4" name="Slide Number Placeholder 3"/>
+          <p:cNvSpPr>
+            <a:spLocks noGrp="1"/>
+          </p:cNvSpPr>
+          <p:nvPr>
+            <p:ph type="sldNum" sz="quarter" idx="5"/>
+          </p:nvPr>
+        </p:nvSpPr>
+        <p:spPr/>
+        <p:txBody>
+          <a:bodyPr/>
+          <a:lstStyle/>
+          <a:p>
+            <a:fld id="{E5935EFC-FB85-46C2-B66D-1D634388063F}" type="slidenum">
+              <a:rPr lang="en-US" smtClean="0"/>
+              <a:t>21</a:t>
+            </a:fld>
+            <a:endParaRPr lang="en-US"/>
+          </a:p>
+        </p:txBody>
+      </p:sp>
+    </p:spTree>
+    <p:extLst>
+      <p:ext uri="{BB962C8B-B14F-4D97-AF65-F5344CB8AC3E}">
+        <p14:creationId xmlns:p14="http://schemas.microsoft.com/office/powerpoint/2010/main" val="1698570624"/>
+      </p:ext>
+    </p:extLst>
+  </p:cSld>
+  <p:clrMapOvr>
+    <a:masterClrMapping/>
+  </p:clrMapOvr>
+</p:notes>
+</file>
+
+<file path=ppt/notesSlides/notesSlide17.xml><?xml version="1.0" encoding="utf-8"?>
+<p:notes xmlns:a="http://schemas.openxmlformats.org/drawingml/2006/main" xmlns:r="http://schemas.openxmlformats.org/officeDocument/2006/relationships" xmlns:p="http://schemas.openxmlformats.org/presentationml/2006/main">
+  <p:cSld>
+    <p:spTree>
+      <p:nvGrpSpPr>
+        <p:cNvPr id="1" name=""/>
+        <p:cNvGrpSpPr/>
+        <p:nvPr/>
+      </p:nvGrpSpPr>
+      <p:grpSpPr>
+        <a:xfrm>
+          <a:off x="0" y="0"/>
+          <a:ext cx="0" cy="0"/>
+          <a:chOff x="0" y="0"/>
+          <a:chExt cx="0" cy="0"/>
+        </a:xfrm>
+      </p:grpSpPr>
+      <p:sp>
+        <p:nvSpPr>
+          <p:cNvPr id="2" name="Slide Image Placeholder 1"/>
+          <p:cNvSpPr>
+            <a:spLocks noGrp="1" noRot="1" noChangeAspect="1"/>
+          </p:cNvSpPr>
+          <p:nvPr>
+            <p:ph type="sldImg"/>
+          </p:nvPr>
+        </p:nvSpPr>
+        <p:spPr/>
+      </p:sp>
+      <p:sp>
+        <p:nvSpPr>
+          <p:cNvPr id="3" name="Notes Placeholder 2"/>
+          <p:cNvSpPr>
+            <a:spLocks noGrp="1"/>
+          </p:cNvSpPr>
+          <p:nvPr>
+            <p:ph type="body" idx="1"/>
+          </p:nvPr>
+        </p:nvSpPr>
+        <p:spPr/>
+        <p:txBody>
+          <a:bodyPr/>
+          <a:lstStyle/>
+          <a:p>
+            <a:r>
+              <a:rPr lang="en-US" dirty="0"/>
+              <a:t>You do not have enough storage</a:t>
+            </a:r>
+          </a:p>
+          <a:p>
+            <a:endParaRPr lang="en-US" dirty="0"/>
+          </a:p>
+          <a:p>
+            <a:r>
+              <a:rPr lang="en-US" dirty="0"/>
+              <a:t>Storage drives access patterns or access patterns drive storage</a:t>
+            </a:r>
+          </a:p>
+          <a:p>
+            <a:endParaRPr lang="en-US" dirty="0"/>
+          </a:p>
+          <a:p>
+            <a:r>
+              <a:rPr lang="en-US" dirty="0"/>
+              <a:t>7.2b * 12 bytes = 86 billion bytes or ~ 86GB</a:t>
+            </a:r>
+          </a:p>
+          <a:p>
+            <a:r>
+              <a:rPr lang="en-US" dirty="0"/>
+              <a:t>3x what file on disk costs – but no indexing so add more</a:t>
+            </a:r>
+          </a:p>
+          <a:p>
+            <a:endParaRPr lang="en-US" dirty="0"/>
+          </a:p>
+          <a:p>
+            <a:r>
+              <a:rPr lang="en-US" dirty="0"/>
+              <a:t>Compression (page) can help, </a:t>
+            </a:r>
+            <a:r>
+              <a:rPr lang="en-US" dirty="0" err="1"/>
+              <a:t>columnstore</a:t>
+            </a:r>
+            <a:r>
+              <a:rPr lang="en-US" dirty="0"/>
+              <a:t> more so</a:t>
+            </a:r>
+          </a:p>
+        </p:txBody>
+      </p:sp>
+      <p:sp>
+        <p:nvSpPr>
+          <p:cNvPr id="4" name="Slide Number Placeholder 3"/>
+          <p:cNvSpPr>
+            <a:spLocks noGrp="1"/>
+          </p:cNvSpPr>
+          <p:nvPr>
+            <p:ph type="sldNum" sz="quarter" idx="5"/>
+          </p:nvPr>
+        </p:nvSpPr>
+        <p:spPr/>
+        <p:txBody>
+          <a:bodyPr/>
+          <a:lstStyle/>
+          <a:p>
+            <a:fld id="{E5935EFC-FB85-46C2-B66D-1D634388063F}" type="slidenum">
+              <a:rPr lang="en-US" smtClean="0"/>
+              <a:t>22</a:t>
+            </a:fld>
+            <a:endParaRPr lang="en-US"/>
+          </a:p>
+        </p:txBody>
+      </p:sp>
+    </p:spTree>
+    <p:extLst>
+      <p:ext uri="{BB962C8B-B14F-4D97-AF65-F5344CB8AC3E}">
+        <p14:creationId xmlns:p14="http://schemas.microsoft.com/office/powerpoint/2010/main" val="1395729089"/>
+      </p:ext>
+    </p:extLst>
+  </p:cSld>
+  <p:clrMapOvr>
+    <a:masterClrMapping/>
+  </p:clrMapOvr>
+</p:notes>
+</file>
+
+<file path=ppt/notesSlides/notesSlide18.xml><?xml version="1.0" encoding="utf-8"?>
+<p:notes xmlns:a="http://schemas.openxmlformats.org/drawingml/2006/main" xmlns:r="http://schemas.openxmlformats.org/officeDocument/2006/relationships" xmlns:p="http://schemas.openxmlformats.org/presentationml/2006/main">
+  <p:cSld>
+    <p:spTree>
+      <p:nvGrpSpPr>
+        <p:cNvPr id="1" name=""/>
+        <p:cNvGrpSpPr/>
+        <p:nvPr/>
+      </p:nvGrpSpPr>
+      <p:grpSpPr>
+        <a:xfrm>
+          <a:off x="0" y="0"/>
+          <a:ext cx="0" cy="0"/>
+          <a:chOff x="0" y="0"/>
+          <a:chExt cx="0" cy="0"/>
+        </a:xfrm>
+      </p:grpSpPr>
+      <p:sp>
+        <p:nvSpPr>
+          <p:cNvPr id="2" name="Slide Image Placeholder 1"/>
+          <p:cNvSpPr>
+            <a:spLocks noGrp="1" noRot="1" noChangeAspect="1"/>
+          </p:cNvSpPr>
+          <p:nvPr>
+            <p:ph type="sldImg"/>
+          </p:nvPr>
+        </p:nvSpPr>
+        <p:spPr/>
+      </p:sp>
+      <p:sp>
+        <p:nvSpPr>
+          <p:cNvPr id="3" name="Notes Placeholder 2"/>
+          <p:cNvSpPr>
+            <a:spLocks noGrp="1"/>
+          </p:cNvSpPr>
+          <p:nvPr>
+            <p:ph type="body" idx="1"/>
+          </p:nvPr>
+        </p:nvSpPr>
+        <p:spPr/>
+        <p:txBody>
+          <a:bodyPr/>
+          <a:lstStyle/>
+          <a:p>
+            <a:r>
+              <a:rPr lang="en-US" dirty="0"/>
+              <a:t>What date format do you get to deal with? Bonus points for Gregorian dates</a:t>
+            </a:r>
+          </a:p>
+          <a:p>
+            <a:r>
+              <a:rPr lang="en-US" dirty="0"/>
+              <a:t>What </a:t>
+            </a:r>
+            <a:r>
+              <a:rPr lang="en-US" dirty="0" err="1"/>
+              <a:t>Timezones</a:t>
+            </a:r>
+            <a:r>
+              <a:rPr lang="en-US" dirty="0"/>
+              <a:t> is the data recorded in? Daylight Savings Time?</a:t>
+            </a:r>
+          </a:p>
+          <a:p>
+            <a:r>
+              <a:rPr lang="en-US" dirty="0"/>
+              <a:t>Off by one!</a:t>
+            </a:r>
+          </a:p>
+          <a:p>
+            <a:r>
+              <a:rPr lang="en-US" dirty="0"/>
+              <a:t>When you download that -1 day file from the NWS, did you use the calendar date you wanted or did you pick the next day so the -1 worked?</a:t>
+            </a:r>
+          </a:p>
+          <a:p>
+            <a:endParaRPr lang="en-US" dirty="0"/>
+          </a:p>
+          <a:p>
+            <a:endParaRPr lang="en-US" dirty="0"/>
+          </a:p>
+        </p:txBody>
+      </p:sp>
+      <p:sp>
+        <p:nvSpPr>
+          <p:cNvPr id="4" name="Slide Number Placeholder 3"/>
+          <p:cNvSpPr>
+            <a:spLocks noGrp="1"/>
+          </p:cNvSpPr>
+          <p:nvPr>
+            <p:ph type="sldNum" sz="quarter" idx="5"/>
+          </p:nvPr>
+        </p:nvSpPr>
+        <p:spPr/>
+        <p:txBody>
+          <a:bodyPr/>
+          <a:lstStyle/>
+          <a:p>
+            <a:fld id="{E5935EFC-FB85-46C2-B66D-1D634388063F}" type="slidenum">
+              <a:rPr lang="en-US" smtClean="0"/>
+              <a:t>23</a:t>
+            </a:fld>
+            <a:endParaRPr lang="en-US"/>
+          </a:p>
+        </p:txBody>
+      </p:sp>
+    </p:spTree>
+    <p:extLst>
+      <p:ext uri="{BB962C8B-B14F-4D97-AF65-F5344CB8AC3E}">
+        <p14:creationId xmlns:p14="http://schemas.microsoft.com/office/powerpoint/2010/main" val="963472840"/>
+      </p:ext>
+    </p:extLst>
+  </p:cSld>
+  <p:clrMapOvr>
+    <a:masterClrMapping/>
+  </p:clrMapOvr>
+</p:notes>
+</file>
+
+<file path=ppt/notesSlides/notesSlide19.xml><?xml version="1.0" encoding="utf-8"?>
+<p:notes xmlns:a="http://schemas.openxmlformats.org/drawingml/2006/main" xmlns:r="http://schemas.openxmlformats.org/officeDocument/2006/relationships" xmlns:p="http://schemas.openxmlformats.org/presentationml/2006/main">
+  <p:cSld>
+    <p:spTree>
+      <p:nvGrpSpPr>
+        <p:cNvPr id="1" name=""/>
+        <p:cNvGrpSpPr/>
+        <p:nvPr/>
+      </p:nvGrpSpPr>
+      <p:grpSpPr>
+        <a:xfrm>
+          <a:off x="0" y="0"/>
+          <a:ext cx="0" cy="0"/>
+          <a:chOff x="0" y="0"/>
+          <a:chExt cx="0" cy="0"/>
+        </a:xfrm>
+      </p:grpSpPr>
+      <p:sp>
+        <p:nvSpPr>
+          <p:cNvPr id="2" name="Slide Image Placeholder 1"/>
+          <p:cNvSpPr>
+            <a:spLocks noGrp="1" noRot="1" noChangeAspect="1"/>
+          </p:cNvSpPr>
+          <p:nvPr>
+            <p:ph type="sldImg"/>
+          </p:nvPr>
+        </p:nvSpPr>
+        <p:spPr/>
+      </p:sp>
+      <p:sp>
+        <p:nvSpPr>
+          <p:cNvPr id="3" name="Notes Placeholder 2"/>
+          <p:cNvSpPr>
+            <a:spLocks noGrp="1"/>
+          </p:cNvSpPr>
+          <p:nvPr>
+            <p:ph type="body" idx="1"/>
+          </p:nvPr>
+        </p:nvSpPr>
+        <p:spPr/>
+        <p:txBody>
+          <a:bodyPr/>
+          <a:lstStyle/>
+          <a:p>
+            <a:r>
+              <a:rPr lang="en-US" dirty="0"/>
+              <a:t>https://water.weather.gov/precip/full.php?year=2022&amp;month=08&amp;day=11&amp;time_type=day&amp;time_frame=1day&amp;domain=all&amp;layers={%22precip_layer%22:1,%22rfc_layer%22:-1,%22state_layer%22:0.65,%22hsa_layer%22:-1,%22county_layer%22:-1}</a:t>
+            </a:r>
+          </a:p>
+        </p:txBody>
+      </p:sp>
+      <p:sp>
+        <p:nvSpPr>
+          <p:cNvPr id="4" name="Slide Number Placeholder 3"/>
+          <p:cNvSpPr>
+            <a:spLocks noGrp="1"/>
+          </p:cNvSpPr>
+          <p:nvPr>
+            <p:ph type="sldNum" sz="quarter" idx="5"/>
+          </p:nvPr>
+        </p:nvSpPr>
+        <p:spPr/>
+        <p:txBody>
+          <a:bodyPr/>
+          <a:lstStyle/>
+          <a:p>
+            <a:fld id="{E5935EFC-FB85-46C2-B66D-1D634388063F}" type="slidenum">
+              <a:rPr lang="en-US" smtClean="0"/>
+              <a:t>25</a:t>
+            </a:fld>
+            <a:endParaRPr lang="en-US"/>
+          </a:p>
+        </p:txBody>
+      </p:sp>
+    </p:spTree>
+    <p:extLst>
+      <p:ext uri="{BB962C8B-B14F-4D97-AF65-F5344CB8AC3E}">
+        <p14:creationId xmlns:p14="http://schemas.microsoft.com/office/powerpoint/2010/main" val="1655410302"/>
       </p:ext>
     </p:extLst>
   </p:cSld>
@@ -605,6 +1766,18 @@
         <p:txBody>
           <a:bodyPr/>
           <a:lstStyle/>
+          <a:p>
+            <a:r>
+              <a:rPr lang="en-US" dirty="0"/>
+              <a:t>Latitude (up/down) Y coordinate -90 -&gt; +90</a:t>
+            </a:r>
+          </a:p>
+          <a:p>
+            <a:r>
+              <a:rPr lang="en-US" dirty="0"/>
+              <a:t>Longitude (left/right) X coordinate -180 -&gt; +180</a:t>
+            </a:r>
+          </a:p>
           <a:p>
             <a:endParaRPr lang="en-US" dirty="0"/>
           </a:p>
@@ -849,6 +2022,12 @@
           <a:p>
             <a:endParaRPr lang="en-US" b="1" dirty="0"/>
           </a:p>
+          <a:p>
+            <a:r>
+              <a:rPr lang="en-US" b="1" dirty="0"/>
+              <a:t>The grid system deforms the squares that you conceptually think of</a:t>
+            </a:r>
+          </a:p>
         </p:txBody>
       </p:sp>
       <p:sp>
@@ -936,6 +2115,12 @@
               <a:t>https://www.hec.usace.army.mil/confluence/hmsdocs/hmsum/4.8/geographic-information/coordinate-reference-systems</a:t>
             </a:r>
           </a:p>
+          <a:p>
+            <a:endParaRPr lang="en-US" dirty="0"/>
+          </a:p>
+          <a:p>
+            <a:endParaRPr lang="en-US" dirty="0"/>
+          </a:p>
         </p:txBody>
       </p:sp>
       <p:sp>
@@ -1018,6 +2203,322 @@
           <a:bodyPr/>
           <a:lstStyle/>
           <a:p>
+            <a:r>
+              <a:rPr lang="en-US" dirty="0"/>
+              <a:t>The correct placement of 0,0 in the supplied coordinate system should be documented from the data provider. Don’t assume</a:t>
+            </a:r>
+          </a:p>
+        </p:txBody>
+      </p:sp>
+      <p:sp>
+        <p:nvSpPr>
+          <p:cNvPr id="4" name="Slide Number Placeholder 3"/>
+          <p:cNvSpPr>
+            <a:spLocks noGrp="1"/>
+          </p:cNvSpPr>
+          <p:nvPr>
+            <p:ph type="sldNum" sz="quarter" idx="5"/>
+          </p:nvPr>
+        </p:nvSpPr>
+        <p:spPr/>
+        <p:txBody>
+          <a:bodyPr/>
+          <a:lstStyle/>
+          <a:p>
+            <a:fld id="{E5935EFC-FB85-46C2-B66D-1D634388063F}" type="slidenum">
+              <a:rPr lang="en-US" smtClean="0"/>
+              <a:t>11</a:t>
+            </a:fld>
+            <a:endParaRPr lang="en-US"/>
+          </a:p>
+        </p:txBody>
+      </p:sp>
+    </p:spTree>
+    <p:extLst>
+      <p:ext uri="{BB962C8B-B14F-4D97-AF65-F5344CB8AC3E}">
+        <p14:creationId xmlns:p14="http://schemas.microsoft.com/office/powerpoint/2010/main" val="1675960303"/>
+      </p:ext>
+    </p:extLst>
+  </p:cSld>
+  <p:clrMapOvr>
+    <a:masterClrMapping/>
+  </p:clrMapOvr>
+</p:notes>
+</file>
+
+<file path=ppt/notesSlides/notesSlide7.xml><?xml version="1.0" encoding="utf-8"?>
+<p:notes xmlns:a="http://schemas.openxmlformats.org/drawingml/2006/main" xmlns:r="http://schemas.openxmlformats.org/officeDocument/2006/relationships" xmlns:p="http://schemas.openxmlformats.org/presentationml/2006/main">
+  <p:cSld>
+    <p:spTree>
+      <p:nvGrpSpPr>
+        <p:cNvPr id="1" name=""/>
+        <p:cNvGrpSpPr/>
+        <p:nvPr/>
+      </p:nvGrpSpPr>
+      <p:grpSpPr>
+        <a:xfrm>
+          <a:off x="0" y="0"/>
+          <a:ext cx="0" cy="0"/>
+          <a:chOff x="0" y="0"/>
+          <a:chExt cx="0" cy="0"/>
+        </a:xfrm>
+      </p:grpSpPr>
+      <p:sp>
+        <p:nvSpPr>
+          <p:cNvPr id="2" name="Slide Image Placeholder 1"/>
+          <p:cNvSpPr>
+            <a:spLocks noGrp="1" noRot="1" noChangeAspect="1"/>
+          </p:cNvSpPr>
+          <p:nvPr>
+            <p:ph type="sldImg"/>
+          </p:nvPr>
+        </p:nvSpPr>
+        <p:spPr/>
+      </p:sp>
+      <p:sp>
+        <p:nvSpPr>
+          <p:cNvPr id="3" name="Notes Placeholder 2"/>
+          <p:cNvSpPr>
+            <a:spLocks noGrp="1"/>
+          </p:cNvSpPr>
+          <p:nvPr>
+            <p:ph type="body" idx="1"/>
+          </p:nvPr>
+        </p:nvSpPr>
+        <p:spPr/>
+        <p:txBody>
+          <a:bodyPr/>
+          <a:lstStyle/>
+          <a:p>
+            <a:r>
+              <a:rPr lang="en-US" dirty="0"/>
+              <a:t>Network Common Data Form</a:t>
+            </a:r>
+          </a:p>
+          <a:p>
+            <a:r>
+              <a:rPr lang="en-US" dirty="0" err="1"/>
+              <a:t>GRIdded</a:t>
+            </a:r>
+            <a:r>
+              <a:rPr lang="en-US" dirty="0"/>
+              <a:t> Binary</a:t>
+            </a:r>
+          </a:p>
+          <a:p>
+            <a:endParaRPr lang="en-US" dirty="0"/>
+          </a:p>
+          <a:p>
+            <a:r>
+              <a:rPr lang="en-US" dirty="0"/>
+              <a:t>Observe: Daily vs Hourly</a:t>
+            </a:r>
+          </a:p>
+          <a:p>
+            <a:r>
+              <a:rPr lang="en-US" dirty="0"/>
+              <a:t>https://water.weather.gov/precip/download.php</a:t>
+            </a:r>
+          </a:p>
+          <a:p>
+            <a:endParaRPr lang="en-US" dirty="0"/>
+          </a:p>
+          <a:p>
+            <a:r>
+              <a:rPr lang="en-US" dirty="0"/>
+              <a:t>Hourly? Last 1/2/5/12/Since 12 UTC  - no date range allowed</a:t>
+            </a:r>
+          </a:p>
+          <a:p>
+            <a:r>
+              <a:rPr lang="en-US" dirty="0"/>
+              <a:t>Daily? Many more options</a:t>
+            </a:r>
+          </a:p>
+        </p:txBody>
+      </p:sp>
+      <p:sp>
+        <p:nvSpPr>
+          <p:cNvPr id="4" name="Slide Number Placeholder 3"/>
+          <p:cNvSpPr>
+            <a:spLocks noGrp="1"/>
+          </p:cNvSpPr>
+          <p:nvPr>
+            <p:ph type="sldNum" sz="quarter" idx="5"/>
+          </p:nvPr>
+        </p:nvSpPr>
+        <p:spPr/>
+        <p:txBody>
+          <a:bodyPr/>
+          <a:lstStyle/>
+          <a:p>
+            <a:fld id="{E5935EFC-FB85-46C2-B66D-1D634388063F}" type="slidenum">
+              <a:rPr lang="en-US" smtClean="0"/>
+              <a:t>12</a:t>
+            </a:fld>
+            <a:endParaRPr lang="en-US"/>
+          </a:p>
+        </p:txBody>
+      </p:sp>
+    </p:spTree>
+    <p:extLst>
+      <p:ext uri="{BB962C8B-B14F-4D97-AF65-F5344CB8AC3E}">
+        <p14:creationId xmlns:p14="http://schemas.microsoft.com/office/powerpoint/2010/main" val="2222407047"/>
+      </p:ext>
+    </p:extLst>
+  </p:cSld>
+  <p:clrMapOvr>
+    <a:masterClrMapping/>
+  </p:clrMapOvr>
+</p:notes>
+</file>
+
+<file path=ppt/notesSlides/notesSlide8.xml><?xml version="1.0" encoding="utf-8"?>
+<p:notes xmlns:a="http://schemas.openxmlformats.org/drawingml/2006/main" xmlns:r="http://schemas.openxmlformats.org/officeDocument/2006/relationships" xmlns:p="http://schemas.openxmlformats.org/presentationml/2006/main">
+  <p:cSld>
+    <p:spTree>
+      <p:nvGrpSpPr>
+        <p:cNvPr id="1" name=""/>
+        <p:cNvGrpSpPr/>
+        <p:nvPr/>
+      </p:nvGrpSpPr>
+      <p:grpSpPr>
+        <a:xfrm>
+          <a:off x="0" y="0"/>
+          <a:ext cx="0" cy="0"/>
+          <a:chOff x="0" y="0"/>
+          <a:chExt cx="0" cy="0"/>
+        </a:xfrm>
+      </p:grpSpPr>
+      <p:sp>
+        <p:nvSpPr>
+          <p:cNvPr id="2" name="Slide Image Placeholder 1"/>
+          <p:cNvSpPr>
+            <a:spLocks noGrp="1" noRot="1" noChangeAspect="1"/>
+          </p:cNvSpPr>
+          <p:nvPr>
+            <p:ph type="sldImg"/>
+          </p:nvPr>
+        </p:nvSpPr>
+        <p:spPr/>
+      </p:sp>
+      <p:sp>
+        <p:nvSpPr>
+          <p:cNvPr id="3" name="Notes Placeholder 2"/>
+          <p:cNvSpPr>
+            <a:spLocks noGrp="1"/>
+          </p:cNvSpPr>
+          <p:nvPr>
+            <p:ph type="body" idx="1"/>
+          </p:nvPr>
+        </p:nvSpPr>
+        <p:spPr/>
+        <p:txBody>
+          <a:bodyPr/>
+          <a:lstStyle/>
+          <a:p>
+            <a:endParaRPr lang="en-US" dirty="0"/>
+          </a:p>
+          <a:p>
+            <a:r>
+              <a:rPr lang="en-US" dirty="0"/>
+              <a:t>https://www.giss.nasa.gov/tools/panoply/</a:t>
+            </a:r>
+          </a:p>
+          <a:p>
+            <a:r>
+              <a:rPr lang="en-US" dirty="0"/>
+              <a:t>https://www.microsoft.com/en-us/research/project/scientific-dataset/</a:t>
+            </a:r>
+          </a:p>
+          <a:p>
+            <a:r>
+              <a:rPr lang="en-US" dirty="0"/>
+              <a:t>https://downloads.unidata.ucar.edu/netcdf/</a:t>
+            </a:r>
+          </a:p>
+        </p:txBody>
+      </p:sp>
+      <p:sp>
+        <p:nvSpPr>
+          <p:cNvPr id="4" name="Slide Number Placeholder 3"/>
+          <p:cNvSpPr>
+            <a:spLocks noGrp="1"/>
+          </p:cNvSpPr>
+          <p:nvPr>
+            <p:ph type="sldNum" sz="quarter" idx="5"/>
+          </p:nvPr>
+        </p:nvSpPr>
+        <p:spPr/>
+        <p:txBody>
+          <a:bodyPr/>
+          <a:lstStyle/>
+          <a:p>
+            <a:fld id="{E5935EFC-FB85-46C2-B66D-1D634388063F}" type="slidenum">
+              <a:rPr lang="en-US" smtClean="0"/>
+              <a:t>13</a:t>
+            </a:fld>
+            <a:endParaRPr lang="en-US"/>
+          </a:p>
+        </p:txBody>
+      </p:sp>
+    </p:spTree>
+    <p:extLst>
+      <p:ext uri="{BB962C8B-B14F-4D97-AF65-F5344CB8AC3E}">
+        <p14:creationId xmlns:p14="http://schemas.microsoft.com/office/powerpoint/2010/main" val="3672556829"/>
+      </p:ext>
+    </p:extLst>
+  </p:cSld>
+  <p:clrMapOvr>
+    <a:masterClrMapping/>
+  </p:clrMapOvr>
+</p:notes>
+</file>
+
+<file path=ppt/notesSlides/notesSlide9.xml><?xml version="1.0" encoding="utf-8"?>
+<p:notes xmlns:a="http://schemas.openxmlformats.org/drawingml/2006/main" xmlns:r="http://schemas.openxmlformats.org/officeDocument/2006/relationships" xmlns:p="http://schemas.openxmlformats.org/presentationml/2006/main">
+  <p:cSld>
+    <p:spTree>
+      <p:nvGrpSpPr>
+        <p:cNvPr id="1" name=""/>
+        <p:cNvGrpSpPr/>
+        <p:nvPr/>
+      </p:nvGrpSpPr>
+      <p:grpSpPr>
+        <a:xfrm>
+          <a:off x="0" y="0"/>
+          <a:ext cx="0" cy="0"/>
+          <a:chOff x="0" y="0"/>
+          <a:chExt cx="0" cy="0"/>
+        </a:xfrm>
+      </p:grpSpPr>
+      <p:sp>
+        <p:nvSpPr>
+          <p:cNvPr id="2" name="Slide Image Placeholder 1"/>
+          <p:cNvSpPr>
+            <a:spLocks noGrp="1" noRot="1" noChangeAspect="1"/>
+          </p:cNvSpPr>
+          <p:nvPr>
+            <p:ph type="sldImg"/>
+          </p:nvPr>
+        </p:nvSpPr>
+        <p:spPr/>
+      </p:sp>
+      <p:sp>
+        <p:nvSpPr>
+          <p:cNvPr id="3" name="Notes Placeholder 2"/>
+          <p:cNvSpPr>
+            <a:spLocks noGrp="1"/>
+          </p:cNvSpPr>
+          <p:nvPr>
+            <p:ph type="body" idx="1"/>
+          </p:nvPr>
+        </p:nvSpPr>
+        <p:spPr/>
+        <p:txBody>
+          <a:bodyPr/>
+          <a:lstStyle/>
+          <a:p>
             <a:endParaRPr lang="en-US" dirty="0"/>
           </a:p>
         </p:txBody>
@@ -1048,7 +2549,7 @@
     </p:spTree>
     <p:extLst>
       <p:ext uri="{BB962C8B-B14F-4D97-AF65-F5344CB8AC3E}">
-        <p14:creationId xmlns:p14="http://schemas.microsoft.com/office/powerpoint/2010/main" val="167641411"/>
+        <p14:creationId xmlns:p14="http://schemas.microsoft.com/office/powerpoint/2010/main" val="1205840412"/>
       </p:ext>
     </p:extLst>
   </p:cSld>
@@ -1205,7 +2706,7 @@
           <a:p>
             <a:fld id="{09297C46-7687-4144-8B64-5E0BB76148E6}" type="datetimeFigureOut">
               <a:rPr lang="en-US" smtClean="0"/>
-              <a:t>8/8/2022</a:t>
+              <a:t>8/14/2022</a:t>
             </a:fld>
             <a:endParaRPr lang="en-US"/>
           </a:p>
@@ -1403,7 +2904,7 @@
           <a:p>
             <a:fld id="{09297C46-7687-4144-8B64-5E0BB76148E6}" type="datetimeFigureOut">
               <a:rPr lang="en-US" smtClean="0"/>
-              <a:t>8/8/2022</a:t>
+              <a:t>8/14/2022</a:t>
             </a:fld>
             <a:endParaRPr lang="en-US"/>
           </a:p>
@@ -1611,7 +3112,7 @@
           <a:p>
             <a:fld id="{09297C46-7687-4144-8B64-5E0BB76148E6}" type="datetimeFigureOut">
               <a:rPr lang="en-US" smtClean="0"/>
-              <a:t>8/8/2022</a:t>
+              <a:t>8/14/2022</a:t>
             </a:fld>
             <a:endParaRPr lang="en-US"/>
           </a:p>
@@ -1809,7 +3310,7 @@
           <a:p>
             <a:fld id="{09297C46-7687-4144-8B64-5E0BB76148E6}" type="datetimeFigureOut">
               <a:rPr lang="en-US" smtClean="0"/>
-              <a:t>8/8/2022</a:t>
+              <a:t>8/14/2022</a:t>
             </a:fld>
             <a:endParaRPr lang="en-US"/>
           </a:p>
@@ -2084,7 +3585,7 @@
           <a:p>
             <a:fld id="{09297C46-7687-4144-8B64-5E0BB76148E6}" type="datetimeFigureOut">
               <a:rPr lang="en-US" smtClean="0"/>
-              <a:t>8/8/2022</a:t>
+              <a:t>8/14/2022</a:t>
             </a:fld>
             <a:endParaRPr lang="en-US"/>
           </a:p>
@@ -2349,7 +3850,7 @@
           <a:p>
             <a:fld id="{09297C46-7687-4144-8B64-5E0BB76148E6}" type="datetimeFigureOut">
               <a:rPr lang="en-US" smtClean="0"/>
-              <a:t>8/8/2022</a:t>
+              <a:t>8/14/2022</a:t>
             </a:fld>
             <a:endParaRPr lang="en-US"/>
           </a:p>
@@ -2761,7 +4262,7 @@
           <a:p>
             <a:fld id="{09297C46-7687-4144-8B64-5E0BB76148E6}" type="datetimeFigureOut">
               <a:rPr lang="en-US" smtClean="0"/>
-              <a:t>8/8/2022</a:t>
+              <a:t>8/14/2022</a:t>
             </a:fld>
             <a:endParaRPr lang="en-US"/>
           </a:p>
@@ -2902,7 +4403,7 @@
           <a:p>
             <a:fld id="{09297C46-7687-4144-8B64-5E0BB76148E6}" type="datetimeFigureOut">
               <a:rPr lang="en-US" smtClean="0"/>
-              <a:t>8/8/2022</a:t>
+              <a:t>8/14/2022</a:t>
             </a:fld>
             <a:endParaRPr lang="en-US"/>
           </a:p>
@@ -3015,7 +4516,7 @@
           <a:p>
             <a:fld id="{09297C46-7687-4144-8B64-5E0BB76148E6}" type="datetimeFigureOut">
               <a:rPr lang="en-US" smtClean="0"/>
-              <a:t>8/8/2022</a:t>
+              <a:t>8/14/2022</a:t>
             </a:fld>
             <a:endParaRPr lang="en-US"/>
           </a:p>
@@ -3326,7 +4827,7 @@
           <a:p>
             <a:fld id="{09297C46-7687-4144-8B64-5E0BB76148E6}" type="datetimeFigureOut">
               <a:rPr lang="en-US" smtClean="0"/>
-              <a:t>8/8/2022</a:t>
+              <a:t>8/14/2022</a:t>
             </a:fld>
             <a:endParaRPr lang="en-US"/>
           </a:p>
@@ -3614,7 +5115,7 @@
           <a:p>
             <a:fld id="{09297C46-7687-4144-8B64-5E0BB76148E6}" type="datetimeFigureOut">
               <a:rPr lang="en-US" smtClean="0"/>
-              <a:t>8/8/2022</a:t>
+              <a:t>8/14/2022</a:t>
             </a:fld>
             <a:endParaRPr lang="en-US"/>
           </a:p>
@@ -3855,7 +5356,7 @@
           <a:p>
             <a:fld id="{09297C46-7687-4144-8B64-5E0BB76148E6}" type="datetimeFigureOut">
               <a:rPr lang="en-US" smtClean="0"/>
-              <a:t>8/8/2022</a:t>
+              <a:t>8/14/2022</a:t>
             </a:fld>
             <a:endParaRPr lang="en-US"/>
           </a:p>
@@ -4438,6 +5939,14 @@
 <file path=ppt/slides/slide11.xml><?xml version="1.0" encoding="utf-8"?>
 <p:sld xmlns:a="http://schemas.openxmlformats.org/drawingml/2006/main" xmlns:r="http://schemas.openxmlformats.org/officeDocument/2006/relationships" xmlns:p="http://schemas.openxmlformats.org/presentationml/2006/main">
   <p:cSld>
+    <p:bg>
+      <p:bgPr>
+        <a:solidFill>
+          <a:schemeClr val="bg1"/>
+        </a:solidFill>
+        <a:effectLst/>
+      </p:bgPr>
+    </p:bg>
     <p:spTree>
       <p:nvGrpSpPr>
         <p:cNvPr id="1" name=""/>
@@ -4454,10 +5963,255 @@
       </p:grpSpPr>
       <p:sp>
         <p:nvSpPr>
+          <p:cNvPr id="12" name="Rectangle 11">
+            <a:extLst>
+              <a:ext uri="{FF2B5EF4-FFF2-40B4-BE49-F238E27FC236}">
+                <a16:creationId xmlns:a16="http://schemas.microsoft.com/office/drawing/2014/main" id="{E8D41CF8-5232-42BC-8D05-AFEDE215398E}"/>
+              </a:ext>
+              <a:ext uri="{C183D7F6-B498-43B3-948B-1728B52AA6E4}">
+                <adec:decorative xmlns:adec="http://schemas.microsoft.com/office/drawing/2017/decorative" val="1"/>
+              </a:ext>
+            </a:extLst>
+          </p:cNvPr>
+          <p:cNvSpPr>
+            <a:spLocks noGrp="1" noRot="1" noChangeAspect="1" noMove="1" noResize="1" noEditPoints="1" noAdjustHandles="1" noChangeArrowheads="1" noChangeShapeType="1" noTextEdit="1"/>
+          </p:cNvSpPr>
+          <p:nvPr>
+            <p:extLst>
+              <p:ext uri="{386F3935-93C4-4BCD-93E2-E3B085C9AB24}">
+                <p16:designElem xmlns:p16="http://schemas.microsoft.com/office/powerpoint/2015/main" val="1"/>
+              </p:ext>
+            </p:extLst>
+          </p:nvPr>
+        </p:nvSpPr>
+        <p:spPr>
+          <a:xfrm>
+            <a:off x="0" y="-11256"/>
+            <a:ext cx="12192000" cy="6869256"/>
+          </a:xfrm>
+          <a:prstGeom prst="rect">
+            <a:avLst/>
+          </a:prstGeom>
+          <a:solidFill>
+            <a:schemeClr val="bg1">
+              <a:lumMod val="85000"/>
+              <a:alpha val="70000"/>
+            </a:schemeClr>
+          </a:solidFill>
+          <a:ln>
+            <a:noFill/>
+          </a:ln>
+        </p:spPr>
+        <p:style>
+          <a:lnRef idx="2">
+            <a:schemeClr val="accent1">
+              <a:shade val="50000"/>
+            </a:schemeClr>
+          </a:lnRef>
+          <a:fillRef idx="1">
+            <a:schemeClr val="accent1"/>
+          </a:fillRef>
+          <a:effectRef idx="0">
+            <a:schemeClr val="accent1"/>
+          </a:effectRef>
+          <a:fontRef idx="minor">
+            <a:schemeClr val="lt1"/>
+          </a:fontRef>
+        </p:style>
+        <p:txBody>
+          <a:bodyPr rtlCol="0" anchor="ctr"/>
+          <a:lstStyle/>
+          <a:p>
+            <a:pPr algn="ctr"/>
+            <a:endParaRPr lang="en-US" dirty="0"/>
+          </a:p>
+        </p:txBody>
+      </p:sp>
+      <p:sp>
+        <p:nvSpPr>
+          <p:cNvPr id="14" name="Rounded Rectangle 5">
+            <a:extLst>
+              <a:ext uri="{FF2B5EF4-FFF2-40B4-BE49-F238E27FC236}">
+                <a16:creationId xmlns:a16="http://schemas.microsoft.com/office/drawing/2014/main" id="{49237091-E62C-4878-AA4C-0B9995ADB28F}"/>
+              </a:ext>
+              <a:ext uri="{C183D7F6-B498-43B3-948B-1728B52AA6E4}">
+                <adec:decorative xmlns:adec="http://schemas.microsoft.com/office/drawing/2017/decorative" val="1"/>
+              </a:ext>
+            </a:extLst>
+          </p:cNvPr>
+          <p:cNvSpPr>
+            <a:spLocks noGrp="1" noRot="1" noChangeAspect="1" noMove="1" noResize="1" noEditPoints="1" noAdjustHandles="1" noChangeArrowheads="1" noChangeShapeType="1" noTextEdit="1"/>
+          </p:cNvSpPr>
+          <p:nvPr>
+            <p:extLst>
+              <p:ext uri="{386F3935-93C4-4BCD-93E2-E3B085C9AB24}">
+                <p16:designElem xmlns:p16="http://schemas.microsoft.com/office/powerpoint/2015/main" val="1"/>
+              </p:ext>
+            </p:extLst>
+          </p:nvPr>
+        </p:nvSpPr>
+        <p:spPr>
+          <a:xfrm>
+            <a:off x="838200" y="1828801"/>
+            <a:ext cx="10515600" cy="4362450"/>
+          </a:xfrm>
+          <a:prstGeom prst="roundRect">
+            <a:avLst>
+              <a:gd name="adj" fmla="val 0"/>
+            </a:avLst>
+          </a:prstGeom>
+          <a:solidFill>
+            <a:srgbClr val="FFFFFF"/>
+          </a:solidFill>
+          <a:ln w="9525">
+            <a:solidFill>
+              <a:srgbClr val="C8CACA"/>
+            </a:solidFill>
+          </a:ln>
+          <a:effectLst>
+            <a:outerShdw blurRad="57150" dist="19050" dir="5400000" algn="t" rotWithShape="0">
+              <a:prstClr val="black">
+                <a:alpha val="63000"/>
+              </a:prstClr>
+            </a:outerShdw>
+          </a:effectLst>
+        </p:spPr>
+        <p:style>
+          <a:lnRef idx="2">
+            <a:schemeClr val="accent1">
+              <a:shade val="50000"/>
+            </a:schemeClr>
+          </a:lnRef>
+          <a:fillRef idx="1">
+            <a:schemeClr val="accent1"/>
+          </a:fillRef>
+          <a:effectRef idx="0">
+            <a:schemeClr val="accent1"/>
+          </a:effectRef>
+          <a:fontRef idx="minor">
+            <a:schemeClr val="lt1"/>
+          </a:fontRef>
+        </p:style>
+        <p:txBody>
+          <a:bodyPr rtlCol="0" anchor="ctr"/>
+          <a:lstStyle/>
+          <a:p>
+            <a:pPr algn="ctr"/>
+            <a:endParaRPr lang="en-US"/>
+          </a:p>
+        </p:txBody>
+      </p:sp>
+      <p:pic>
+        <p:nvPicPr>
+          <p:cNvPr id="6" name="Content Placeholder 4" descr="Shape&#10;&#10;Description automatically generated with medium confidence">
+            <a:extLst>
+              <a:ext uri="{FF2B5EF4-FFF2-40B4-BE49-F238E27FC236}">
+                <a16:creationId xmlns:a16="http://schemas.microsoft.com/office/drawing/2014/main" id="{86C5898C-41A1-99E2-74C6-23AA1AF09B42}"/>
+              </a:ext>
+            </a:extLst>
+          </p:cNvPr>
+          <p:cNvPicPr>
+            <a:picLocks noChangeAspect="1"/>
+          </p:cNvPicPr>
+          <p:nvPr/>
+        </p:nvPicPr>
+        <p:blipFill>
+          <a:blip r:embed="rId3">
+            <a:extLst>
+              <a:ext uri="{28A0092B-C50C-407E-A947-70E740481C1C}">
+                <a14:useLocalDpi xmlns:a14="http://schemas.microsoft.com/office/drawing/2010/main" val="0"/>
+              </a:ext>
+            </a:extLst>
+          </a:blip>
+          <a:srcRect/>
+          <a:stretch/>
+        </p:blipFill>
+        <p:spPr>
+          <a:xfrm>
+            <a:off x="1157288" y="2147888"/>
+            <a:ext cx="3246438" cy="3721100"/>
+          </a:xfrm>
+          <a:prstGeom prst="rect">
+            <a:avLst/>
+          </a:prstGeom>
+        </p:spPr>
+      </p:pic>
+      <p:pic>
+        <p:nvPicPr>
+          <p:cNvPr id="5" name="Content Placeholder 4" descr="Shape&#10;&#10;Description automatically generated with medium confidence">
+            <a:extLst>
+              <a:ext uri="{FF2B5EF4-FFF2-40B4-BE49-F238E27FC236}">
+                <a16:creationId xmlns:a16="http://schemas.microsoft.com/office/drawing/2014/main" id="{20DECF4F-0D5C-FEC9-7529-66BFBB218C87}"/>
+              </a:ext>
+            </a:extLst>
+          </p:cNvPr>
+          <p:cNvPicPr>
+            <a:picLocks noGrp="1" noChangeAspect="1"/>
+          </p:cNvPicPr>
+          <p:nvPr>
+            <p:ph idx="1"/>
+          </p:nvPr>
+        </p:nvPicPr>
+        <p:blipFill>
+          <a:blip r:embed="rId4">
+            <a:extLst>
+              <a:ext uri="{28A0092B-C50C-407E-A947-70E740481C1C}">
+                <a14:useLocalDpi xmlns:a14="http://schemas.microsoft.com/office/drawing/2010/main" val="0"/>
+              </a:ext>
+            </a:extLst>
+          </a:blip>
+          <a:stretch>
+            <a:fillRect/>
+          </a:stretch>
+        </p:blipFill>
+        <p:spPr>
+          <a:xfrm>
+            <a:off x="4471988" y="2147888"/>
+            <a:ext cx="3246438" cy="3721100"/>
+          </a:xfrm>
+        </p:spPr>
+      </p:pic>
+      <p:pic>
+        <p:nvPicPr>
+          <p:cNvPr id="7" name="Content Placeholder 4" descr="Shape&#10;&#10;Description automatically generated with medium confidence">
+            <a:extLst>
+              <a:ext uri="{FF2B5EF4-FFF2-40B4-BE49-F238E27FC236}">
+                <a16:creationId xmlns:a16="http://schemas.microsoft.com/office/drawing/2014/main" id="{F32D3BDA-34D5-66D1-E46D-A818D8D97AC5}"/>
+              </a:ext>
+            </a:extLst>
+          </p:cNvPr>
+          <p:cNvPicPr>
+            <a:picLocks noChangeAspect="1"/>
+          </p:cNvPicPr>
+          <p:nvPr/>
+        </p:nvPicPr>
+        <p:blipFill>
+          <a:blip r:embed="rId5">
+            <a:extLst>
+              <a:ext uri="{28A0092B-C50C-407E-A947-70E740481C1C}">
+                <a14:useLocalDpi xmlns:a14="http://schemas.microsoft.com/office/drawing/2010/main" val="0"/>
+              </a:ext>
+            </a:extLst>
+          </a:blip>
+          <a:srcRect/>
+          <a:stretch/>
+        </p:blipFill>
+        <p:spPr>
+          <a:xfrm>
+            <a:off x="7785100" y="2147888"/>
+            <a:ext cx="3246438" cy="3721100"/>
+          </a:xfrm>
+          <a:prstGeom prst="rect">
+            <a:avLst/>
+          </a:prstGeom>
+        </p:spPr>
+      </p:pic>
+      <p:sp>
+        <p:nvSpPr>
           <p:cNvPr id="2" name="Title 1">
             <a:extLst>
               <a:ext uri="{FF2B5EF4-FFF2-40B4-BE49-F238E27FC236}">
-                <a16:creationId xmlns:a16="http://schemas.microsoft.com/office/drawing/2014/main" id="{EEE6E266-6ED5-BE97-37D8-5BCA28A91F36}"/>
+                <a16:creationId xmlns:a16="http://schemas.microsoft.com/office/drawing/2014/main" id="{36C0B203-31E5-611B-59C0-E8BA42BA3BAE}"/>
               </a:ext>
             </a:extLst>
           </p:cNvPr>
@@ -4468,64 +6222,207 @@
             <p:ph type="title"/>
           </p:nvPr>
         </p:nvSpPr>
-        <p:spPr/>
-        <p:txBody>
-          <a:bodyPr/>
-          <a:lstStyle/>
-          <a:p>
-            <a:r>
-              <a:rPr lang="en-US" dirty="0"/>
-              <a:t>Data Files</a:t>
-            </a:r>
-          </a:p>
-        </p:txBody>
-      </p:sp>
-      <p:sp>
-        <p:nvSpPr>
-          <p:cNvPr id="3" name="Content Placeholder 2">
-            <a:extLst>
-              <a:ext uri="{FF2B5EF4-FFF2-40B4-BE49-F238E27FC236}">
-                <a16:creationId xmlns:a16="http://schemas.microsoft.com/office/drawing/2014/main" id="{27F6F7AD-BE7C-2786-BD35-3D06A7E878B7}"/>
-              </a:ext>
-            </a:extLst>
-          </p:cNvPr>
-          <p:cNvSpPr>
-            <a:spLocks noGrp="1"/>
-          </p:cNvSpPr>
-          <p:nvPr>
-            <p:ph idx="1"/>
-          </p:nvPr>
-        </p:nvSpPr>
-        <p:spPr/>
-        <p:txBody>
-          <a:bodyPr/>
-          <a:lstStyle/>
-          <a:p>
-            <a:r>
-              <a:rPr lang="en-US" dirty="0" err="1"/>
-              <a:t>NetCDF</a:t>
-            </a:r>
-            <a:endParaRPr lang="en-US" dirty="0"/>
-          </a:p>
-          <a:p>
-            <a:r>
-              <a:rPr lang="en-US" dirty="0" err="1"/>
-              <a:t>Grib</a:t>
-            </a:r>
-            <a:endParaRPr lang="en-US" dirty="0"/>
+        <p:spPr>
+          <a:xfrm>
+            <a:off x="838200" y="365125"/>
+            <a:ext cx="10515600" cy="1325563"/>
+          </a:xfrm>
+        </p:spPr>
+        <p:txBody>
+          <a:bodyPr vert="horz" lIns="91440" tIns="45720" rIns="91440" bIns="45720" rtlCol="0" anchor="ctr">
+            <a:normAutofit/>
+          </a:bodyPr>
+          <a:lstStyle/>
+          <a:p>
+            <a:r>
+              <a:rPr lang="en-US" kern="1200">
+                <a:solidFill>
+                  <a:schemeClr val="tx1"/>
+                </a:solidFill>
+                <a:latin typeface="+mj-lt"/>
+                <a:ea typeface="+mj-ea"/>
+                <a:cs typeface="+mj-cs"/>
+              </a:rPr>
+              <a:t>Show me here on the map, where zero is</a:t>
+            </a:r>
           </a:p>
         </p:txBody>
       </p:sp>
     </p:spTree>
     <p:extLst>
       <p:ext uri="{BB962C8B-B14F-4D97-AF65-F5344CB8AC3E}">
-        <p14:creationId xmlns:p14="http://schemas.microsoft.com/office/powerpoint/2010/main" val="2597266994"/>
+        <p14:creationId xmlns:p14="http://schemas.microsoft.com/office/powerpoint/2010/main" val="890754163"/>
       </p:ext>
     </p:extLst>
   </p:cSld>
   <p:clrMapOvr>
     <a:masterClrMapping/>
   </p:clrMapOvr>
+  <p:timing>
+    <p:tnLst>
+      <p:par>
+        <p:cTn id="1" dur="indefinite" restart="never" nodeType="tmRoot">
+          <p:childTnLst>
+            <p:seq concurrent="1" nextAc="seek">
+              <p:cTn id="2" dur="indefinite" nodeType="mainSeq">
+                <p:childTnLst>
+                  <p:par>
+                    <p:cTn id="3" fill="hold">
+                      <p:stCondLst>
+                        <p:cond delay="indefinite"/>
+                      </p:stCondLst>
+                      <p:childTnLst>
+                        <p:par>
+                          <p:cTn id="4" fill="hold">
+                            <p:stCondLst>
+                              <p:cond delay="0"/>
+                            </p:stCondLst>
+                            <p:childTnLst>
+                              <p:par>
+                                <p:cTn id="5" presetID="1" presetClass="entr" presetSubtype="0" fill="hold" nodeType="clickEffect">
+                                  <p:stCondLst>
+                                    <p:cond delay="0"/>
+                                  </p:stCondLst>
+                                  <p:childTnLst>
+                                    <p:set>
+                                      <p:cBhvr>
+                                        <p:cTn id="6" dur="1" fill="hold">
+                                          <p:stCondLst>
+                                            <p:cond delay="0"/>
+                                          </p:stCondLst>
+                                        </p:cTn>
+                                        <p:tgtEl>
+                                          <p:spTgt spid="5"/>
+                                        </p:tgtEl>
+                                        <p:attrNameLst>
+                                          <p:attrName>style.visibility</p:attrName>
+                                        </p:attrNameLst>
+                                      </p:cBhvr>
+                                      <p:to>
+                                        <p:strVal val="visible"/>
+                                      </p:to>
+                                    </p:set>
+                                  </p:childTnLst>
+                                </p:cTn>
+                              </p:par>
+                            </p:childTnLst>
+                          </p:cTn>
+                        </p:par>
+                      </p:childTnLst>
+                    </p:cTn>
+                  </p:par>
+                  <p:par>
+                    <p:cTn id="7" fill="hold">
+                      <p:stCondLst>
+                        <p:cond delay="indefinite"/>
+                      </p:stCondLst>
+                      <p:childTnLst>
+                        <p:par>
+                          <p:cTn id="8" fill="hold">
+                            <p:stCondLst>
+                              <p:cond delay="0"/>
+                            </p:stCondLst>
+                            <p:childTnLst>
+                              <p:par>
+                                <p:cTn id="9" presetID="1" presetClass="entr" presetSubtype="0" fill="hold" nodeType="clickEffect">
+                                  <p:stCondLst>
+                                    <p:cond delay="0"/>
+                                  </p:stCondLst>
+                                  <p:childTnLst>
+                                    <p:set>
+                                      <p:cBhvr>
+                                        <p:cTn id="10" dur="1" fill="hold">
+                                          <p:stCondLst>
+                                            <p:cond delay="0"/>
+                                          </p:stCondLst>
+                                        </p:cTn>
+                                        <p:tgtEl>
+                                          <p:spTgt spid="6"/>
+                                        </p:tgtEl>
+                                        <p:attrNameLst>
+                                          <p:attrName>style.visibility</p:attrName>
+                                        </p:attrNameLst>
+                                      </p:cBhvr>
+                                      <p:to>
+                                        <p:strVal val="visible"/>
+                                      </p:to>
+                                    </p:set>
+                                  </p:childTnLst>
+                                </p:cTn>
+                              </p:par>
+                            </p:childTnLst>
+                          </p:cTn>
+                        </p:par>
+                      </p:childTnLst>
+                    </p:cTn>
+                  </p:par>
+                  <p:par>
+                    <p:cTn id="11" fill="hold">
+                      <p:stCondLst>
+                        <p:cond delay="indefinite"/>
+                      </p:stCondLst>
+                      <p:childTnLst>
+                        <p:par>
+                          <p:cTn id="12" fill="hold">
+                            <p:stCondLst>
+                              <p:cond delay="0"/>
+                            </p:stCondLst>
+                            <p:childTnLst>
+                              <p:par>
+                                <p:cTn id="13" presetID="1" presetClass="entr" presetSubtype="0" fill="hold" nodeType="clickEffect">
+                                  <p:stCondLst>
+                                    <p:cond delay="0"/>
+                                  </p:stCondLst>
+                                  <p:childTnLst>
+                                    <p:set>
+                                      <p:cBhvr>
+                                        <p:cTn id="14" dur="1" fill="hold">
+                                          <p:stCondLst>
+                                            <p:cond delay="0"/>
+                                          </p:stCondLst>
+                                        </p:cTn>
+                                        <p:tgtEl>
+                                          <p:spTgt spid="7"/>
+                                        </p:tgtEl>
+                                        <p:attrNameLst>
+                                          <p:attrName>style.visibility</p:attrName>
+                                        </p:attrNameLst>
+                                      </p:cBhvr>
+                                      <p:to>
+                                        <p:strVal val="visible"/>
+                                      </p:to>
+                                    </p:set>
+                                  </p:childTnLst>
+                                </p:cTn>
+                              </p:par>
+                            </p:childTnLst>
+                          </p:cTn>
+                        </p:par>
+                      </p:childTnLst>
+                    </p:cTn>
+                  </p:par>
+                </p:childTnLst>
+              </p:cTn>
+              <p:prevCondLst>
+                <p:cond evt="onPrev" delay="0">
+                  <p:tgtEl>
+                    <p:sldTgt/>
+                  </p:tgtEl>
+                </p:cond>
+              </p:prevCondLst>
+              <p:nextCondLst>
+                <p:cond evt="onNext" delay="0">
+                  <p:tgtEl>
+                    <p:sldTgt/>
+                  </p:tgtEl>
+                </p:cond>
+              </p:nextCondLst>
+            </p:seq>
+          </p:childTnLst>
+        </p:cTn>
+      </p:par>
+    </p:tnLst>
+  </p:timing>
 </p:sld>
 </file>
 
@@ -4551,7 +6448,7 @@
           <p:cNvPr id="2" name="Title 1">
             <a:extLst>
               <a:ext uri="{FF2B5EF4-FFF2-40B4-BE49-F238E27FC236}">
-                <a16:creationId xmlns:a16="http://schemas.microsoft.com/office/drawing/2014/main" id="{4CD116D0-9FB1-F90F-4C92-94FC6EAB34C5}"/>
+                <a16:creationId xmlns:a16="http://schemas.microsoft.com/office/drawing/2014/main" id="{EEE6E266-6ED5-BE97-37D8-5BCA28A91F36}"/>
               </a:ext>
             </a:extLst>
           </p:cNvPr>
@@ -4569,7 +6466,7 @@
           <a:p>
             <a:r>
               <a:rPr lang="en-US" dirty="0"/>
-              <a:t>Tooling</a:t>
+              <a:t>Data Files</a:t>
             </a:r>
           </a:p>
         </p:txBody>
@@ -4579,7 +6476,7 @@
           <p:cNvPr id="3" name="Content Placeholder 2">
             <a:extLst>
               <a:ext uri="{FF2B5EF4-FFF2-40B4-BE49-F238E27FC236}">
-                <a16:creationId xmlns:a16="http://schemas.microsoft.com/office/drawing/2014/main" id="{170C1740-11A8-A35E-187B-ADFA4617DF9D}"/>
+                <a16:creationId xmlns:a16="http://schemas.microsoft.com/office/drawing/2014/main" id="{27F6F7AD-BE7C-2786-BD35-3D06A7E878B7}"/>
               </a:ext>
             </a:extLst>
           </p:cNvPr>
@@ -4596,32 +6493,24 @@
           <a:lstStyle/>
           <a:p>
             <a:r>
-              <a:rPr lang="en-US" dirty="0"/>
-              <a:t>Google Earth</a:t>
-            </a:r>
-          </a:p>
-          <a:p>
-            <a:r>
-              <a:rPr lang="en-US" dirty="0"/>
-              <a:t>Panoply</a:t>
-            </a:r>
-          </a:p>
-          <a:p>
-            <a:r>
               <a:rPr lang="en-US" dirty="0" err="1"/>
-              <a:t>nc</a:t>
-            </a:r>
-            <a:r>
-              <a:rPr lang="en-US" dirty="0"/>
-              <a:t>*</a:t>
-            </a:r>
+              <a:t>NetCDF</a:t>
+            </a:r>
+            <a:endParaRPr lang="en-US" dirty="0"/>
+          </a:p>
+          <a:p>
+            <a:r>
+              <a:rPr lang="en-US" dirty="0" err="1"/>
+              <a:t>Grib</a:t>
+            </a:r>
+            <a:endParaRPr lang="en-US" dirty="0"/>
           </a:p>
         </p:txBody>
       </p:sp>
     </p:spTree>
     <p:extLst>
       <p:ext uri="{BB962C8B-B14F-4D97-AF65-F5344CB8AC3E}">
-        <p14:creationId xmlns:p14="http://schemas.microsoft.com/office/powerpoint/2010/main" val="1092022144"/>
+        <p14:creationId xmlns:p14="http://schemas.microsoft.com/office/powerpoint/2010/main" val="2597266994"/>
       </p:ext>
     </p:extLst>
   </p:cSld>
@@ -4653,7 +6542,7 @@
           <p:cNvPr id="2" name="Title 1">
             <a:extLst>
               <a:ext uri="{FF2B5EF4-FFF2-40B4-BE49-F238E27FC236}">
-                <a16:creationId xmlns:a16="http://schemas.microsoft.com/office/drawing/2014/main" id="{1C883FCD-C461-F4C8-B684-E732166867E6}"/>
+                <a16:creationId xmlns:a16="http://schemas.microsoft.com/office/drawing/2014/main" id="{4CD116D0-9FB1-F90F-4C92-94FC6EAB34C5}"/>
               </a:ext>
             </a:extLst>
           </p:cNvPr>
@@ -4671,7 +6560,7 @@
           <a:p>
             <a:r>
               <a:rPr lang="en-US" dirty="0"/>
-              <a:t>Library</a:t>
+              <a:t>Tooling</a:t>
             </a:r>
           </a:p>
         </p:txBody>
@@ -4681,7 +6570,7 @@
           <p:cNvPr id="3" name="Content Placeholder 2">
             <a:extLst>
               <a:ext uri="{FF2B5EF4-FFF2-40B4-BE49-F238E27FC236}">
-                <a16:creationId xmlns:a16="http://schemas.microsoft.com/office/drawing/2014/main" id="{ACAB7142-9FFD-16F8-A406-C18838A17EE2}"/>
+                <a16:creationId xmlns:a16="http://schemas.microsoft.com/office/drawing/2014/main" id="{170C1740-11A8-A35E-187B-ADFA4617DF9D}"/>
               </a:ext>
             </a:extLst>
           </p:cNvPr>
@@ -4697,14 +6586,44 @@
           <a:bodyPr/>
           <a:lstStyle/>
           <a:p>
-            <a:endParaRPr lang="en-US"/>
+            <a:r>
+              <a:rPr lang="en-US" dirty="0"/>
+              <a:t>Google Earth</a:t>
+            </a:r>
+          </a:p>
+          <a:p>
+            <a:r>
+              <a:rPr lang="en-US" dirty="0"/>
+              <a:t>Panoply</a:t>
+            </a:r>
+          </a:p>
+          <a:p>
+            <a:r>
+              <a:rPr lang="en-US" dirty="0"/>
+              <a:t>Scientific </a:t>
+            </a:r>
+            <a:r>
+              <a:rPr lang="en-US" dirty="0" err="1"/>
+              <a:t>DataSet</a:t>
+            </a:r>
+            <a:endParaRPr lang="en-US" dirty="0"/>
+          </a:p>
+          <a:p>
+            <a:r>
+              <a:rPr lang="en-US" dirty="0" err="1"/>
+              <a:t>nc</a:t>
+            </a:r>
+            <a:r>
+              <a:rPr lang="en-US" dirty="0"/>
+              <a:t>*</a:t>
+            </a:r>
           </a:p>
         </p:txBody>
       </p:sp>
     </p:spTree>
     <p:extLst>
       <p:ext uri="{BB962C8B-B14F-4D97-AF65-F5344CB8AC3E}">
-        <p14:creationId xmlns:p14="http://schemas.microsoft.com/office/powerpoint/2010/main" val="3234120278"/>
+        <p14:creationId xmlns:p14="http://schemas.microsoft.com/office/powerpoint/2010/main" val="1092022144"/>
       </p:ext>
     </p:extLst>
   </p:cSld>
@@ -4736,6 +6655,92 @@
           <p:cNvPr id="2" name="Title 1">
             <a:extLst>
               <a:ext uri="{FF2B5EF4-FFF2-40B4-BE49-F238E27FC236}">
+                <a16:creationId xmlns:a16="http://schemas.microsoft.com/office/drawing/2014/main" id="{1C883FCD-C461-F4C8-B684-E732166867E6}"/>
+              </a:ext>
+            </a:extLst>
+          </p:cNvPr>
+          <p:cNvSpPr>
+            <a:spLocks noGrp="1"/>
+          </p:cNvSpPr>
+          <p:nvPr>
+            <p:ph type="title"/>
+          </p:nvPr>
+        </p:nvSpPr>
+        <p:spPr/>
+        <p:txBody>
+          <a:bodyPr/>
+          <a:lstStyle/>
+          <a:p>
+            <a:r>
+              <a:rPr lang="en-US" dirty="0"/>
+              <a:t>Library</a:t>
+            </a:r>
+          </a:p>
+        </p:txBody>
+      </p:sp>
+      <p:sp>
+        <p:nvSpPr>
+          <p:cNvPr id="3" name="Content Placeholder 2">
+            <a:extLst>
+              <a:ext uri="{FF2B5EF4-FFF2-40B4-BE49-F238E27FC236}">
+                <a16:creationId xmlns:a16="http://schemas.microsoft.com/office/drawing/2014/main" id="{ACAB7142-9FFD-16F8-A406-C18838A17EE2}"/>
+              </a:ext>
+            </a:extLst>
+          </p:cNvPr>
+          <p:cNvSpPr>
+            <a:spLocks noGrp="1"/>
+          </p:cNvSpPr>
+          <p:nvPr>
+            <p:ph idx="1"/>
+          </p:nvPr>
+        </p:nvSpPr>
+        <p:spPr/>
+        <p:txBody>
+          <a:bodyPr/>
+          <a:lstStyle/>
+          <a:p>
+            <a:r>
+              <a:rPr lang="en-US" dirty="0"/>
+              <a:t>?</a:t>
+            </a:r>
+          </a:p>
+        </p:txBody>
+      </p:sp>
+    </p:spTree>
+    <p:extLst>
+      <p:ext uri="{BB962C8B-B14F-4D97-AF65-F5344CB8AC3E}">
+        <p14:creationId xmlns:p14="http://schemas.microsoft.com/office/powerpoint/2010/main" val="3234120278"/>
+      </p:ext>
+    </p:extLst>
+  </p:cSld>
+  <p:clrMapOvr>
+    <a:masterClrMapping/>
+  </p:clrMapOvr>
+</p:sld>
+</file>
+
+<file path=ppt/slides/slide15.xml><?xml version="1.0" encoding="utf-8"?>
+<p:sld xmlns:a="http://schemas.openxmlformats.org/drawingml/2006/main" xmlns:r="http://schemas.openxmlformats.org/officeDocument/2006/relationships" xmlns:p="http://schemas.openxmlformats.org/presentationml/2006/main">
+  <p:cSld>
+    <p:spTree>
+      <p:nvGrpSpPr>
+        <p:cNvPr id="1" name=""/>
+        <p:cNvGrpSpPr/>
+        <p:nvPr/>
+      </p:nvGrpSpPr>
+      <p:grpSpPr>
+        <a:xfrm>
+          <a:off x="0" y="0"/>
+          <a:ext cx="0" cy="0"/>
+          <a:chOff x="0" y="0"/>
+          <a:chExt cx="0" cy="0"/>
+        </a:xfrm>
+      </p:grpSpPr>
+      <p:sp>
+        <p:nvSpPr>
+          <p:cNvPr id="2" name="Title 1">
+            <a:extLst>
+              <a:ext uri="{FF2B5EF4-FFF2-40B4-BE49-F238E27FC236}">
                 <a16:creationId xmlns:a16="http://schemas.microsoft.com/office/drawing/2014/main" id="{7A3AAB93-9192-2F9E-5A4E-97DFE9601B32}"/>
               </a:ext>
             </a:extLst>
@@ -4815,6 +6820,17 @@
               <a:rPr lang="en-US" dirty="0"/>
               <a:t>Storage</a:t>
             </a:r>
+          </a:p>
+          <a:p>
+            <a:r>
+              <a:rPr lang="en-US" dirty="0"/>
+              <a:t>Dates &amp; </a:t>
+            </a:r>
+            <a:r>
+              <a:rPr lang="en-US" dirty="0" err="1"/>
+              <a:t>Timezones</a:t>
+            </a:r>
+            <a:endParaRPr lang="en-US" dirty="0"/>
           </a:p>
         </p:txBody>
       </p:sp>
@@ -4822,6 +6838,387 @@
     <p:extLst>
       <p:ext uri="{BB962C8B-B14F-4D97-AF65-F5344CB8AC3E}">
         <p14:creationId xmlns:p14="http://schemas.microsoft.com/office/powerpoint/2010/main" val="3211859936"/>
+      </p:ext>
+    </p:extLst>
+  </p:cSld>
+  <p:clrMapOvr>
+    <a:masterClrMapping/>
+  </p:clrMapOvr>
+</p:sld>
+</file>
+
+<file path=ppt/slides/slide16.xml><?xml version="1.0" encoding="utf-8"?>
+<p:sld xmlns:a="http://schemas.openxmlformats.org/drawingml/2006/main" xmlns:r="http://schemas.openxmlformats.org/officeDocument/2006/relationships" xmlns:p="http://schemas.openxmlformats.org/presentationml/2006/main">
+  <p:cSld>
+    <p:spTree>
+      <p:nvGrpSpPr>
+        <p:cNvPr id="1" name=""/>
+        <p:cNvGrpSpPr/>
+        <p:nvPr/>
+      </p:nvGrpSpPr>
+      <p:grpSpPr>
+        <a:xfrm>
+          <a:off x="0" y="0"/>
+          <a:ext cx="0" cy="0"/>
+          <a:chOff x="0" y="0"/>
+          <a:chExt cx="0" cy="0"/>
+        </a:xfrm>
+      </p:grpSpPr>
+      <p:sp>
+        <p:nvSpPr>
+          <p:cNvPr id="2" name="Title 1">
+            <a:extLst>
+              <a:ext uri="{FF2B5EF4-FFF2-40B4-BE49-F238E27FC236}">
+                <a16:creationId xmlns:a16="http://schemas.microsoft.com/office/drawing/2014/main" id="{7A3AAB93-9192-2F9E-5A4E-97DFE9601B32}"/>
+              </a:ext>
+            </a:extLst>
+          </p:cNvPr>
+          <p:cNvSpPr>
+            <a:spLocks noGrp="1"/>
+          </p:cNvSpPr>
+          <p:nvPr>
+            <p:ph type="title"/>
+          </p:nvPr>
+        </p:nvSpPr>
+        <p:spPr/>
+        <p:txBody>
+          <a:bodyPr/>
+          <a:lstStyle/>
+          <a:p>
+            <a:r>
+              <a:rPr lang="en-US" dirty="0"/>
+              <a:t>Design considerations</a:t>
+            </a:r>
+          </a:p>
+        </p:txBody>
+      </p:sp>
+      <p:sp>
+        <p:nvSpPr>
+          <p:cNvPr id="3" name="Content Placeholder 2">
+            <a:extLst>
+              <a:ext uri="{FF2B5EF4-FFF2-40B4-BE49-F238E27FC236}">
+                <a16:creationId xmlns:a16="http://schemas.microsoft.com/office/drawing/2014/main" id="{95EED6EF-9D34-CF71-B273-946320AB8804}"/>
+              </a:ext>
+            </a:extLst>
+          </p:cNvPr>
+          <p:cNvSpPr>
+            <a:spLocks noGrp="1"/>
+          </p:cNvSpPr>
+          <p:nvPr>
+            <p:ph idx="1"/>
+          </p:nvPr>
+        </p:nvSpPr>
+        <p:spPr/>
+        <p:txBody>
+          <a:bodyPr/>
+          <a:lstStyle/>
+          <a:p>
+            <a:endParaRPr lang="en-US" dirty="0"/>
+          </a:p>
+        </p:txBody>
+      </p:sp>
+    </p:spTree>
+    <p:extLst>
+      <p:ext uri="{BB962C8B-B14F-4D97-AF65-F5344CB8AC3E}">
+        <p14:creationId xmlns:p14="http://schemas.microsoft.com/office/powerpoint/2010/main" val="1418223557"/>
+      </p:ext>
+    </p:extLst>
+  </p:cSld>
+  <p:clrMapOvr>
+    <a:masterClrMapping/>
+  </p:clrMapOvr>
+</p:sld>
+</file>
+
+<file path=ppt/slides/slide17.xml><?xml version="1.0" encoding="utf-8"?>
+<p:sld xmlns:a="http://schemas.openxmlformats.org/drawingml/2006/main" xmlns:r="http://schemas.openxmlformats.org/officeDocument/2006/relationships" xmlns:p="http://schemas.openxmlformats.org/presentationml/2006/main">
+  <p:cSld>
+    <p:spTree>
+      <p:nvGrpSpPr>
+        <p:cNvPr id="1" name=""/>
+        <p:cNvGrpSpPr/>
+        <p:nvPr/>
+      </p:nvGrpSpPr>
+      <p:grpSpPr>
+        <a:xfrm>
+          <a:off x="0" y="0"/>
+          <a:ext cx="0" cy="0"/>
+          <a:chOff x="0" y="0"/>
+          <a:chExt cx="0" cy="0"/>
+        </a:xfrm>
+      </p:grpSpPr>
+      <p:sp>
+        <p:nvSpPr>
+          <p:cNvPr id="2" name="Title 1">
+            <a:extLst>
+              <a:ext uri="{FF2B5EF4-FFF2-40B4-BE49-F238E27FC236}">
+                <a16:creationId xmlns:a16="http://schemas.microsoft.com/office/drawing/2014/main" id="{7A3AAB93-9192-2F9E-5A4E-97DFE9601B32}"/>
+              </a:ext>
+            </a:extLst>
+          </p:cNvPr>
+          <p:cNvSpPr>
+            <a:spLocks noGrp="1"/>
+          </p:cNvSpPr>
+          <p:nvPr>
+            <p:ph type="title"/>
+          </p:nvPr>
+        </p:nvSpPr>
+        <p:spPr/>
+        <p:txBody>
+          <a:bodyPr/>
+          <a:lstStyle/>
+          <a:p>
+            <a:r>
+              <a:rPr lang="en-US" dirty="0"/>
+              <a:t>Missing Data</a:t>
+            </a:r>
+          </a:p>
+        </p:txBody>
+      </p:sp>
+      <p:sp>
+        <p:nvSpPr>
+          <p:cNvPr id="3" name="Content Placeholder 2">
+            <a:extLst>
+              <a:ext uri="{FF2B5EF4-FFF2-40B4-BE49-F238E27FC236}">
+                <a16:creationId xmlns:a16="http://schemas.microsoft.com/office/drawing/2014/main" id="{95EED6EF-9D34-CF71-B273-946320AB8804}"/>
+              </a:ext>
+            </a:extLst>
+          </p:cNvPr>
+          <p:cNvSpPr>
+            <a:spLocks noGrp="1"/>
+          </p:cNvSpPr>
+          <p:nvPr>
+            <p:ph idx="1"/>
+          </p:nvPr>
+        </p:nvSpPr>
+        <p:spPr/>
+        <p:txBody>
+          <a:bodyPr/>
+          <a:lstStyle/>
+          <a:p>
+            <a:endParaRPr lang="en-US" dirty="0"/>
+          </a:p>
+        </p:txBody>
+      </p:sp>
+    </p:spTree>
+    <p:extLst>
+      <p:ext uri="{BB962C8B-B14F-4D97-AF65-F5344CB8AC3E}">
+        <p14:creationId xmlns:p14="http://schemas.microsoft.com/office/powerpoint/2010/main" val="1186139435"/>
+      </p:ext>
+    </p:extLst>
+  </p:cSld>
+  <p:clrMapOvr>
+    <a:masterClrMapping/>
+  </p:clrMapOvr>
+</p:sld>
+</file>
+
+<file path=ppt/slides/slide18.xml><?xml version="1.0" encoding="utf-8"?>
+<p:sld xmlns:a="http://schemas.openxmlformats.org/drawingml/2006/main" xmlns:r="http://schemas.openxmlformats.org/officeDocument/2006/relationships" xmlns:p="http://schemas.openxmlformats.org/presentationml/2006/main" show="0">
+  <p:cSld>
+    <p:spTree>
+      <p:nvGrpSpPr>
+        <p:cNvPr id="1" name=""/>
+        <p:cNvGrpSpPr/>
+        <p:nvPr/>
+      </p:nvGrpSpPr>
+      <p:grpSpPr>
+        <a:xfrm>
+          <a:off x="0" y="0"/>
+          <a:ext cx="0" cy="0"/>
+          <a:chOff x="0" y="0"/>
+          <a:chExt cx="0" cy="0"/>
+        </a:xfrm>
+      </p:grpSpPr>
+      <p:sp>
+        <p:nvSpPr>
+          <p:cNvPr id="2" name="Title 1">
+            <a:extLst>
+              <a:ext uri="{FF2B5EF4-FFF2-40B4-BE49-F238E27FC236}">
+                <a16:creationId xmlns:a16="http://schemas.microsoft.com/office/drawing/2014/main" id="{7A3AAB93-9192-2F9E-5A4E-97DFE9601B32}"/>
+              </a:ext>
+            </a:extLst>
+          </p:cNvPr>
+          <p:cNvSpPr>
+            <a:spLocks noGrp="1"/>
+          </p:cNvSpPr>
+          <p:nvPr>
+            <p:ph type="title"/>
+          </p:nvPr>
+        </p:nvSpPr>
+        <p:spPr/>
+        <p:txBody>
+          <a:bodyPr/>
+          <a:lstStyle/>
+          <a:p>
+            <a:r>
+              <a:rPr lang="en-US" dirty="0"/>
+              <a:t>Design considerations</a:t>
+            </a:r>
+          </a:p>
+        </p:txBody>
+      </p:sp>
+      <p:sp>
+        <p:nvSpPr>
+          <p:cNvPr id="3" name="Content Placeholder 2">
+            <a:extLst>
+              <a:ext uri="{FF2B5EF4-FFF2-40B4-BE49-F238E27FC236}">
+                <a16:creationId xmlns:a16="http://schemas.microsoft.com/office/drawing/2014/main" id="{95EED6EF-9D34-CF71-B273-946320AB8804}"/>
+              </a:ext>
+            </a:extLst>
+          </p:cNvPr>
+          <p:cNvSpPr>
+            <a:spLocks noGrp="1"/>
+          </p:cNvSpPr>
+          <p:nvPr>
+            <p:ph idx="1"/>
+          </p:nvPr>
+        </p:nvSpPr>
+        <p:spPr/>
+        <p:txBody>
+          <a:bodyPr/>
+          <a:lstStyle/>
+          <a:p>
+            <a:r>
+              <a:rPr lang="en-US" dirty="0"/>
+              <a:t>In-situ vs Remote instruments</a:t>
+            </a:r>
+          </a:p>
+        </p:txBody>
+      </p:sp>
+    </p:spTree>
+    <p:extLst>
+      <p:ext uri="{BB962C8B-B14F-4D97-AF65-F5344CB8AC3E}">
+        <p14:creationId xmlns:p14="http://schemas.microsoft.com/office/powerpoint/2010/main" val="71056147"/>
+      </p:ext>
+    </p:extLst>
+  </p:cSld>
+  <p:clrMapOvr>
+    <a:masterClrMapping/>
+  </p:clrMapOvr>
+</p:sld>
+</file>
+
+<file path=ppt/slides/slide19.xml><?xml version="1.0" encoding="utf-8"?>
+<p:sld xmlns:a="http://schemas.openxmlformats.org/drawingml/2006/main" xmlns:r="http://schemas.openxmlformats.org/officeDocument/2006/relationships" xmlns:p="http://schemas.openxmlformats.org/presentationml/2006/main">
+  <p:cSld>
+    <p:spTree>
+      <p:nvGrpSpPr>
+        <p:cNvPr id="1" name=""/>
+        <p:cNvGrpSpPr/>
+        <p:nvPr/>
+      </p:nvGrpSpPr>
+      <p:grpSpPr>
+        <a:xfrm>
+          <a:off x="0" y="0"/>
+          <a:ext cx="0" cy="0"/>
+          <a:chOff x="0" y="0"/>
+          <a:chExt cx="0" cy="0"/>
+        </a:xfrm>
+      </p:grpSpPr>
+      <p:sp>
+        <p:nvSpPr>
+          <p:cNvPr id="2" name="Title 1">
+            <a:extLst>
+              <a:ext uri="{FF2B5EF4-FFF2-40B4-BE49-F238E27FC236}">
+                <a16:creationId xmlns:a16="http://schemas.microsoft.com/office/drawing/2014/main" id="{7A3AAB93-9192-2F9E-5A4E-97DFE9601B32}"/>
+              </a:ext>
+            </a:extLst>
+          </p:cNvPr>
+          <p:cNvSpPr>
+            <a:spLocks noGrp="1"/>
+          </p:cNvSpPr>
+          <p:nvPr>
+            <p:ph type="title"/>
+          </p:nvPr>
+        </p:nvSpPr>
+        <p:spPr/>
+        <p:txBody>
+          <a:bodyPr/>
+          <a:lstStyle/>
+          <a:p>
+            <a:r>
+              <a:rPr lang="en-US" dirty="0"/>
+              <a:t>House rules</a:t>
+            </a:r>
+          </a:p>
+        </p:txBody>
+      </p:sp>
+      <p:sp>
+        <p:nvSpPr>
+          <p:cNvPr id="3" name="Content Placeholder 2">
+            <a:extLst>
+              <a:ext uri="{FF2B5EF4-FFF2-40B4-BE49-F238E27FC236}">
+                <a16:creationId xmlns:a16="http://schemas.microsoft.com/office/drawing/2014/main" id="{95EED6EF-9D34-CF71-B273-946320AB8804}"/>
+              </a:ext>
+            </a:extLst>
+          </p:cNvPr>
+          <p:cNvSpPr>
+            <a:spLocks noGrp="1"/>
+          </p:cNvSpPr>
+          <p:nvPr>
+            <p:ph sz="half" idx="1"/>
+          </p:nvPr>
+        </p:nvSpPr>
+        <p:spPr/>
+        <p:txBody>
+          <a:bodyPr/>
+          <a:lstStyle/>
+          <a:p>
+            <a:r>
+              <a:rPr lang="en-US" dirty="0"/>
+              <a:t>Raw vs </a:t>
+            </a:r>
+            <a:r>
+              <a:rPr lang="en-US" dirty="0" err="1"/>
+              <a:t>QC’ed</a:t>
+            </a:r>
+            <a:r>
+              <a:rPr lang="en-US" dirty="0"/>
+              <a:t> data</a:t>
+            </a:r>
+          </a:p>
+        </p:txBody>
+      </p:sp>
+      <p:pic>
+        <p:nvPicPr>
+          <p:cNvPr id="6" name="Content Placeholder 5" descr="A picture containing text, queen, businesscard&#10;&#10;Description automatically generated">
+            <a:extLst>
+              <a:ext uri="{FF2B5EF4-FFF2-40B4-BE49-F238E27FC236}">
+                <a16:creationId xmlns:a16="http://schemas.microsoft.com/office/drawing/2014/main" id="{EFC46E83-BAF0-45E0-F1DF-2716BF80C6E3}"/>
+              </a:ext>
+            </a:extLst>
+          </p:cNvPr>
+          <p:cNvPicPr>
+            <a:picLocks noGrp="1" noChangeAspect="1"/>
+          </p:cNvPicPr>
+          <p:nvPr>
+            <p:ph sz="half" idx="2"/>
+          </p:nvPr>
+        </p:nvPicPr>
+        <p:blipFill>
+          <a:blip r:embed="rId3">
+            <a:extLst>
+              <a:ext uri="{28A0092B-C50C-407E-A947-70E740481C1C}">
+                <a14:useLocalDpi xmlns:a14="http://schemas.microsoft.com/office/drawing/2010/main" val="0"/>
+              </a:ext>
+            </a:extLst>
+          </a:blip>
+          <a:stretch>
+            <a:fillRect/>
+          </a:stretch>
+        </p:blipFill>
+        <p:spPr>
+          <a:xfrm>
+            <a:off x="7096125" y="2334419"/>
+            <a:ext cx="3333750" cy="3333750"/>
+          </a:xfrm>
+        </p:spPr>
+      </p:pic>
+    </p:spTree>
+    <p:extLst>
+      <p:ext uri="{BB962C8B-B14F-4D97-AF65-F5344CB8AC3E}">
+        <p14:creationId xmlns:p14="http://schemas.microsoft.com/office/powerpoint/2010/main" val="3439865241"/>
       </p:ext>
     </p:extLst>
   </p:cSld>
@@ -4878,26 +7275,176 @@
       </p:sp>
       <p:sp>
         <p:nvSpPr>
-          <p:cNvPr id="3" name="Content Placeholder 2">
-            <a:extLst>
-              <a:ext uri="{FF2B5EF4-FFF2-40B4-BE49-F238E27FC236}">
-                <a16:creationId xmlns:a16="http://schemas.microsoft.com/office/drawing/2014/main" id="{C8C1FF98-0115-DCA2-20D2-62B8F9AD3F46}"/>
-              </a:ext>
-            </a:extLst>
-          </p:cNvPr>
-          <p:cNvSpPr>
-            <a:spLocks noGrp="1"/>
-          </p:cNvSpPr>
-          <p:nvPr>
-            <p:ph idx="1"/>
-          </p:nvPr>
-        </p:nvSpPr>
-        <p:spPr/>
-        <p:txBody>
-          <a:bodyPr/>
-          <a:lstStyle/>
-          <a:p>
-            <a:endParaRPr lang="en-US"/>
+          <p:cNvPr id="4" name="Text Placeholder 3">
+            <a:extLst>
+              <a:ext uri="{FF2B5EF4-FFF2-40B4-BE49-F238E27FC236}">
+                <a16:creationId xmlns:a16="http://schemas.microsoft.com/office/drawing/2014/main" id="{483D2FFE-681B-309D-EE57-4A74304126E9}"/>
+              </a:ext>
+            </a:extLst>
+          </p:cNvPr>
+          <p:cNvSpPr>
+            <a:spLocks noGrp="1"/>
+          </p:cNvSpPr>
+          <p:nvPr>
+            <p:ph type="body" idx="1"/>
+          </p:nvPr>
+        </p:nvSpPr>
+        <p:spPr/>
+        <p:txBody>
+          <a:bodyPr/>
+          <a:lstStyle/>
+          <a:p>
+            <a:r>
+              <a:rPr lang="en-US" dirty="0"/>
+              <a:t>Good at</a:t>
+            </a:r>
+          </a:p>
+        </p:txBody>
+      </p:sp>
+      <p:sp>
+        <p:nvSpPr>
+          <p:cNvPr id="5" name="Content Placeholder 4">
+            <a:extLst>
+              <a:ext uri="{FF2B5EF4-FFF2-40B4-BE49-F238E27FC236}">
+                <a16:creationId xmlns:a16="http://schemas.microsoft.com/office/drawing/2014/main" id="{7068D66A-09D9-A025-0415-88C8CE789EC9}"/>
+              </a:ext>
+            </a:extLst>
+          </p:cNvPr>
+          <p:cNvSpPr>
+            <a:spLocks noGrp="1"/>
+          </p:cNvSpPr>
+          <p:nvPr>
+            <p:ph sz="half" idx="2"/>
+          </p:nvPr>
+        </p:nvSpPr>
+        <p:spPr/>
+        <p:txBody>
+          <a:bodyPr/>
+          <a:lstStyle/>
+          <a:p>
+            <a:r>
+              <a:rPr lang="en-US" dirty="0"/>
+              <a:t>General problem solving</a:t>
+            </a:r>
+          </a:p>
+          <a:p>
+            <a:r>
+              <a:rPr lang="en-US" dirty="0"/>
+              <a:t>SQL Server</a:t>
+            </a:r>
+          </a:p>
+          <a:p>
+            <a:r>
+              <a:rPr lang="en-US" dirty="0"/>
+              <a:t>SSIS</a:t>
+            </a:r>
+          </a:p>
+          <a:p>
+            <a:r>
+              <a:rPr lang="en-US" dirty="0"/>
+              <a:t>TSQL</a:t>
+            </a:r>
+          </a:p>
+          <a:p>
+            <a:r>
+              <a:rPr lang="en-US" dirty="0"/>
+              <a:t>C#</a:t>
+            </a:r>
+          </a:p>
+          <a:p>
+            <a:r>
+              <a:rPr lang="en-US" dirty="0"/>
+              <a:t>Python</a:t>
+            </a:r>
+          </a:p>
+        </p:txBody>
+      </p:sp>
+      <p:sp>
+        <p:nvSpPr>
+          <p:cNvPr id="6" name="Text Placeholder 5">
+            <a:extLst>
+              <a:ext uri="{FF2B5EF4-FFF2-40B4-BE49-F238E27FC236}">
+                <a16:creationId xmlns:a16="http://schemas.microsoft.com/office/drawing/2014/main" id="{83D21696-632C-1166-A8D9-BC8CC44A0BA4}"/>
+              </a:ext>
+            </a:extLst>
+          </p:cNvPr>
+          <p:cNvSpPr>
+            <a:spLocks noGrp="1"/>
+          </p:cNvSpPr>
+          <p:nvPr>
+            <p:ph type="body" sz="quarter" idx="3"/>
+          </p:nvPr>
+        </p:nvSpPr>
+        <p:spPr/>
+        <p:txBody>
+          <a:bodyPr/>
+          <a:lstStyle/>
+          <a:p>
+            <a:r>
+              <a:rPr lang="en-US" dirty="0"/>
+              <a:t>Not good at</a:t>
+            </a:r>
+          </a:p>
+        </p:txBody>
+      </p:sp>
+      <p:sp>
+        <p:nvSpPr>
+          <p:cNvPr id="7" name="Content Placeholder 6">
+            <a:extLst>
+              <a:ext uri="{FF2B5EF4-FFF2-40B4-BE49-F238E27FC236}">
+                <a16:creationId xmlns:a16="http://schemas.microsoft.com/office/drawing/2014/main" id="{BFDED9D9-199E-B389-EB07-1106DB25BF60}"/>
+              </a:ext>
+            </a:extLst>
+          </p:cNvPr>
+          <p:cNvSpPr>
+            <a:spLocks noGrp="1"/>
+          </p:cNvSpPr>
+          <p:nvPr>
+            <p:ph sz="quarter" idx="4"/>
+          </p:nvPr>
+        </p:nvSpPr>
+        <p:spPr/>
+        <p:txBody>
+          <a:bodyPr/>
+          <a:lstStyle/>
+          <a:p>
+            <a:r>
+              <a:rPr lang="en-US" dirty="0"/>
+              <a:t>Math</a:t>
+            </a:r>
+          </a:p>
+          <a:p>
+            <a:r>
+              <a:rPr lang="en-US" dirty="0"/>
+              <a:t>Geometry</a:t>
+            </a:r>
+          </a:p>
+          <a:p>
+            <a:r>
+              <a:rPr lang="en-US" dirty="0"/>
+              <a:t>Physics</a:t>
+            </a:r>
+          </a:p>
+          <a:p>
+            <a:r>
+              <a:rPr lang="en-US" dirty="0"/>
+              <a:t>Meteorology</a:t>
+            </a:r>
+          </a:p>
+          <a:p>
+            <a:r>
+              <a:rPr lang="en-US" dirty="0"/>
+              <a:t>Art</a:t>
+            </a:r>
+          </a:p>
+          <a:p>
+            <a:r>
+              <a:rPr lang="en-US" dirty="0"/>
+              <a:t>Gardening</a:t>
+            </a:r>
+          </a:p>
+          <a:p>
+            <a:endParaRPr lang="en-US" dirty="0"/>
           </a:p>
         </p:txBody>
       </p:sp>
@@ -4905,6 +7452,721 @@
     <p:extLst>
       <p:ext uri="{BB962C8B-B14F-4D97-AF65-F5344CB8AC3E}">
         <p14:creationId xmlns:p14="http://schemas.microsoft.com/office/powerpoint/2010/main" val="334614045"/>
+      </p:ext>
+    </p:extLst>
+  </p:cSld>
+  <p:clrMapOvr>
+    <a:masterClrMapping/>
+  </p:clrMapOvr>
+</p:sld>
+</file>
+
+<file path=ppt/slides/slide20.xml><?xml version="1.0" encoding="utf-8"?>
+<p:sld xmlns:a="http://schemas.openxmlformats.org/drawingml/2006/main" xmlns:r="http://schemas.openxmlformats.org/officeDocument/2006/relationships" xmlns:p="http://schemas.openxmlformats.org/presentationml/2006/main">
+  <p:cSld>
+    <p:spTree>
+      <p:nvGrpSpPr>
+        <p:cNvPr id="1" name=""/>
+        <p:cNvGrpSpPr/>
+        <p:nvPr/>
+      </p:nvGrpSpPr>
+      <p:grpSpPr>
+        <a:xfrm>
+          <a:off x="0" y="0"/>
+          <a:ext cx="0" cy="0"/>
+          <a:chOff x="0" y="0"/>
+          <a:chExt cx="0" cy="0"/>
+        </a:xfrm>
+      </p:grpSpPr>
+      <p:sp>
+        <p:nvSpPr>
+          <p:cNvPr id="2" name="Title 1">
+            <a:extLst>
+              <a:ext uri="{FF2B5EF4-FFF2-40B4-BE49-F238E27FC236}">
+                <a16:creationId xmlns:a16="http://schemas.microsoft.com/office/drawing/2014/main" id="{7A3AAB93-9192-2F9E-5A4E-97DFE9601B32}"/>
+              </a:ext>
+            </a:extLst>
+          </p:cNvPr>
+          <p:cNvSpPr>
+            <a:spLocks noGrp="1"/>
+          </p:cNvSpPr>
+          <p:nvPr>
+            <p:ph type="title"/>
+          </p:nvPr>
+        </p:nvSpPr>
+        <p:spPr/>
+        <p:txBody>
+          <a:bodyPr/>
+          <a:lstStyle/>
+          <a:p>
+            <a:r>
+              <a:rPr lang="en-US" dirty="0"/>
+              <a:t>Usage</a:t>
+            </a:r>
+          </a:p>
+        </p:txBody>
+      </p:sp>
+      <p:sp>
+        <p:nvSpPr>
+          <p:cNvPr id="3" name="Content Placeholder 2">
+            <a:extLst>
+              <a:ext uri="{FF2B5EF4-FFF2-40B4-BE49-F238E27FC236}">
+                <a16:creationId xmlns:a16="http://schemas.microsoft.com/office/drawing/2014/main" id="{95EED6EF-9D34-CF71-B273-946320AB8804}"/>
+              </a:ext>
+            </a:extLst>
+          </p:cNvPr>
+          <p:cNvSpPr>
+            <a:spLocks noGrp="1"/>
+          </p:cNvSpPr>
+          <p:nvPr>
+            <p:ph idx="1"/>
+          </p:nvPr>
+        </p:nvSpPr>
+        <p:spPr/>
+        <p:txBody>
+          <a:bodyPr/>
+          <a:lstStyle/>
+          <a:p>
+            <a:r>
+              <a:rPr lang="en-US" dirty="0"/>
+              <a:t>Level of granularity</a:t>
+            </a:r>
+          </a:p>
+        </p:txBody>
+      </p:sp>
+    </p:spTree>
+    <p:extLst>
+      <p:ext uri="{BB962C8B-B14F-4D97-AF65-F5344CB8AC3E}">
+        <p14:creationId xmlns:p14="http://schemas.microsoft.com/office/powerpoint/2010/main" val="509521758"/>
+      </p:ext>
+    </p:extLst>
+  </p:cSld>
+  <p:clrMapOvr>
+    <a:masterClrMapping/>
+  </p:clrMapOvr>
+</p:sld>
+</file>
+
+<file path=ppt/slides/slide21.xml><?xml version="1.0" encoding="utf-8"?>
+<p:sld xmlns:a="http://schemas.openxmlformats.org/drawingml/2006/main" xmlns:r="http://schemas.openxmlformats.org/officeDocument/2006/relationships" xmlns:p="http://schemas.openxmlformats.org/presentationml/2006/main">
+  <p:cSld>
+    <p:spTree>
+      <p:nvGrpSpPr>
+        <p:cNvPr id="1" name=""/>
+        <p:cNvGrpSpPr/>
+        <p:nvPr/>
+      </p:nvGrpSpPr>
+      <p:grpSpPr>
+        <a:xfrm>
+          <a:off x="0" y="0"/>
+          <a:ext cx="0" cy="0"/>
+          <a:chOff x="0" y="0"/>
+          <a:chExt cx="0" cy="0"/>
+        </a:xfrm>
+      </p:grpSpPr>
+      <p:sp>
+        <p:nvSpPr>
+          <p:cNvPr id="2" name="Title 1">
+            <a:extLst>
+              <a:ext uri="{FF2B5EF4-FFF2-40B4-BE49-F238E27FC236}">
+                <a16:creationId xmlns:a16="http://schemas.microsoft.com/office/drawing/2014/main" id="{7A3AAB93-9192-2F9E-5A4E-97DFE9601B32}"/>
+              </a:ext>
+            </a:extLst>
+          </p:cNvPr>
+          <p:cNvSpPr>
+            <a:spLocks noGrp="1"/>
+          </p:cNvSpPr>
+          <p:nvPr>
+            <p:ph type="title"/>
+          </p:nvPr>
+        </p:nvSpPr>
+        <p:spPr/>
+        <p:txBody>
+          <a:bodyPr/>
+          <a:lstStyle/>
+          <a:p>
+            <a:r>
+              <a:rPr lang="en-US" dirty="0"/>
+              <a:t>Storage</a:t>
+            </a:r>
+          </a:p>
+        </p:txBody>
+      </p:sp>
+      <p:sp>
+        <p:nvSpPr>
+          <p:cNvPr id="3" name="Content Placeholder 2">
+            <a:extLst>
+              <a:ext uri="{FF2B5EF4-FFF2-40B4-BE49-F238E27FC236}">
+                <a16:creationId xmlns:a16="http://schemas.microsoft.com/office/drawing/2014/main" id="{95EED6EF-9D34-CF71-B273-946320AB8804}"/>
+              </a:ext>
+            </a:extLst>
+          </p:cNvPr>
+          <p:cNvSpPr>
+            <a:spLocks noGrp="1"/>
+          </p:cNvSpPr>
+          <p:nvPr>
+            <p:ph idx="1"/>
+          </p:nvPr>
+        </p:nvSpPr>
+        <p:spPr/>
+        <p:txBody>
+          <a:bodyPr/>
+          <a:lstStyle/>
+          <a:p>
+            <a:r>
+              <a:rPr lang="en-US" dirty="0"/>
+              <a:t>1 day of rain 4.2 MB</a:t>
+            </a:r>
+          </a:p>
+          <a:p>
+            <a:r>
+              <a:rPr lang="en-US" dirty="0"/>
+              <a:t>1 year of rain 1.5 GB</a:t>
+            </a:r>
+          </a:p>
+          <a:p>
+            <a:r>
+              <a:rPr lang="en-US" dirty="0"/>
+              <a:t>20 years of rain data 30 GB</a:t>
+            </a:r>
+          </a:p>
+        </p:txBody>
+      </p:sp>
+    </p:spTree>
+    <p:extLst>
+      <p:ext uri="{BB962C8B-B14F-4D97-AF65-F5344CB8AC3E}">
+        <p14:creationId xmlns:p14="http://schemas.microsoft.com/office/powerpoint/2010/main" val="2007980364"/>
+      </p:ext>
+    </p:extLst>
+  </p:cSld>
+  <p:clrMapOvr>
+    <a:masterClrMapping/>
+  </p:clrMapOvr>
+</p:sld>
+</file>
+
+<file path=ppt/slides/slide22.xml><?xml version="1.0" encoding="utf-8"?>
+<p:sld xmlns:a="http://schemas.openxmlformats.org/drawingml/2006/main" xmlns:r="http://schemas.openxmlformats.org/officeDocument/2006/relationships" xmlns:p="http://schemas.openxmlformats.org/presentationml/2006/main">
+  <p:cSld>
+    <p:spTree>
+      <p:nvGrpSpPr>
+        <p:cNvPr id="1" name=""/>
+        <p:cNvGrpSpPr/>
+        <p:nvPr/>
+      </p:nvGrpSpPr>
+      <p:grpSpPr>
+        <a:xfrm>
+          <a:off x="0" y="0"/>
+          <a:ext cx="0" cy="0"/>
+          <a:chOff x="0" y="0"/>
+          <a:chExt cx="0" cy="0"/>
+        </a:xfrm>
+      </p:grpSpPr>
+      <p:sp>
+        <p:nvSpPr>
+          <p:cNvPr id="2" name="Title 1">
+            <a:extLst>
+              <a:ext uri="{FF2B5EF4-FFF2-40B4-BE49-F238E27FC236}">
+                <a16:creationId xmlns:a16="http://schemas.microsoft.com/office/drawing/2014/main" id="{7A3AAB93-9192-2F9E-5A4E-97DFE9601B32}"/>
+              </a:ext>
+            </a:extLst>
+          </p:cNvPr>
+          <p:cNvSpPr>
+            <a:spLocks noGrp="1"/>
+          </p:cNvSpPr>
+          <p:nvPr>
+            <p:ph type="title"/>
+          </p:nvPr>
+        </p:nvSpPr>
+        <p:spPr/>
+        <p:txBody>
+          <a:bodyPr/>
+          <a:lstStyle/>
+          <a:p>
+            <a:r>
+              <a:rPr lang="en-US" dirty="0"/>
+              <a:t>SQL Storage</a:t>
+            </a:r>
+          </a:p>
+        </p:txBody>
+      </p:sp>
+      <p:sp>
+        <p:nvSpPr>
+          <p:cNvPr id="3" name="Content Placeholder 2">
+            <a:extLst>
+              <a:ext uri="{FF2B5EF4-FFF2-40B4-BE49-F238E27FC236}">
+                <a16:creationId xmlns:a16="http://schemas.microsoft.com/office/drawing/2014/main" id="{95EED6EF-9D34-CF71-B273-946320AB8804}"/>
+              </a:ext>
+            </a:extLst>
+          </p:cNvPr>
+          <p:cNvSpPr>
+            <a:spLocks noGrp="1"/>
+          </p:cNvSpPr>
+          <p:nvPr>
+            <p:ph sz="half" idx="1"/>
+          </p:nvPr>
+        </p:nvSpPr>
+        <p:spPr/>
+        <p:txBody>
+          <a:bodyPr>
+            <a:normAutofit/>
+          </a:bodyPr>
+          <a:lstStyle/>
+          <a:p>
+            <a:pPr marL="0" indent="0">
+              <a:buNone/>
+            </a:pPr>
+            <a:r>
+              <a:rPr lang="en-US" dirty="0"/>
+              <a:t>CREATE TABLE </a:t>
+            </a:r>
+            <a:r>
+              <a:rPr lang="en-US" dirty="0" err="1"/>
+              <a:t>dbo.Rain</a:t>
+            </a:r>
+            <a:endParaRPr lang="en-US" dirty="0"/>
+          </a:p>
+          <a:p>
+            <a:pPr marL="0" indent="0">
+              <a:buNone/>
+            </a:pPr>
+            <a:r>
+              <a:rPr lang="en-US" dirty="0"/>
+              <a:t>(</a:t>
+            </a:r>
+          </a:p>
+          <a:p>
+            <a:pPr marL="0" indent="0">
+              <a:buNone/>
+            </a:pPr>
+            <a:r>
+              <a:rPr lang="en-US" dirty="0"/>
+              <a:t>    </a:t>
+            </a:r>
+            <a:r>
+              <a:rPr lang="en-US" dirty="0" err="1"/>
+              <a:t>X_idx</a:t>
+            </a:r>
+            <a:r>
+              <a:rPr lang="en-US" dirty="0"/>
+              <a:t> </a:t>
+            </a:r>
+            <a:r>
+              <a:rPr lang="en-US" dirty="0" err="1"/>
+              <a:t>tinyint</a:t>
+            </a:r>
+            <a:r>
+              <a:rPr lang="en-US" dirty="0"/>
+              <a:t> NOT NULL</a:t>
+            </a:r>
+          </a:p>
+          <a:p>
+            <a:pPr marL="0" indent="0">
+              <a:buNone/>
+            </a:pPr>
+            <a:r>
+              <a:rPr lang="en-US" dirty="0"/>
+              <a:t>,   </a:t>
+            </a:r>
+            <a:r>
+              <a:rPr lang="en-US" dirty="0" err="1"/>
+              <a:t>Y_idx</a:t>
+            </a:r>
+            <a:r>
+              <a:rPr lang="en-US" dirty="0"/>
+              <a:t> </a:t>
+            </a:r>
+            <a:r>
+              <a:rPr lang="en-US" dirty="0" err="1"/>
+              <a:t>tinyint</a:t>
+            </a:r>
+            <a:r>
+              <a:rPr lang="en-US" dirty="0"/>
+              <a:t> NOT NULL</a:t>
+            </a:r>
+          </a:p>
+          <a:p>
+            <a:pPr marL="0" indent="0">
+              <a:buNone/>
+            </a:pPr>
+            <a:r>
+              <a:rPr lang="en-US" dirty="0"/>
+              <a:t>,   </a:t>
+            </a:r>
+            <a:r>
+              <a:rPr lang="en-US" dirty="0" err="1"/>
+              <a:t>Rainfall_in</a:t>
+            </a:r>
+            <a:r>
+              <a:rPr lang="en-US" dirty="0"/>
+              <a:t> float(7)</a:t>
+            </a:r>
+          </a:p>
+          <a:p>
+            <a:pPr marL="0" indent="0">
+              <a:buNone/>
+            </a:pPr>
+            <a:r>
+              <a:rPr lang="en-US" dirty="0"/>
+              <a:t>,   </a:t>
+            </a:r>
+            <a:r>
+              <a:rPr lang="en-US" dirty="0" err="1"/>
+              <a:t>EventDate</a:t>
+            </a:r>
+            <a:r>
+              <a:rPr lang="en-US" dirty="0"/>
+              <a:t> date NOT NULL</a:t>
+            </a:r>
+          </a:p>
+          <a:p>
+            <a:pPr marL="0" indent="0">
+              <a:buNone/>
+            </a:pPr>
+            <a:r>
+              <a:rPr lang="en-US" dirty="0"/>
+              <a:t>);</a:t>
+            </a:r>
+          </a:p>
+        </p:txBody>
+      </p:sp>
+      <p:sp>
+        <p:nvSpPr>
+          <p:cNvPr id="7" name="Content Placeholder 6">
+            <a:extLst>
+              <a:ext uri="{FF2B5EF4-FFF2-40B4-BE49-F238E27FC236}">
+                <a16:creationId xmlns:a16="http://schemas.microsoft.com/office/drawing/2014/main" id="{19DBBC76-BA86-769D-F2B8-3741D9F68CE2}"/>
+              </a:ext>
+            </a:extLst>
+          </p:cNvPr>
+          <p:cNvSpPr>
+            <a:spLocks noGrp="1"/>
+          </p:cNvSpPr>
+          <p:nvPr>
+            <p:ph sz="half" idx="2"/>
+          </p:nvPr>
+        </p:nvSpPr>
+        <p:spPr/>
+        <p:txBody>
+          <a:bodyPr>
+            <a:normAutofit/>
+          </a:bodyPr>
+          <a:lstStyle/>
+          <a:p>
+            <a:r>
+              <a:rPr lang="en-US" dirty="0" err="1"/>
+              <a:t>smallint</a:t>
+            </a:r>
+            <a:r>
+              <a:rPr lang="en-US" dirty="0"/>
+              <a:t> 2 bytes</a:t>
+            </a:r>
+          </a:p>
+          <a:p>
+            <a:r>
+              <a:rPr lang="en-US" dirty="0"/>
+              <a:t>float(7) 4 bytes</a:t>
+            </a:r>
+          </a:p>
+          <a:p>
+            <a:r>
+              <a:rPr lang="en-US" dirty="0"/>
+              <a:t>date 4 bytes</a:t>
+            </a:r>
+          </a:p>
+          <a:p>
+            <a:endParaRPr lang="en-US" dirty="0"/>
+          </a:p>
+          <a:p>
+            <a:r>
+              <a:rPr lang="en-US" dirty="0"/>
+              <a:t>881 * 1121 points =&gt; 987,601 rows per day</a:t>
+            </a:r>
+          </a:p>
+          <a:p>
+            <a:r>
+              <a:rPr lang="en-US" dirty="0"/>
+              <a:t>360,474,365 rows per year</a:t>
+            </a:r>
+          </a:p>
+          <a:p>
+            <a:r>
+              <a:rPr lang="en-US" dirty="0"/>
+              <a:t>7.2 billion for 20 years</a:t>
+            </a:r>
+          </a:p>
+          <a:p>
+            <a:endParaRPr lang="en-US" dirty="0"/>
+          </a:p>
+        </p:txBody>
+      </p:sp>
+    </p:spTree>
+    <p:extLst>
+      <p:ext uri="{BB962C8B-B14F-4D97-AF65-F5344CB8AC3E}">
+        <p14:creationId xmlns:p14="http://schemas.microsoft.com/office/powerpoint/2010/main" val="815886189"/>
+      </p:ext>
+    </p:extLst>
+  </p:cSld>
+  <p:clrMapOvr>
+    <a:masterClrMapping/>
+  </p:clrMapOvr>
+</p:sld>
+</file>
+
+<file path=ppt/slides/slide23.xml><?xml version="1.0" encoding="utf-8"?>
+<p:sld xmlns:a="http://schemas.openxmlformats.org/drawingml/2006/main" xmlns:r="http://schemas.openxmlformats.org/officeDocument/2006/relationships" xmlns:p="http://schemas.openxmlformats.org/presentationml/2006/main">
+  <p:cSld>
+    <p:spTree>
+      <p:nvGrpSpPr>
+        <p:cNvPr id="1" name=""/>
+        <p:cNvGrpSpPr/>
+        <p:nvPr/>
+      </p:nvGrpSpPr>
+      <p:grpSpPr>
+        <a:xfrm>
+          <a:off x="0" y="0"/>
+          <a:ext cx="0" cy="0"/>
+          <a:chOff x="0" y="0"/>
+          <a:chExt cx="0" cy="0"/>
+        </a:xfrm>
+      </p:grpSpPr>
+      <p:sp>
+        <p:nvSpPr>
+          <p:cNvPr id="2" name="Title 1">
+            <a:extLst>
+              <a:ext uri="{FF2B5EF4-FFF2-40B4-BE49-F238E27FC236}">
+                <a16:creationId xmlns:a16="http://schemas.microsoft.com/office/drawing/2014/main" id="{7A3AAB93-9192-2F9E-5A4E-97DFE9601B32}"/>
+              </a:ext>
+            </a:extLst>
+          </p:cNvPr>
+          <p:cNvSpPr>
+            <a:spLocks noGrp="1"/>
+          </p:cNvSpPr>
+          <p:nvPr>
+            <p:ph type="title"/>
+          </p:nvPr>
+        </p:nvSpPr>
+        <p:spPr/>
+        <p:txBody>
+          <a:bodyPr/>
+          <a:lstStyle/>
+          <a:p>
+            <a:r>
+              <a:rPr lang="en-US" dirty="0"/>
+              <a:t>Design considerations</a:t>
+            </a:r>
+          </a:p>
+        </p:txBody>
+      </p:sp>
+      <p:sp>
+        <p:nvSpPr>
+          <p:cNvPr id="3" name="Content Placeholder 2">
+            <a:extLst>
+              <a:ext uri="{FF2B5EF4-FFF2-40B4-BE49-F238E27FC236}">
+                <a16:creationId xmlns:a16="http://schemas.microsoft.com/office/drawing/2014/main" id="{95EED6EF-9D34-CF71-B273-946320AB8804}"/>
+              </a:ext>
+            </a:extLst>
+          </p:cNvPr>
+          <p:cNvSpPr>
+            <a:spLocks noGrp="1"/>
+          </p:cNvSpPr>
+          <p:nvPr>
+            <p:ph idx="1"/>
+          </p:nvPr>
+        </p:nvSpPr>
+        <p:spPr/>
+        <p:txBody>
+          <a:bodyPr/>
+          <a:lstStyle/>
+          <a:p>
+            <a:r>
+              <a:rPr lang="en-US" dirty="0"/>
+              <a:t>Dates &amp; </a:t>
+            </a:r>
+            <a:r>
+              <a:rPr lang="en-US" dirty="0" err="1"/>
+              <a:t>Timezones</a:t>
+            </a:r>
+            <a:endParaRPr lang="en-US" dirty="0"/>
+          </a:p>
+        </p:txBody>
+      </p:sp>
+    </p:spTree>
+    <p:extLst>
+      <p:ext uri="{BB962C8B-B14F-4D97-AF65-F5344CB8AC3E}">
+        <p14:creationId xmlns:p14="http://schemas.microsoft.com/office/powerpoint/2010/main" val="2208663242"/>
+      </p:ext>
+    </p:extLst>
+  </p:cSld>
+  <p:clrMapOvr>
+    <a:masterClrMapping/>
+  </p:clrMapOvr>
+</p:sld>
+</file>
+
+<file path=ppt/slides/slide24.xml><?xml version="1.0" encoding="utf-8"?>
+<p:sld xmlns:a="http://schemas.openxmlformats.org/drawingml/2006/main" xmlns:r="http://schemas.openxmlformats.org/officeDocument/2006/relationships" xmlns:p="http://schemas.openxmlformats.org/presentationml/2006/main">
+  <p:cSld>
+    <p:spTree>
+      <p:nvGrpSpPr>
+        <p:cNvPr id="1" name=""/>
+        <p:cNvGrpSpPr/>
+        <p:nvPr/>
+      </p:nvGrpSpPr>
+      <p:grpSpPr>
+        <a:xfrm>
+          <a:off x="0" y="0"/>
+          <a:ext cx="0" cy="0"/>
+          <a:chOff x="0" y="0"/>
+          <a:chExt cx="0" cy="0"/>
+        </a:xfrm>
+      </p:grpSpPr>
+      <p:sp>
+        <p:nvSpPr>
+          <p:cNvPr id="2" name="Title 1">
+            <a:extLst>
+              <a:ext uri="{FF2B5EF4-FFF2-40B4-BE49-F238E27FC236}">
+                <a16:creationId xmlns:a16="http://schemas.microsoft.com/office/drawing/2014/main" id="{CA2A417B-87EF-9C97-9363-85EE7F428B77}"/>
+              </a:ext>
+            </a:extLst>
+          </p:cNvPr>
+          <p:cNvSpPr>
+            <a:spLocks noGrp="1"/>
+          </p:cNvSpPr>
+          <p:nvPr>
+            <p:ph type="title"/>
+          </p:nvPr>
+        </p:nvSpPr>
+        <p:spPr/>
+        <p:txBody>
+          <a:bodyPr/>
+          <a:lstStyle/>
+          <a:p>
+            <a:r>
+              <a:rPr lang="en-US" dirty="0"/>
+              <a:t>Storage</a:t>
+            </a:r>
+          </a:p>
+        </p:txBody>
+      </p:sp>
+      <p:sp>
+        <p:nvSpPr>
+          <p:cNvPr id="3" name="Content Placeholder 2">
+            <a:extLst>
+              <a:ext uri="{FF2B5EF4-FFF2-40B4-BE49-F238E27FC236}">
+                <a16:creationId xmlns:a16="http://schemas.microsoft.com/office/drawing/2014/main" id="{9044AAC7-465A-1F6D-7F9D-91F52A1FD7BD}"/>
+              </a:ext>
+            </a:extLst>
+          </p:cNvPr>
+          <p:cNvSpPr>
+            <a:spLocks noGrp="1"/>
+          </p:cNvSpPr>
+          <p:nvPr>
+            <p:ph idx="1"/>
+          </p:nvPr>
+        </p:nvSpPr>
+        <p:spPr/>
+        <p:txBody>
+          <a:bodyPr/>
+          <a:lstStyle/>
+          <a:p>
+            <a:r>
+              <a:rPr lang="en-US" dirty="0"/>
+              <a:t>nws_precip_1day_20220811_conus.nc   4189 KB</a:t>
+            </a:r>
+          </a:p>
+        </p:txBody>
+      </p:sp>
+    </p:spTree>
+    <p:extLst>
+      <p:ext uri="{BB962C8B-B14F-4D97-AF65-F5344CB8AC3E}">
+        <p14:creationId xmlns:p14="http://schemas.microsoft.com/office/powerpoint/2010/main" val="2871142000"/>
+      </p:ext>
+    </p:extLst>
+  </p:cSld>
+  <p:clrMapOvr>
+    <a:masterClrMapping/>
+  </p:clrMapOvr>
+</p:sld>
+</file>
+
+<file path=ppt/slides/slide25.xml><?xml version="1.0" encoding="utf-8"?>
+<p:sld xmlns:a="http://schemas.openxmlformats.org/drawingml/2006/main" xmlns:r="http://schemas.openxmlformats.org/officeDocument/2006/relationships" xmlns:p="http://schemas.openxmlformats.org/presentationml/2006/main">
+  <p:cSld>
+    <p:spTree>
+      <p:nvGrpSpPr>
+        <p:cNvPr id="1" name=""/>
+        <p:cNvGrpSpPr/>
+        <p:nvPr/>
+      </p:nvGrpSpPr>
+      <p:grpSpPr>
+        <a:xfrm>
+          <a:off x="0" y="0"/>
+          <a:ext cx="0" cy="0"/>
+          <a:chOff x="0" y="0"/>
+          <a:chExt cx="0" cy="0"/>
+        </a:xfrm>
+      </p:grpSpPr>
+      <p:sp>
+        <p:nvSpPr>
+          <p:cNvPr id="2" name="Title 1">
+            <a:extLst>
+              <a:ext uri="{FF2B5EF4-FFF2-40B4-BE49-F238E27FC236}">
+                <a16:creationId xmlns:a16="http://schemas.microsoft.com/office/drawing/2014/main" id="{71CAC6C5-C8DC-60BB-38F4-AD5B57B66D2F}"/>
+              </a:ext>
+            </a:extLst>
+          </p:cNvPr>
+          <p:cNvSpPr>
+            <a:spLocks noGrp="1"/>
+          </p:cNvSpPr>
+          <p:nvPr>
+            <p:ph type="title"/>
+          </p:nvPr>
+        </p:nvSpPr>
+        <p:spPr/>
+        <p:txBody>
+          <a:bodyPr/>
+          <a:lstStyle/>
+          <a:p>
+            <a:r>
+              <a:rPr lang="en-US" dirty="0"/>
+              <a:t>Work the problem</a:t>
+            </a:r>
+          </a:p>
+        </p:txBody>
+      </p:sp>
+      <p:sp>
+        <p:nvSpPr>
+          <p:cNvPr id="3" name="Content Placeholder 2">
+            <a:extLst>
+              <a:ext uri="{FF2B5EF4-FFF2-40B4-BE49-F238E27FC236}">
+                <a16:creationId xmlns:a16="http://schemas.microsoft.com/office/drawing/2014/main" id="{7FA08BFE-D0A8-6E8E-7C6F-A34A3036A24C}"/>
+              </a:ext>
+            </a:extLst>
+          </p:cNvPr>
+          <p:cNvSpPr>
+            <a:spLocks noGrp="1"/>
+          </p:cNvSpPr>
+          <p:nvPr>
+            <p:ph idx="1"/>
+          </p:nvPr>
+        </p:nvSpPr>
+        <p:spPr/>
+        <p:txBody>
+          <a:bodyPr/>
+          <a:lstStyle/>
+          <a:p>
+            <a:r>
+              <a:rPr lang="en-US" dirty="0"/>
+              <a:t>Daily/hourly rainfall for Hampton Roads, VA</a:t>
+            </a:r>
+          </a:p>
+        </p:txBody>
+      </p:sp>
+    </p:spTree>
+    <p:extLst>
+      <p:ext uri="{BB962C8B-B14F-4D97-AF65-F5344CB8AC3E}">
+        <p14:creationId xmlns:p14="http://schemas.microsoft.com/office/powerpoint/2010/main" val="3641573987"/>
       </p:ext>
     </p:extLst>
   </p:cSld>

--- a/IntegratingWeatherData/IntegratingWeatherData.pptx
+++ b/IntegratingWeatherData/IntegratingWeatherData.pptx
@@ -31,8 +31,8 @@
     <p:sldId id="283" r:id="rId22"/>
     <p:sldId id="286" r:id="rId23"/>
     <p:sldId id="284" r:id="rId24"/>
-    <p:sldId id="278" r:id="rId25"/>
-    <p:sldId id="277" r:id="rId26"/>
+    <p:sldId id="277" r:id="rId25"/>
+    <p:sldId id="287" r:id="rId26"/>
   </p:sldIdLst>
   <p:sldSz cx="12192000" cy="6858000"/>
   <p:notesSz cx="6858000" cy="9144000"/>
@@ -533,78 +533,8 @@
           <a:lstStyle/>
           <a:p>
             <a:r>
-              <a:rPr lang="en-US" dirty="0"/>
-              <a:t>Please don’t ask me to spell Bureau or Meteorology without spellcheck</a:t>
-            </a:r>
-          </a:p>
-          <a:p>
-            <a:endParaRPr lang="en-US" dirty="0"/>
-          </a:p>
-          <a:p>
-            <a:r>
-              <a:rPr lang="en-US" dirty="0"/>
-              <a:t>e.g. https://psl.noaa.gov/data/gridded/</a:t>
-            </a:r>
-          </a:p>
-          <a:p>
-            <a:endParaRPr lang="en-US" dirty="0"/>
-          </a:p>
-          <a:p>
-            <a:r>
-              <a:rPr lang="en-US" dirty="0"/>
-              <a:t>https://water.weather.gov/precip/downloads/</a:t>
-            </a:r>
-          </a:p>
-          <a:p>
-            <a:endParaRPr lang="en-US" dirty="0"/>
-          </a:p>
-          <a:p>
-            <a:r>
-              <a:rPr lang="en-US" dirty="0"/>
-              <a:t>Demo: </a:t>
-            </a:r>
-          </a:p>
-          <a:p>
-            <a:r>
-              <a:rPr lang="en-US" dirty="0"/>
-              <a:t>Scenario: It rained “here” on the 11</a:t>
-            </a:r>
-            <a:r>
-              <a:rPr lang="en-US" baseline="30000" dirty="0"/>
-              <a:t>th</a:t>
-            </a:r>
-            <a:r>
-              <a:rPr lang="en-US" dirty="0"/>
-              <a:t> (Thursday) Let’s download the daily precipitation file and see what happened.</a:t>
-            </a:r>
-          </a:p>
-          <a:p>
-            <a:endParaRPr lang="en-US" dirty="0"/>
-          </a:p>
-          <a:p>
-            <a:r>
-              <a:rPr lang="en-US" dirty="0"/>
-              <a:t>Visit https://water.weather.gov/precip/download.php</a:t>
-            </a:r>
-          </a:p>
-          <a:p>
-            <a:r>
-              <a:rPr lang="en-US" dirty="0"/>
-              <a:t>Daily/</a:t>
-            </a:r>
-            <a:r>
-              <a:rPr lang="en-US" dirty="0" err="1"/>
-              <a:t>NetCDF</a:t>
-            </a:r>
-            <a:r>
-              <a:rPr lang="en-US" dirty="0"/>
-              <a:t>/Day/2022-August-11</a:t>
-            </a:r>
-          </a:p>
-          <a:p>
-            <a:r>
-              <a:rPr lang="en-US" dirty="0"/>
-              <a:t>1 Day</a:t>
+              <a:rPr lang="en-US"/>
+              <a:t>https://github.com/billinkc/presentations/tree/master/IntegratingWeatherData</a:t>
             </a:r>
           </a:p>
         </p:txBody>
@@ -626,7 +556,7 @@
           <a:p>
             <a:fld id="{E5935EFC-FB85-46C2-B66D-1D634388063F}" type="slidenum">
               <a:rPr lang="en-US" smtClean="0"/>
-              <a:t>5</a:t>
+              <a:t>1</a:t>
             </a:fld>
             <a:endParaRPr lang="en-US"/>
           </a:p>
@@ -635,7 +565,7 @@
     </p:spTree>
     <p:extLst>
       <p:ext uri="{BB962C8B-B14F-4D97-AF65-F5344CB8AC3E}">
-        <p14:creationId xmlns:p14="http://schemas.microsoft.com/office/powerpoint/2010/main" val="2030679848"/>
+        <p14:creationId xmlns:p14="http://schemas.microsoft.com/office/powerpoint/2010/main" val="1313012843"/>
       </p:ext>
     </p:extLst>
   </p:cSld>
@@ -689,22 +619,6 @@
           <a:bodyPr/>
           <a:lstStyle/>
           <a:p>
-            <a:r>
-              <a:rPr lang="en-US" dirty="0"/>
-              <a:t>What date format do you get to deal with? Bonus points for Gregorian dates</a:t>
-            </a:r>
-          </a:p>
-          <a:p>
-            <a:r>
-              <a:rPr lang="en-US" dirty="0" err="1"/>
-              <a:t>Timezones</a:t>
-            </a:r>
-            <a:r>
-              <a:rPr lang="en-US" dirty="0"/>
-              <a:t>!</a:t>
-            </a:r>
-          </a:p>
-          <a:p>
             <a:endParaRPr lang="en-US" dirty="0"/>
           </a:p>
         </p:txBody>
@@ -726,7 +640,7 @@
           <a:p>
             <a:fld id="{E5935EFC-FB85-46C2-B66D-1D634388063F}" type="slidenum">
               <a:rPr lang="en-US" smtClean="0"/>
-              <a:t>15</a:t>
+              <a:t>14</a:t>
             </a:fld>
             <a:endParaRPr lang="en-US"/>
           </a:p>
@@ -735,7 +649,7 @@
     </p:spTree>
     <p:extLst>
       <p:ext uri="{BB962C8B-B14F-4D97-AF65-F5344CB8AC3E}">
-        <p14:creationId xmlns:p14="http://schemas.microsoft.com/office/powerpoint/2010/main" val="167641411"/>
+        <p14:creationId xmlns:p14="http://schemas.microsoft.com/office/powerpoint/2010/main" val="1205840412"/>
       </p:ext>
     </p:extLst>
   </p:cSld>
@@ -791,14 +705,21 @@
           <a:p>
             <a:r>
               <a:rPr lang="en-US" dirty="0"/>
-              <a:t>How is the missing data identified? A literal not-a-number or do they use a sentinel value?</a:t>
-            </a:r>
-          </a:p>
-          <a:p>
-            <a:r>
-              <a:rPr lang="en-US" dirty="0"/>
-              <a:t>What business rules need to apply? Historical prediction, we threw out the entire set</a:t>
-            </a:r>
+              <a:t>What date format do you get to deal with? Bonus points for Gregorian dates</a:t>
+            </a:r>
+          </a:p>
+          <a:p>
+            <a:r>
+              <a:rPr lang="en-US" dirty="0" err="1"/>
+              <a:t>Timezones</a:t>
+            </a:r>
+            <a:r>
+              <a:rPr lang="en-US" dirty="0"/>
+              <a:t>!</a:t>
+            </a:r>
+          </a:p>
+          <a:p>
+            <a:endParaRPr lang="en-US" dirty="0"/>
           </a:p>
         </p:txBody>
       </p:sp>
@@ -819,7 +740,7 @@
           <a:p>
             <a:fld id="{E5935EFC-FB85-46C2-B66D-1D634388063F}" type="slidenum">
               <a:rPr lang="en-US" smtClean="0"/>
-              <a:t>16</a:t>
+              <a:t>15</a:t>
             </a:fld>
             <a:endParaRPr lang="en-US"/>
           </a:p>
@@ -828,7 +749,7 @@
     </p:spTree>
     <p:extLst>
       <p:ext uri="{BB962C8B-B14F-4D97-AF65-F5344CB8AC3E}">
-        <p14:creationId xmlns:p14="http://schemas.microsoft.com/office/powerpoint/2010/main" val="1653535611"/>
+        <p14:creationId xmlns:p14="http://schemas.microsoft.com/office/powerpoint/2010/main" val="167641411"/>
       </p:ext>
     </p:extLst>
   </p:cSld>
@@ -912,7 +833,7 @@
           <a:p>
             <a:fld id="{E5935EFC-FB85-46C2-B66D-1D634388063F}" type="slidenum">
               <a:rPr lang="en-US" smtClean="0"/>
-              <a:t>17</a:t>
+              <a:t>16</a:t>
             </a:fld>
             <a:endParaRPr lang="en-US"/>
           </a:p>
@@ -921,7 +842,7 @@
     </p:spTree>
     <p:extLst>
       <p:ext uri="{BB962C8B-B14F-4D97-AF65-F5344CB8AC3E}">
-        <p14:creationId xmlns:p14="http://schemas.microsoft.com/office/powerpoint/2010/main" val="2375256773"/>
+        <p14:creationId xmlns:p14="http://schemas.microsoft.com/office/powerpoint/2010/main" val="1653535611"/>
       </p:ext>
     </p:extLst>
   </p:cSld>
@@ -977,28 +898,13 @@
           <a:p>
             <a:r>
               <a:rPr lang="en-US" dirty="0"/>
-              <a:t>In-situ on site collector/recorder of information</a:t>
-            </a:r>
-          </a:p>
-          <a:p>
-            <a:r>
-              <a:rPr lang="en-US" dirty="0"/>
-              <a:t>Remote instruments </a:t>
-            </a:r>
-          </a:p>
-          <a:p>
-            <a:r>
-              <a:rPr lang="en-US" dirty="0"/>
-              <a:t>Why does this matter? Localization/Averages</a:t>
-            </a:r>
-          </a:p>
-          <a:p>
-            <a:endParaRPr lang="en-US" dirty="0"/>
-          </a:p>
-          <a:p>
-            <a:r>
-              <a:rPr lang="en-US" dirty="0"/>
-              <a:t>This is probably beyond what I can talk about so drop this slide</a:t>
+              <a:t>How is the missing data identified? A literal not-a-number or do they use a sentinel value?</a:t>
+            </a:r>
+          </a:p>
+          <a:p>
+            <a:r>
+              <a:rPr lang="en-US" dirty="0"/>
+              <a:t>What business rules need to apply? Historical prediction, we threw out the entire set</a:t>
             </a:r>
           </a:p>
         </p:txBody>
@@ -1020,7 +926,7 @@
           <a:p>
             <a:fld id="{E5935EFC-FB85-46C2-B66D-1D634388063F}" type="slidenum">
               <a:rPr lang="en-US" smtClean="0"/>
-              <a:t>18</a:t>
+              <a:t>17</a:t>
             </a:fld>
             <a:endParaRPr lang="en-US"/>
           </a:p>
@@ -1029,7 +935,7 @@
     </p:spTree>
     <p:extLst>
       <p:ext uri="{BB962C8B-B14F-4D97-AF65-F5344CB8AC3E}">
-        <p14:creationId xmlns:p14="http://schemas.microsoft.com/office/powerpoint/2010/main" val="2244058847"/>
+        <p14:creationId xmlns:p14="http://schemas.microsoft.com/office/powerpoint/2010/main" val="2375256773"/>
       </p:ext>
     </p:extLst>
   </p:cSld>
@@ -1085,13 +991,19 @@
           <a:p>
             <a:r>
               <a:rPr lang="en-US" dirty="0"/>
-              <a:t>Raw sensor data might be misleading</a:t>
-            </a:r>
-          </a:p>
-          <a:p>
-            <a:r>
-              <a:rPr lang="en-US" dirty="0"/>
-              <a:t>Situations where a radar interpreted data was “cold” Local meteorologists would “know” that and adjust but if you are not in the tribe, you won’t know to do the same</a:t>
+              <a:t>In-situ on site collector/recorder of information</a:t>
+            </a:r>
+          </a:p>
+          <a:p>
+            <a:r>
+              <a:rPr lang="en-US" dirty="0"/>
+              <a:t>Remote instruments </a:t>
+            </a:r>
+          </a:p>
+          <a:p>
+            <a:r>
+              <a:rPr lang="en-US" dirty="0"/>
+              <a:t>Why does this matter? Localization/Averages</a:t>
             </a:r>
           </a:p>
           <a:p>
@@ -1100,7 +1012,7 @@
           <a:p>
             <a:r>
               <a:rPr lang="en-US" dirty="0"/>
-              <a:t>Some data files publish asap but can be restated up to a month later</a:t>
+              <a:t>This is probably beyond what I can talk about so drop this slide</a:t>
             </a:r>
           </a:p>
         </p:txBody>
@@ -1122,7 +1034,7 @@
           <a:p>
             <a:fld id="{E5935EFC-FB85-46C2-B66D-1D634388063F}" type="slidenum">
               <a:rPr lang="en-US" smtClean="0"/>
-              <a:t>19</a:t>
+              <a:t>18</a:t>
             </a:fld>
             <a:endParaRPr lang="en-US"/>
           </a:p>
@@ -1131,7 +1043,7 @@
     </p:spTree>
     <p:extLst>
       <p:ext uri="{BB962C8B-B14F-4D97-AF65-F5344CB8AC3E}">
-        <p14:creationId xmlns:p14="http://schemas.microsoft.com/office/powerpoint/2010/main" val="2162564805"/>
+        <p14:creationId xmlns:p14="http://schemas.microsoft.com/office/powerpoint/2010/main" val="2244058847"/>
       </p:ext>
     </p:extLst>
   </p:cSld>
@@ -1187,7 +1099,22 @@
           <a:p>
             <a:r>
               <a:rPr lang="en-US" dirty="0"/>
-              <a:t>What do you need to do with the data? </a:t>
+              <a:t>Raw sensor data might be misleading</a:t>
+            </a:r>
+          </a:p>
+          <a:p>
+            <a:r>
+              <a:rPr lang="en-US" dirty="0"/>
+              <a:t>Situations where a radar interpreted data was “cold” Local meteorologists would “know” that and adjust but if you are not in the tribe, you won’t know to do the same</a:t>
+            </a:r>
+          </a:p>
+          <a:p>
+            <a:endParaRPr lang="en-US" dirty="0"/>
+          </a:p>
+          <a:p>
+            <a:r>
+              <a:rPr lang="en-US" dirty="0"/>
+              <a:t>Some data files publish asap but can be restated up to a month later</a:t>
             </a:r>
           </a:p>
         </p:txBody>
@@ -1209,7 +1136,7 @@
           <a:p>
             <a:fld id="{E5935EFC-FB85-46C2-B66D-1D634388063F}" type="slidenum">
               <a:rPr lang="en-US" smtClean="0"/>
-              <a:t>20</a:t>
+              <a:t>19</a:t>
             </a:fld>
             <a:endParaRPr lang="en-US"/>
           </a:p>
@@ -1218,7 +1145,7 @@
     </p:spTree>
     <p:extLst>
       <p:ext uri="{BB962C8B-B14F-4D97-AF65-F5344CB8AC3E}">
-        <p14:creationId xmlns:p14="http://schemas.microsoft.com/office/powerpoint/2010/main" val="2137574610"/>
+        <p14:creationId xmlns:p14="http://schemas.microsoft.com/office/powerpoint/2010/main" val="2162564805"/>
       </p:ext>
     </p:extLst>
   </p:cSld>
@@ -1274,82 +1201,8 @@
           <a:p>
             <a:r>
               <a:rPr lang="en-US" dirty="0"/>
-              <a:t>You do not have enough storage</a:t>
-            </a:r>
-          </a:p>
-          <a:p>
-            <a:endParaRPr lang="en-US" dirty="0"/>
-          </a:p>
-          <a:p>
-            <a:r>
-              <a:rPr lang="en-US" dirty="0"/>
-              <a:t>Storage drives access patterns or access patterns drive storage</a:t>
-            </a:r>
-          </a:p>
-          <a:p>
-            <a:endParaRPr lang="en-US" dirty="0"/>
-          </a:p>
-          <a:p>
-            <a:r>
-              <a:rPr lang="en-US" dirty="0"/>
-              <a:t>1 day </a:t>
-            </a:r>
-            <a:r>
-              <a:rPr lang="en-US" dirty="0" err="1"/>
-              <a:t>netcdf</a:t>
-            </a:r>
-            <a:r>
-              <a:rPr lang="en-US" dirty="0"/>
-              <a:t> for rainfall is 4.2 MB</a:t>
-            </a:r>
-          </a:p>
-          <a:p>
-            <a:r>
-              <a:rPr lang="en-US" dirty="0"/>
-              <a:t>365 days * 20 years =&gt;  4.2 * 365 * 20 = 30,660 MB or ~30GB</a:t>
-            </a:r>
-          </a:p>
-          <a:p>
-            <a:endParaRPr lang="en-US" dirty="0"/>
-          </a:p>
-          <a:p>
-            <a:r>
-              <a:rPr lang="en-US" dirty="0"/>
-              <a:t>Likely time-based hierarchy or location-based hierarchy</a:t>
-            </a:r>
-          </a:p>
-          <a:p>
-            <a:endParaRPr lang="en-US" dirty="0"/>
-          </a:p>
-          <a:p>
-            <a:r>
-              <a:rPr lang="en-US" dirty="0"/>
-              <a:t>Time-based hierarchy – What happened on July 31, 2022 in Hampton Roads, VA?</a:t>
-            </a:r>
-          </a:p>
-          <a:p>
-            <a:r>
-              <a:rPr lang="en-US" dirty="0"/>
-              <a:t>	One file read activity can support multiple locations</a:t>
-            </a:r>
-          </a:p>
-          <a:p>
-            <a:endParaRPr lang="en-US" dirty="0"/>
-          </a:p>
-          <a:p>
-            <a:r>
-              <a:rPr lang="en-US" dirty="0"/>
-              <a:t>Location-based hierarchy – What happened in Hampton Roads, VA on July 31, 2022</a:t>
-            </a:r>
-          </a:p>
-          <a:p>
-            <a:r>
-              <a:rPr lang="en-US" dirty="0"/>
-              <a:t>	One file read activity can support multiple dates</a:t>
-            </a:r>
-          </a:p>
-          <a:p>
-            <a:endParaRPr lang="en-US" dirty="0"/>
+              <a:t>What do you need to do with the data? </a:t>
+            </a:r>
           </a:p>
         </p:txBody>
       </p:sp>
@@ -1370,7 +1223,7 @@
           <a:p>
             <a:fld id="{E5935EFC-FB85-46C2-B66D-1D634388063F}" type="slidenum">
               <a:rPr lang="en-US" smtClean="0"/>
-              <a:t>21</a:t>
+              <a:t>20</a:t>
             </a:fld>
             <a:endParaRPr lang="en-US"/>
           </a:p>
@@ -1379,7 +1232,7 @@
     </p:spTree>
     <p:extLst>
       <p:ext uri="{BB962C8B-B14F-4D97-AF65-F5344CB8AC3E}">
-        <p14:creationId xmlns:p14="http://schemas.microsoft.com/office/powerpoint/2010/main" val="1698570624"/>
+        <p14:creationId xmlns:p14="http://schemas.microsoft.com/office/powerpoint/2010/main" val="2137574610"/>
       </p:ext>
     </p:extLst>
   </p:cSld>
@@ -1453,13 +1306,21 @@
           <a:p>
             <a:r>
               <a:rPr lang="en-US" dirty="0"/>
-              <a:t>7.2b * 12 bytes = 86 billion bytes or ~ 86GB</a:t>
-            </a:r>
-          </a:p>
-          <a:p>
-            <a:r>
-              <a:rPr lang="en-US" dirty="0"/>
-              <a:t>3x what file on disk costs – but no indexing so add more</a:t>
+              <a:t>1 day </a:t>
+            </a:r>
+            <a:r>
+              <a:rPr lang="en-US" dirty="0" err="1"/>
+              <a:t>netcdf</a:t>
+            </a:r>
+            <a:r>
+              <a:rPr lang="en-US" dirty="0"/>
+              <a:t> for rainfall is 4.2 MB</a:t>
+            </a:r>
+          </a:p>
+          <a:p>
+            <a:r>
+              <a:rPr lang="en-US" dirty="0"/>
+              <a:t>365 days * 20 years =&gt;  4.2 * 365 * 20 = 30,660 MB or ~30GB</a:t>
             </a:r>
           </a:p>
           <a:p>
@@ -1468,16 +1329,41 @@
           <a:p>
             <a:r>
               <a:rPr lang="en-US" dirty="0"/>
-              <a:t>Compression (page) can help, </a:t>
-            </a:r>
-            <a:r>
-              <a:rPr lang="en-US" dirty="0" err="1"/>
-              <a:t>columnstore</a:t>
-            </a:r>
-            <a:r>
-              <a:rPr lang="en-US" dirty="0"/>
-              <a:t> more so</a:t>
-            </a:r>
+              <a:t>Likely time-based hierarchy or location-based hierarchy</a:t>
+            </a:r>
+          </a:p>
+          <a:p>
+            <a:endParaRPr lang="en-US" dirty="0"/>
+          </a:p>
+          <a:p>
+            <a:r>
+              <a:rPr lang="en-US" dirty="0"/>
+              <a:t>Time-based hierarchy – What happened on July 31, 2022 in Hampton Roads, VA?</a:t>
+            </a:r>
+          </a:p>
+          <a:p>
+            <a:r>
+              <a:rPr lang="en-US" dirty="0"/>
+              <a:t>	One file read activity can support multiple locations</a:t>
+            </a:r>
+          </a:p>
+          <a:p>
+            <a:endParaRPr lang="en-US" dirty="0"/>
+          </a:p>
+          <a:p>
+            <a:r>
+              <a:rPr lang="en-US" dirty="0"/>
+              <a:t>Location-based hierarchy – What happened in Hampton Roads, VA on July 31, 2022</a:t>
+            </a:r>
+          </a:p>
+          <a:p>
+            <a:r>
+              <a:rPr lang="en-US" dirty="0"/>
+              <a:t>	One file read activity can support multiple dates</a:t>
+            </a:r>
+          </a:p>
+          <a:p>
+            <a:endParaRPr lang="en-US" dirty="0"/>
           </a:p>
         </p:txBody>
       </p:sp>
@@ -1498,7 +1384,7 @@
           <a:p>
             <a:fld id="{E5935EFC-FB85-46C2-B66D-1D634388063F}" type="slidenum">
               <a:rPr lang="en-US" smtClean="0"/>
-              <a:t>22</a:t>
+              <a:t>21</a:t>
             </a:fld>
             <a:endParaRPr lang="en-US"/>
           </a:p>
@@ -1507,7 +1393,7 @@
     </p:spTree>
     <p:extLst>
       <p:ext uri="{BB962C8B-B14F-4D97-AF65-F5344CB8AC3E}">
-        <p14:creationId xmlns:p14="http://schemas.microsoft.com/office/powerpoint/2010/main" val="1395729089"/>
+        <p14:creationId xmlns:p14="http://schemas.microsoft.com/office/powerpoint/2010/main" val="1698570624"/>
       </p:ext>
     </p:extLst>
   </p:cSld>
@@ -1563,40 +1449,49 @@
           <a:p>
             <a:r>
               <a:rPr lang="en-US" dirty="0"/>
-              <a:t>What date format do you get to deal with? Bonus points for Gregorian dates</a:t>
-            </a:r>
-          </a:p>
-          <a:p>
-            <a:r>
-              <a:rPr lang="en-US" dirty="0"/>
-              <a:t>What </a:t>
+              <a:t>You do not have enough storage</a:t>
+            </a:r>
+          </a:p>
+          <a:p>
+            <a:endParaRPr lang="en-US" dirty="0"/>
+          </a:p>
+          <a:p>
+            <a:r>
+              <a:rPr lang="en-US" dirty="0"/>
+              <a:t>Storage drives access patterns or access patterns drive storage</a:t>
+            </a:r>
+          </a:p>
+          <a:p>
+            <a:endParaRPr lang="en-US" dirty="0"/>
+          </a:p>
+          <a:p>
+            <a:r>
+              <a:rPr lang="en-US" dirty="0"/>
+              <a:t>7.2b * 12 bytes = 86 billion bytes or ~ 86GB</a:t>
+            </a:r>
+          </a:p>
+          <a:p>
+            <a:r>
+              <a:rPr lang="en-US" dirty="0"/>
+              <a:t>3x what file on disk costs – but no indexing so add more</a:t>
+            </a:r>
+          </a:p>
+          <a:p>
+            <a:endParaRPr lang="en-US" dirty="0"/>
+          </a:p>
+          <a:p>
+            <a:r>
+              <a:rPr lang="en-US" dirty="0"/>
+              <a:t>Compression (page) can help, </a:t>
             </a:r>
             <a:r>
               <a:rPr lang="en-US" dirty="0" err="1"/>
-              <a:t>Timezones</a:t>
-            </a:r>
-            <a:r>
-              <a:rPr lang="en-US" dirty="0"/>
-              <a:t> is the data recorded in? Daylight Savings Time?</a:t>
-            </a:r>
-          </a:p>
-          <a:p>
-            <a:r>
-              <a:rPr lang="en-US" dirty="0"/>
-              <a:t>Off by one!</a:t>
-            </a:r>
-          </a:p>
-          <a:p>
-            <a:r>
-              <a:rPr lang="en-US" dirty="0"/>
-              <a:t>When you download that -1 day file from the NWS, did you use the calendar date you wanted or did you pick the next day so the -1 worked?</a:t>
-            </a:r>
-          </a:p>
-          <a:p>
-            <a:endParaRPr lang="en-US" dirty="0"/>
-          </a:p>
-          <a:p>
-            <a:endParaRPr lang="en-US" dirty="0"/>
+              <a:t>columnstore</a:t>
+            </a:r>
+            <a:r>
+              <a:rPr lang="en-US" dirty="0"/>
+              <a:t> more so</a:t>
+            </a:r>
           </a:p>
         </p:txBody>
       </p:sp>
@@ -1617,7 +1512,7 @@
           <a:p>
             <a:fld id="{E5935EFC-FB85-46C2-B66D-1D634388063F}" type="slidenum">
               <a:rPr lang="en-US" smtClean="0"/>
-              <a:t>23</a:t>
+              <a:t>22</a:t>
             </a:fld>
             <a:endParaRPr lang="en-US"/>
           </a:p>
@@ -1626,7 +1521,7 @@
     </p:spTree>
     <p:extLst>
       <p:ext uri="{BB962C8B-B14F-4D97-AF65-F5344CB8AC3E}">
-        <p14:creationId xmlns:p14="http://schemas.microsoft.com/office/powerpoint/2010/main" val="963472840"/>
+        <p14:creationId xmlns:p14="http://schemas.microsoft.com/office/powerpoint/2010/main" val="1395729089"/>
       </p:ext>
     </p:extLst>
   </p:cSld>
@@ -1682,8 +1577,40 @@
           <a:p>
             <a:r>
               <a:rPr lang="en-US" dirty="0"/>
-              <a:t>https://water.weather.gov/precip/full.php?year=2022&amp;month=08&amp;day=11&amp;time_type=day&amp;time_frame=1day&amp;domain=all&amp;layers={%22precip_layer%22:1,%22rfc_layer%22:-1,%22state_layer%22:0.65,%22hsa_layer%22:-1,%22county_layer%22:-1}</a:t>
-            </a:r>
+              <a:t>What date format do you get to deal with? Bonus points for Gregorian dates</a:t>
+            </a:r>
+          </a:p>
+          <a:p>
+            <a:r>
+              <a:rPr lang="en-US" dirty="0"/>
+              <a:t>What </a:t>
+            </a:r>
+            <a:r>
+              <a:rPr lang="en-US" dirty="0" err="1"/>
+              <a:t>Timezones</a:t>
+            </a:r>
+            <a:r>
+              <a:rPr lang="en-US" dirty="0"/>
+              <a:t> is the data recorded in? Daylight Savings Time?</a:t>
+            </a:r>
+          </a:p>
+          <a:p>
+            <a:r>
+              <a:rPr lang="en-US" dirty="0"/>
+              <a:t>Off by one!</a:t>
+            </a:r>
+          </a:p>
+          <a:p>
+            <a:r>
+              <a:rPr lang="en-US" dirty="0"/>
+              <a:t>When you download that -1 day file from the NWS, did you use the calendar date you wanted or did you pick the next day so the -1 worked?</a:t>
+            </a:r>
+          </a:p>
+          <a:p>
+            <a:endParaRPr lang="en-US" dirty="0"/>
+          </a:p>
+          <a:p>
+            <a:endParaRPr lang="en-US" dirty="0"/>
           </a:p>
         </p:txBody>
       </p:sp>
@@ -1704,7 +1631,7 @@
           <a:p>
             <a:fld id="{E5935EFC-FB85-46C2-B66D-1D634388063F}" type="slidenum">
               <a:rPr lang="en-US" smtClean="0"/>
-              <a:t>25</a:t>
+              <a:t>23</a:t>
             </a:fld>
             <a:endParaRPr lang="en-US"/>
           </a:p>
@@ -1713,7 +1640,7 @@
     </p:spTree>
     <p:extLst>
       <p:ext uri="{BB962C8B-B14F-4D97-AF65-F5344CB8AC3E}">
-        <p14:creationId xmlns:p14="http://schemas.microsoft.com/office/powerpoint/2010/main" val="1655410302"/>
+        <p14:creationId xmlns:p14="http://schemas.microsoft.com/office/powerpoint/2010/main" val="963472840"/>
       </p:ext>
     </p:extLst>
   </p:cSld>
@@ -1769,17 +1696,78 @@
           <a:p>
             <a:r>
               <a:rPr lang="en-US" dirty="0"/>
-              <a:t>Latitude (up/down) Y coordinate -90 -&gt; +90</a:t>
-            </a:r>
-          </a:p>
-          <a:p>
-            <a:r>
-              <a:rPr lang="en-US" dirty="0"/>
-              <a:t>Longitude (left/right) X coordinate -180 -&gt; +180</a:t>
+              <a:t>Please don’t ask me to spell Bureau or Meteorology without spellcheck</a:t>
             </a:r>
           </a:p>
           <a:p>
             <a:endParaRPr lang="en-US" dirty="0"/>
+          </a:p>
+          <a:p>
+            <a:r>
+              <a:rPr lang="en-US" dirty="0"/>
+              <a:t>e.g. https://psl.noaa.gov/data/gridded/</a:t>
+            </a:r>
+          </a:p>
+          <a:p>
+            <a:endParaRPr lang="en-US" dirty="0"/>
+          </a:p>
+          <a:p>
+            <a:r>
+              <a:rPr lang="en-US" dirty="0"/>
+              <a:t>https://water.weather.gov/precip/downloads/</a:t>
+            </a:r>
+          </a:p>
+          <a:p>
+            <a:endParaRPr lang="en-US" dirty="0"/>
+          </a:p>
+          <a:p>
+            <a:r>
+              <a:rPr lang="en-US" dirty="0"/>
+              <a:t>Demo: </a:t>
+            </a:r>
+          </a:p>
+          <a:p>
+            <a:r>
+              <a:rPr lang="en-US" dirty="0"/>
+              <a:t>Scenario: It rained “here” on the 11</a:t>
+            </a:r>
+            <a:r>
+              <a:rPr lang="en-US" baseline="30000" dirty="0"/>
+              <a:t>th</a:t>
+            </a:r>
+            <a:r>
+              <a:rPr lang="en-US" dirty="0"/>
+              <a:t> (Thursday) Let’s download the daily precipitation file and see what happened.</a:t>
+            </a:r>
+          </a:p>
+          <a:p>
+            <a:endParaRPr lang="en-US" dirty="0"/>
+          </a:p>
+          <a:p>
+            <a:r>
+              <a:rPr lang="en-US" dirty="0"/>
+              <a:t>Visit https://water.weather.gov/precip/download.php</a:t>
+            </a:r>
+          </a:p>
+          <a:p>
+            <a:r>
+              <a:rPr lang="en-US" dirty="0"/>
+              <a:t>Daily/</a:t>
+            </a:r>
+            <a:r>
+              <a:rPr lang="en-US" dirty="0" err="1"/>
+              <a:t>NetCDF</a:t>
+            </a:r>
+            <a:r>
+              <a:rPr lang="en-US" dirty="0"/>
+              <a:t>/Day/2022-August-11</a:t>
+            </a:r>
+          </a:p>
+          <a:p>
+            <a:r>
+              <a:rPr lang="en-US" dirty="0"/>
+              <a:t>1 Day</a:t>
+            </a:r>
           </a:p>
         </p:txBody>
       </p:sp>
@@ -1800,7 +1788,7 @@
           <a:p>
             <a:fld id="{E5935EFC-FB85-46C2-B66D-1D634388063F}" type="slidenum">
               <a:rPr lang="en-US" smtClean="0"/>
-              <a:t>6</a:t>
+              <a:t>5</a:t>
             </a:fld>
             <a:endParaRPr lang="en-US"/>
           </a:p>
@@ -1809,7 +1797,94 @@
     </p:spTree>
     <p:extLst>
       <p:ext uri="{BB962C8B-B14F-4D97-AF65-F5344CB8AC3E}">
-        <p14:creationId xmlns:p14="http://schemas.microsoft.com/office/powerpoint/2010/main" val="130452446"/>
+        <p14:creationId xmlns:p14="http://schemas.microsoft.com/office/powerpoint/2010/main" val="2030679848"/>
+      </p:ext>
+    </p:extLst>
+  </p:cSld>
+  <p:clrMapOvr>
+    <a:masterClrMapping/>
+  </p:clrMapOvr>
+</p:notes>
+</file>
+
+<file path=ppt/notesSlides/notesSlide20.xml><?xml version="1.0" encoding="utf-8"?>
+<p:notes xmlns:a="http://schemas.openxmlformats.org/drawingml/2006/main" xmlns:r="http://schemas.openxmlformats.org/officeDocument/2006/relationships" xmlns:p="http://schemas.openxmlformats.org/presentationml/2006/main">
+  <p:cSld>
+    <p:spTree>
+      <p:nvGrpSpPr>
+        <p:cNvPr id="1" name=""/>
+        <p:cNvGrpSpPr/>
+        <p:nvPr/>
+      </p:nvGrpSpPr>
+      <p:grpSpPr>
+        <a:xfrm>
+          <a:off x="0" y="0"/>
+          <a:ext cx="0" cy="0"/>
+          <a:chOff x="0" y="0"/>
+          <a:chExt cx="0" cy="0"/>
+        </a:xfrm>
+      </p:grpSpPr>
+      <p:sp>
+        <p:nvSpPr>
+          <p:cNvPr id="2" name="Slide Image Placeholder 1"/>
+          <p:cNvSpPr>
+            <a:spLocks noGrp="1" noRot="1" noChangeAspect="1"/>
+          </p:cNvSpPr>
+          <p:nvPr>
+            <p:ph type="sldImg"/>
+          </p:nvPr>
+        </p:nvSpPr>
+        <p:spPr/>
+      </p:sp>
+      <p:sp>
+        <p:nvSpPr>
+          <p:cNvPr id="3" name="Notes Placeholder 2"/>
+          <p:cNvSpPr>
+            <a:spLocks noGrp="1"/>
+          </p:cNvSpPr>
+          <p:nvPr>
+            <p:ph type="body" idx="1"/>
+          </p:nvPr>
+        </p:nvSpPr>
+        <p:spPr/>
+        <p:txBody>
+          <a:bodyPr/>
+          <a:lstStyle/>
+          <a:p>
+            <a:r>
+              <a:rPr lang="en-US" dirty="0"/>
+              <a:t>https://water.weather.gov/precip/full.php?year=2022&amp;month=08&amp;day=11&amp;time_type=day&amp;time_frame=1day&amp;domain=all&amp;layers={%22precip_layer%22:1,%22rfc_layer%22:-1,%22state_layer%22:0.65,%22hsa_layer%22:-1,%22county_layer%22:-1}</a:t>
+            </a:r>
+          </a:p>
+        </p:txBody>
+      </p:sp>
+      <p:sp>
+        <p:nvSpPr>
+          <p:cNvPr id="4" name="Slide Number Placeholder 3"/>
+          <p:cNvSpPr>
+            <a:spLocks noGrp="1"/>
+          </p:cNvSpPr>
+          <p:nvPr>
+            <p:ph type="sldNum" sz="quarter" idx="5"/>
+          </p:nvPr>
+        </p:nvSpPr>
+        <p:spPr/>
+        <p:txBody>
+          <a:bodyPr/>
+          <a:lstStyle/>
+          <a:p>
+            <a:fld id="{E5935EFC-FB85-46C2-B66D-1D634388063F}" type="slidenum">
+              <a:rPr lang="en-US" smtClean="0"/>
+              <a:t>24</a:t>
+            </a:fld>
+            <a:endParaRPr lang="en-US"/>
+          </a:p>
+        </p:txBody>
+      </p:sp>
+    </p:spTree>
+    <p:extLst>
+      <p:ext uri="{BB962C8B-B14F-4D97-AF65-F5344CB8AC3E}">
+        <p14:creationId xmlns:p14="http://schemas.microsoft.com/office/powerpoint/2010/main" val="1655410302"/>
       </p:ext>
     </p:extLst>
   </p:cSld>
@@ -1863,45 +1938,16 @@
           <a:bodyPr/>
           <a:lstStyle/>
           <a:p>
-            <a:pPr marL="0" marR="0" lvl="0" indent="0" algn="l" defTabSz="914400" rtl="0" eaLnBrk="1" fontAlgn="auto" latinLnBrk="0" hangingPunct="1">
-              <a:lnSpc>
-                <a:spcPct val="100000"/>
-              </a:lnSpc>
-              <a:spcBef>
-                <a:spcPts val="0"/>
-              </a:spcBef>
-              <a:spcAft>
-                <a:spcPts val="0"/>
-              </a:spcAft>
-              <a:buClrTx/>
-              <a:buSzTx/>
-              <a:buFontTx/>
-              <a:buNone/>
-              <a:tabLst/>
-              <a:defRPr/>
-            </a:pPr>
-            <a:r>
-              <a:rPr lang="en-US" sz="1200" i="1" dirty="0">
-                <a:solidFill>
-                  <a:srgbClr val="595959"/>
-                </a:solidFill>
-                <a:effectLst/>
-                <a:latin typeface="Calibri" panose="020F0502020204030204" pitchFamily="34" charset="0"/>
-              </a:rPr>
-              <a:t> </a:t>
-            </a:r>
-            <a:r>
-              <a:rPr lang="en-US" sz="1200" dirty="0">
-                <a:effectLst/>
-                <a:latin typeface="Calibri" panose="020F0502020204030204" pitchFamily="34" charset="0"/>
-                <a:hlinkClick r:id="rId3"/>
-              </a:rPr>
-              <a:t>https://gis.stackexchange.com/questions/8650/measuring-accuracy-of-latitude-and-longitude</a:t>
-            </a:r>
-            <a:endParaRPr lang="en-US" sz="1200" dirty="0">
-              <a:effectLst/>
-              <a:latin typeface="Calibri" panose="020F0502020204030204" pitchFamily="34" charset="0"/>
-            </a:endParaRPr>
+            <a:r>
+              <a:rPr lang="en-US" dirty="0"/>
+              <a:t>Latitude (up/down) Y coordinate -90 -&gt; +90</a:t>
+            </a:r>
+          </a:p>
+          <a:p>
+            <a:r>
+              <a:rPr lang="en-US" dirty="0"/>
+              <a:t>Longitude (left/right) X coordinate -180 -&gt; +180</a:t>
+            </a:r>
           </a:p>
           <a:p>
             <a:endParaRPr lang="en-US" dirty="0"/>
@@ -1925,7 +1971,7 @@
           <a:p>
             <a:fld id="{E5935EFC-FB85-46C2-B66D-1D634388063F}" type="slidenum">
               <a:rPr lang="en-US" smtClean="0"/>
-              <a:t>7</a:t>
+              <a:t>6</a:t>
             </a:fld>
             <a:endParaRPr lang="en-US"/>
           </a:p>
@@ -1934,7 +1980,7 @@
     </p:spTree>
     <p:extLst>
       <p:ext uri="{BB962C8B-B14F-4D97-AF65-F5344CB8AC3E}">
-        <p14:creationId xmlns:p14="http://schemas.microsoft.com/office/powerpoint/2010/main" val="1671838417"/>
+        <p14:creationId xmlns:p14="http://schemas.microsoft.com/office/powerpoint/2010/main" val="130452446"/>
       </p:ext>
     </p:extLst>
   </p:cSld>
@@ -2006,27 +2052,30 @@
               <a:defRPr/>
             </a:pPr>
             <a:r>
-              <a:rPr lang="en-US" b="1" dirty="0"/>
-              <a:t>“You cannot flatten an orange peel without tearing and warping it”</a:t>
-            </a:r>
-          </a:p>
-          <a:p>
-            <a:endParaRPr lang="en-US" b="1" dirty="0"/>
-          </a:p>
-          <a:p>
-            <a:r>
-              <a:rPr lang="en-US" b="1" dirty="0"/>
-              <a:t>https://en.wikipedia.org/wiki/Map_projection</a:t>
-            </a:r>
-          </a:p>
-          <a:p>
-            <a:endParaRPr lang="en-US" b="1" dirty="0"/>
-          </a:p>
-          <a:p>
-            <a:r>
-              <a:rPr lang="en-US" b="1" dirty="0"/>
-              <a:t>The grid system deforms the squares that you conceptually think of</a:t>
-            </a:r>
+              <a:rPr lang="en-US" sz="1200" i="1" dirty="0">
+                <a:solidFill>
+                  <a:srgbClr val="595959"/>
+                </a:solidFill>
+                <a:effectLst/>
+                <a:latin typeface="Calibri" panose="020F0502020204030204" pitchFamily="34" charset="0"/>
+              </a:rPr>
+              <a:t> </a:t>
+            </a:r>
+            <a:r>
+              <a:rPr lang="en-US" sz="1200" dirty="0">
+                <a:effectLst/>
+                <a:latin typeface="Calibri" panose="020F0502020204030204" pitchFamily="34" charset="0"/>
+                <a:hlinkClick r:id="rId3"/>
+              </a:rPr>
+              <a:t>https://gis.stackexchange.com/questions/8650/measuring-accuracy-of-latitude-and-longitude</a:t>
+            </a:r>
+            <a:endParaRPr lang="en-US" sz="1200" dirty="0">
+              <a:effectLst/>
+              <a:latin typeface="Calibri" panose="020F0502020204030204" pitchFamily="34" charset="0"/>
+            </a:endParaRPr>
+          </a:p>
+          <a:p>
+            <a:endParaRPr lang="en-US" dirty="0"/>
           </a:p>
         </p:txBody>
       </p:sp>
@@ -2047,7 +2096,7 @@
           <a:p>
             <a:fld id="{E5935EFC-FB85-46C2-B66D-1D634388063F}" type="slidenum">
               <a:rPr lang="en-US" smtClean="0"/>
-              <a:t>9</a:t>
+              <a:t>7</a:t>
             </a:fld>
             <a:endParaRPr lang="en-US"/>
           </a:p>
@@ -2056,7 +2105,7 @@
     </p:spTree>
     <p:extLst>
       <p:ext uri="{BB962C8B-B14F-4D97-AF65-F5344CB8AC3E}">
-        <p14:creationId xmlns:p14="http://schemas.microsoft.com/office/powerpoint/2010/main" val="3593864412"/>
+        <p14:creationId xmlns:p14="http://schemas.microsoft.com/office/powerpoint/2010/main" val="1671838417"/>
       </p:ext>
     </p:extLst>
   </p:cSld>
@@ -2110,16 +2159,45 @@
           <a:bodyPr/>
           <a:lstStyle/>
           <a:p>
-            <a:r>
-              <a:rPr lang="en-US" dirty="0"/>
-              <a:t>https://www.hec.usace.army.mil/confluence/hmsdocs/hmsum/4.8/geographic-information/coordinate-reference-systems</a:t>
-            </a:r>
-          </a:p>
-          <a:p>
-            <a:endParaRPr lang="en-US" dirty="0"/>
-          </a:p>
-          <a:p>
-            <a:endParaRPr lang="en-US" dirty="0"/>
+            <a:pPr marL="0" marR="0" lvl="0" indent="0" algn="l" defTabSz="914400" rtl="0" eaLnBrk="1" fontAlgn="auto" latinLnBrk="0" hangingPunct="1">
+              <a:lnSpc>
+                <a:spcPct val="100000"/>
+              </a:lnSpc>
+              <a:spcBef>
+                <a:spcPts val="0"/>
+              </a:spcBef>
+              <a:spcAft>
+                <a:spcPts val="0"/>
+              </a:spcAft>
+              <a:buClrTx/>
+              <a:buSzTx/>
+              <a:buFontTx/>
+              <a:buNone/>
+              <a:tabLst/>
+              <a:defRPr/>
+            </a:pPr>
+            <a:r>
+              <a:rPr lang="en-US" b="1" dirty="0"/>
+              <a:t>“You cannot flatten an orange peel without tearing and warping it”</a:t>
+            </a:r>
+          </a:p>
+          <a:p>
+            <a:endParaRPr lang="en-US" b="1" dirty="0"/>
+          </a:p>
+          <a:p>
+            <a:r>
+              <a:rPr lang="en-US" b="1" dirty="0"/>
+              <a:t>https://en.wikipedia.org/wiki/Map_projection</a:t>
+            </a:r>
+          </a:p>
+          <a:p>
+            <a:endParaRPr lang="en-US" b="1" dirty="0"/>
+          </a:p>
+          <a:p>
+            <a:r>
+              <a:rPr lang="en-US" b="1" dirty="0"/>
+              <a:t>The grid system deforms the squares that you conceptually think of</a:t>
+            </a:r>
           </a:p>
         </p:txBody>
       </p:sp>
@@ -2140,7 +2218,7 @@
           <a:p>
             <a:fld id="{E5935EFC-FB85-46C2-B66D-1D634388063F}" type="slidenum">
               <a:rPr lang="en-US" smtClean="0"/>
-              <a:t>10</a:t>
+              <a:t>9</a:t>
             </a:fld>
             <a:endParaRPr lang="en-US"/>
           </a:p>
@@ -2149,7 +2227,7 @@
     </p:spTree>
     <p:extLst>
       <p:ext uri="{BB962C8B-B14F-4D97-AF65-F5344CB8AC3E}">
-        <p14:creationId xmlns:p14="http://schemas.microsoft.com/office/powerpoint/2010/main" val="3605841803"/>
+        <p14:creationId xmlns:p14="http://schemas.microsoft.com/office/powerpoint/2010/main" val="3593864412"/>
       </p:ext>
     </p:extLst>
   </p:cSld>
@@ -2205,8 +2283,14 @@
           <a:p>
             <a:r>
               <a:rPr lang="en-US" dirty="0"/>
-              <a:t>The correct placement of 0,0 in the supplied coordinate system should be documented from the data provider. Don’t assume</a:t>
-            </a:r>
+              <a:t>https://www.hec.usace.army.mil/confluence/hmsdocs/hmsum/4.8/geographic-information/coordinate-reference-systems</a:t>
+            </a:r>
+          </a:p>
+          <a:p>
+            <a:endParaRPr lang="en-US" dirty="0"/>
+          </a:p>
+          <a:p>
+            <a:endParaRPr lang="en-US" dirty="0"/>
           </a:p>
         </p:txBody>
       </p:sp>
@@ -2227,7 +2311,7 @@
           <a:p>
             <a:fld id="{E5935EFC-FB85-46C2-B66D-1D634388063F}" type="slidenum">
               <a:rPr lang="en-US" smtClean="0"/>
-              <a:t>11</a:t>
+              <a:t>10</a:t>
             </a:fld>
             <a:endParaRPr lang="en-US"/>
           </a:p>
@@ -2236,7 +2320,7 @@
     </p:spTree>
     <p:extLst>
       <p:ext uri="{BB962C8B-B14F-4D97-AF65-F5344CB8AC3E}">
-        <p14:creationId xmlns:p14="http://schemas.microsoft.com/office/powerpoint/2010/main" val="1675960303"/>
+        <p14:creationId xmlns:p14="http://schemas.microsoft.com/office/powerpoint/2010/main" val="3605841803"/>
       </p:ext>
     </p:extLst>
   </p:cSld>
@@ -2292,47 +2376,7 @@
           <a:p>
             <a:r>
               <a:rPr lang="en-US" dirty="0"/>
-              <a:t>Network Common Data Form</a:t>
-            </a:r>
-          </a:p>
-          <a:p>
-            <a:r>
-              <a:rPr lang="en-US" dirty="0" err="1"/>
-              <a:t>GRIdded</a:t>
-            </a:r>
-            <a:r>
-              <a:rPr lang="en-US" dirty="0"/>
-              <a:t> Binary</a:t>
-            </a:r>
-          </a:p>
-          <a:p>
-            <a:endParaRPr lang="en-US" dirty="0"/>
-          </a:p>
-          <a:p>
-            <a:r>
-              <a:rPr lang="en-US" dirty="0"/>
-              <a:t>Observe: Daily vs Hourly</a:t>
-            </a:r>
-          </a:p>
-          <a:p>
-            <a:r>
-              <a:rPr lang="en-US" dirty="0"/>
-              <a:t>https://water.weather.gov/precip/download.php</a:t>
-            </a:r>
-          </a:p>
-          <a:p>
-            <a:endParaRPr lang="en-US" dirty="0"/>
-          </a:p>
-          <a:p>
-            <a:r>
-              <a:rPr lang="en-US" dirty="0"/>
-              <a:t>Hourly? Last 1/2/5/12/Since 12 UTC  - no date range allowed</a:t>
-            </a:r>
-          </a:p>
-          <a:p>
-            <a:r>
-              <a:rPr lang="en-US" dirty="0"/>
-              <a:t>Daily? Many more options</a:t>
+              <a:t>The correct placement of 0,0 in the supplied coordinate system should be documented from the data provider. Don’t assume</a:t>
             </a:r>
           </a:p>
         </p:txBody>
@@ -2354,7 +2398,7 @@
           <a:p>
             <a:fld id="{E5935EFC-FB85-46C2-B66D-1D634388063F}" type="slidenum">
               <a:rPr lang="en-US" smtClean="0"/>
-              <a:t>12</a:t>
+              <a:t>11</a:t>
             </a:fld>
             <a:endParaRPr lang="en-US"/>
           </a:p>
@@ -2363,7 +2407,7 @@
     </p:spTree>
     <p:extLst>
       <p:ext uri="{BB962C8B-B14F-4D97-AF65-F5344CB8AC3E}">
-        <p14:creationId xmlns:p14="http://schemas.microsoft.com/office/powerpoint/2010/main" val="2222407047"/>
+        <p14:creationId xmlns:p14="http://schemas.microsoft.com/office/powerpoint/2010/main" val="1675960303"/>
       </p:ext>
     </p:extLst>
   </p:cSld>
@@ -2417,24 +2461,49 @@
           <a:bodyPr/>
           <a:lstStyle/>
           <a:p>
+            <a:r>
+              <a:rPr lang="en-US" dirty="0"/>
+              <a:t>Network Common Data Form</a:t>
+            </a:r>
+          </a:p>
+          <a:p>
+            <a:r>
+              <a:rPr lang="en-US" dirty="0" err="1"/>
+              <a:t>GRIdded</a:t>
+            </a:r>
+            <a:r>
+              <a:rPr lang="en-US" dirty="0"/>
+              <a:t> Binary</a:t>
+            </a:r>
+          </a:p>
+          <a:p>
             <a:endParaRPr lang="en-US" dirty="0"/>
           </a:p>
           <a:p>
             <a:r>
               <a:rPr lang="en-US" dirty="0"/>
-              <a:t>https://www.giss.nasa.gov/tools/panoply/</a:t>
-            </a:r>
-          </a:p>
-          <a:p>
-            <a:r>
-              <a:rPr lang="en-US" dirty="0"/>
-              <a:t>https://www.microsoft.com/en-us/research/project/scientific-dataset/</a:t>
-            </a:r>
-          </a:p>
-          <a:p>
-            <a:r>
-              <a:rPr lang="en-US" dirty="0"/>
-              <a:t>https://downloads.unidata.ucar.edu/netcdf/</a:t>
+              <a:t>Observe: Daily vs Hourly</a:t>
+            </a:r>
+          </a:p>
+          <a:p>
+            <a:r>
+              <a:rPr lang="en-US" dirty="0"/>
+              <a:t>https://water.weather.gov/precip/download.php</a:t>
+            </a:r>
+          </a:p>
+          <a:p>
+            <a:endParaRPr lang="en-US" dirty="0"/>
+          </a:p>
+          <a:p>
+            <a:r>
+              <a:rPr lang="en-US" dirty="0"/>
+              <a:t>Hourly? Last 1/2/5/12/Since 12 UTC  - no date range allowed</a:t>
+            </a:r>
+          </a:p>
+          <a:p>
+            <a:r>
+              <a:rPr lang="en-US" dirty="0"/>
+              <a:t>Daily? Many more options</a:t>
             </a:r>
           </a:p>
         </p:txBody>
@@ -2456,7 +2525,7 @@
           <a:p>
             <a:fld id="{E5935EFC-FB85-46C2-B66D-1D634388063F}" type="slidenum">
               <a:rPr lang="en-US" smtClean="0"/>
-              <a:t>13</a:t>
+              <a:t>12</a:t>
             </a:fld>
             <a:endParaRPr lang="en-US"/>
           </a:p>
@@ -2465,7 +2534,7 @@
     </p:spTree>
     <p:extLst>
       <p:ext uri="{BB962C8B-B14F-4D97-AF65-F5344CB8AC3E}">
-        <p14:creationId xmlns:p14="http://schemas.microsoft.com/office/powerpoint/2010/main" val="3672556829"/>
+        <p14:creationId xmlns:p14="http://schemas.microsoft.com/office/powerpoint/2010/main" val="2222407047"/>
       </p:ext>
     </p:extLst>
   </p:cSld>
@@ -2521,6 +2590,33 @@
           <a:p>
             <a:endParaRPr lang="en-US" dirty="0"/>
           </a:p>
+          <a:p>
+            <a:r>
+              <a:rPr lang="en-US" dirty="0"/>
+              <a:t>https://www.giss.nasa.gov/tools/panoply/</a:t>
+            </a:r>
+          </a:p>
+          <a:p>
+            <a:r>
+              <a:rPr lang="en-US" dirty="0"/>
+              <a:t>https://www.microsoft.com/en-us/research/project/scientific-dataset/ Pretty dead</a:t>
+            </a:r>
+          </a:p>
+          <a:p>
+            <a:r>
+              <a:rPr lang="en-US" dirty="0"/>
+              <a:t>https://downloads.unidata.ucar.edu/netcdf/</a:t>
+            </a:r>
+          </a:p>
+          <a:p>
+            <a:endParaRPr lang="en-US" dirty="0"/>
+          </a:p>
+          <a:p>
+            <a:r>
+              <a:rPr lang="en-US" dirty="0"/>
+              <a:t>https://docs.unidata.ucar.edu/netcdf-c/current/winbin.html</a:t>
+            </a:r>
+          </a:p>
         </p:txBody>
       </p:sp>
       <p:sp>
@@ -2540,7 +2636,7 @@
           <a:p>
             <a:fld id="{E5935EFC-FB85-46C2-B66D-1D634388063F}" type="slidenum">
               <a:rPr lang="en-US" smtClean="0"/>
-              <a:t>14</a:t>
+              <a:t>13</a:t>
             </a:fld>
             <a:endParaRPr lang="en-US"/>
           </a:p>
@@ -2549,7 +2645,7 @@
     </p:spTree>
     <p:extLst>
       <p:ext uri="{BB962C8B-B14F-4D97-AF65-F5344CB8AC3E}">
-        <p14:creationId xmlns:p14="http://schemas.microsoft.com/office/powerpoint/2010/main" val="1205840412"/>
+        <p14:creationId xmlns:p14="http://schemas.microsoft.com/office/powerpoint/2010/main" val="3672556829"/>
       </p:ext>
     </p:extLst>
   </p:cSld>
@@ -6600,11 +6696,40 @@
           <a:p>
             <a:r>
               <a:rPr lang="en-US" dirty="0"/>
-              <a:t>Scientific </a:t>
+              <a:t>Microsoft Scientific </a:t>
             </a:r>
             <a:r>
               <a:rPr lang="en-US" dirty="0" err="1"/>
               <a:t>DataSet</a:t>
+            </a:r>
+            <a:r>
+              <a:rPr lang="en-US" dirty="0"/>
+              <a:t> ✝</a:t>
+            </a:r>
+            <a:r>
+              <a:rPr lang="en-US" baseline="30000" dirty="0"/>
+              <a:t>︎</a:t>
+            </a:r>
+            <a:endParaRPr lang="en-US" sz="1400" b="0" i="0" baseline="30000" dirty="0">
+              <a:solidFill>
+                <a:srgbClr val="222222"/>
+              </a:solidFill>
+              <a:effectLst/>
+              <a:latin typeface="Arial" panose="020B0604020202020204" pitchFamily="34" charset="0"/>
+            </a:endParaRPr>
+          </a:p>
+          <a:p>
+            <a:r>
+              <a:rPr lang="en-US" dirty="0" err="1"/>
+              <a:t>nuget</a:t>
+            </a:r>
+            <a:r>
+              <a:rPr lang="en-US" dirty="0"/>
+              <a:t> </a:t>
+            </a:r>
+            <a:r>
+              <a:rPr lang="en-US" dirty="0" err="1"/>
+              <a:t>SDSLite</a:t>
             </a:r>
             <a:endParaRPr lang="en-US" dirty="0"/>
           </a:p>
@@ -6975,31 +7100,41 @@
           </a:p>
         </p:txBody>
       </p:sp>
-      <p:sp>
-        <p:nvSpPr>
-          <p:cNvPr id="3" name="Content Placeholder 2">
-            <a:extLst>
-              <a:ext uri="{FF2B5EF4-FFF2-40B4-BE49-F238E27FC236}">
-                <a16:creationId xmlns:a16="http://schemas.microsoft.com/office/drawing/2014/main" id="{95EED6EF-9D34-CF71-B273-946320AB8804}"/>
-              </a:ext>
-            </a:extLst>
-          </p:cNvPr>
-          <p:cNvSpPr>
-            <a:spLocks noGrp="1"/>
-          </p:cNvSpPr>
+      <p:pic>
+        <p:nvPicPr>
+          <p:cNvPr id="5" name="Content Placeholder 4" descr="Icon&#10;&#10;Description automatically generated">
+            <a:extLst>
+              <a:ext uri="{FF2B5EF4-FFF2-40B4-BE49-F238E27FC236}">
+                <a16:creationId xmlns:a16="http://schemas.microsoft.com/office/drawing/2014/main" id="{C36821B8-CEF1-5F56-F57E-F71CE7B0B8E1}"/>
+              </a:ext>
+            </a:extLst>
+          </p:cNvPr>
+          <p:cNvPicPr>
+            <a:picLocks noGrp="1" noChangeAspect="1"/>
+          </p:cNvPicPr>
           <p:nvPr>
             <p:ph idx="1"/>
           </p:nvPr>
-        </p:nvSpPr>
-        <p:spPr/>
-        <p:txBody>
-          <a:bodyPr/>
-          <a:lstStyle/>
-          <a:p>
-            <a:endParaRPr lang="en-US" dirty="0"/>
-          </a:p>
-        </p:txBody>
-      </p:sp>
+        </p:nvPicPr>
+        <p:blipFill>
+          <a:blip r:embed="rId3">
+            <a:extLst>
+              <a:ext uri="{28A0092B-C50C-407E-A947-70E740481C1C}">
+                <a14:useLocalDpi xmlns:a14="http://schemas.microsoft.com/office/drawing/2010/main" val="0"/>
+              </a:ext>
+            </a:extLst>
+          </a:blip>
+          <a:stretch>
+            <a:fillRect/>
+          </a:stretch>
+        </p:blipFill>
+        <p:spPr>
+          <a:xfrm>
+            <a:off x="5200650" y="2720181"/>
+            <a:ext cx="1790700" cy="2562225"/>
+          </a:xfrm>
+        </p:spPr>
+      </p:pic>
     </p:spTree>
     <p:extLst>
       <p:ext uri="{BB962C8B-B14F-4D97-AF65-F5344CB8AC3E}">
@@ -7268,7 +7403,7 @@
           <a:p>
             <a:r>
               <a:rPr lang="en-US" dirty="0"/>
-              <a:t>About me</a:t>
+              <a:t>Bill Fellows at a glance</a:t>
             </a:r>
           </a:p>
         </p:txBody>
@@ -7853,6 +7988,9 @@
           </a:bodyPr>
           <a:lstStyle/>
           <a:p>
+            <a:pPr marL="0" indent="0">
+              <a:buNone/>
+            </a:pPr>
             <a:r>
               <a:rPr lang="en-US" dirty="0" err="1"/>
               <a:t>smallint</a:t>
@@ -7863,39 +8001,60 @@
             </a:r>
           </a:p>
           <a:p>
+            <a:pPr marL="0" indent="0">
+              <a:buNone/>
+            </a:pPr>
             <a:r>
               <a:rPr lang="en-US" dirty="0"/>
               <a:t>float(7) 4 bytes</a:t>
             </a:r>
           </a:p>
           <a:p>
+            <a:pPr marL="0" indent="0">
+              <a:buNone/>
+            </a:pPr>
             <a:r>
               <a:rPr lang="en-US" dirty="0"/>
               <a:t>date 4 bytes</a:t>
             </a:r>
           </a:p>
           <a:p>
+            <a:pPr marL="0" indent="0">
+              <a:buNone/>
+            </a:pPr>
             <a:endParaRPr lang="en-US" dirty="0"/>
           </a:p>
           <a:p>
+            <a:pPr marL="0" indent="0">
+              <a:buNone/>
+            </a:pPr>
             <a:r>
               <a:rPr lang="en-US" dirty="0"/>
               <a:t>881 * 1121 points =&gt; 987,601 rows per day</a:t>
             </a:r>
           </a:p>
           <a:p>
+            <a:pPr marL="0" indent="0">
+              <a:buNone/>
+            </a:pPr>
             <a:r>
               <a:rPr lang="en-US" dirty="0"/>
               <a:t>360,474,365 rows per year</a:t>
             </a:r>
           </a:p>
           <a:p>
-            <a:r>
-              <a:rPr lang="en-US" dirty="0"/>
-              <a:t>7.2 billion for 20 years</a:t>
-            </a:r>
-          </a:p>
-          <a:p>
+            <a:pPr marL="0" indent="0">
+              <a:buNone/>
+            </a:pPr>
+            <a:r>
+              <a:rPr lang="en-US" dirty="0"/>
+              <a:t>7.2 billion rows for 20 years</a:t>
+            </a:r>
+          </a:p>
+          <a:p>
+            <a:pPr marL="0" indent="0">
+              <a:buNone/>
+            </a:pPr>
             <a:endParaRPr lang="en-US" dirty="0"/>
           </a:p>
         </p:txBody>
@@ -8026,7 +8185,7 @@
           <p:cNvPr id="2" name="Title 1">
             <a:extLst>
               <a:ext uri="{FF2B5EF4-FFF2-40B4-BE49-F238E27FC236}">
-                <a16:creationId xmlns:a16="http://schemas.microsoft.com/office/drawing/2014/main" id="{CA2A417B-87EF-9C97-9363-85EE7F428B77}"/>
+                <a16:creationId xmlns:a16="http://schemas.microsoft.com/office/drawing/2014/main" id="{71CAC6C5-C8DC-60BB-38F4-AD5B57B66D2F}"/>
               </a:ext>
             </a:extLst>
           </p:cNvPr>
@@ -8044,7 +8203,7 @@
           <a:p>
             <a:r>
               <a:rPr lang="en-US" dirty="0"/>
-              <a:t>Storage</a:t>
+              <a:t>Work the problem</a:t>
             </a:r>
           </a:p>
         </p:txBody>
@@ -8054,7 +8213,7 @@
           <p:cNvPr id="3" name="Content Placeholder 2">
             <a:extLst>
               <a:ext uri="{FF2B5EF4-FFF2-40B4-BE49-F238E27FC236}">
-                <a16:creationId xmlns:a16="http://schemas.microsoft.com/office/drawing/2014/main" id="{9044AAC7-465A-1F6D-7F9D-91F52A1FD7BD}"/>
+                <a16:creationId xmlns:a16="http://schemas.microsoft.com/office/drawing/2014/main" id="{7FA08BFE-D0A8-6E8E-7C6F-A34A3036A24C}"/>
               </a:ext>
             </a:extLst>
           </p:cNvPr>
@@ -8072,7 +8231,7 @@
           <a:p>
             <a:r>
               <a:rPr lang="en-US" dirty="0"/>
-              <a:t>nws_precip_1day_20220811_conus.nc   4189 KB</a:t>
+              <a:t>Daily/hourly rainfall for Hampton Roads, VA</a:t>
             </a:r>
           </a:p>
         </p:txBody>
@@ -8080,7 +8239,7 @@
     </p:spTree>
     <p:extLst>
       <p:ext uri="{BB962C8B-B14F-4D97-AF65-F5344CB8AC3E}">
-        <p14:creationId xmlns:p14="http://schemas.microsoft.com/office/powerpoint/2010/main" val="2871142000"/>
+        <p14:creationId xmlns:p14="http://schemas.microsoft.com/office/powerpoint/2010/main" val="3641573987"/>
       </p:ext>
     </p:extLst>
   </p:cSld>
@@ -8112,7 +8271,7 @@
           <p:cNvPr id="2" name="Title 1">
             <a:extLst>
               <a:ext uri="{FF2B5EF4-FFF2-40B4-BE49-F238E27FC236}">
-                <a16:creationId xmlns:a16="http://schemas.microsoft.com/office/drawing/2014/main" id="{71CAC6C5-C8DC-60BB-38F4-AD5B57B66D2F}"/>
+                <a16:creationId xmlns:a16="http://schemas.microsoft.com/office/drawing/2014/main" id="{691FF86B-6E77-4B8B-F1ED-5F45CD8C0693}"/>
               </a:ext>
             </a:extLst>
           </p:cNvPr>
@@ -8130,7 +8289,7 @@
           <a:p>
             <a:r>
               <a:rPr lang="en-US" dirty="0"/>
-              <a:t>Work the problem</a:t>
+              <a:t>Wrap up</a:t>
             </a:r>
           </a:p>
         </p:txBody>
@@ -8140,7 +8299,7 @@
           <p:cNvPr id="3" name="Content Placeholder 2">
             <a:extLst>
               <a:ext uri="{FF2B5EF4-FFF2-40B4-BE49-F238E27FC236}">
-                <a16:creationId xmlns:a16="http://schemas.microsoft.com/office/drawing/2014/main" id="{7FA08BFE-D0A8-6E8E-7C6F-A34A3036A24C}"/>
+                <a16:creationId xmlns:a16="http://schemas.microsoft.com/office/drawing/2014/main" id="{3E0B2AD0-3998-D83A-E0B2-C46EA9624A4A}"/>
               </a:ext>
             </a:extLst>
           </p:cNvPr>
@@ -8158,7 +8317,37 @@
           <a:p>
             <a:r>
               <a:rPr lang="en-US" dirty="0"/>
-              <a:t>Daily/hourly rainfall for Hampton Roads, VA</a:t>
+              <a:t>Bill Fellows</a:t>
+            </a:r>
+          </a:p>
+          <a:p>
+            <a:r>
+              <a:rPr lang="en-US" dirty="0">
+                <a:hlinkClick r:id="rId2"/>
+              </a:rPr>
+              <a:t>bill.fellows@sterlingdataconsulting.com</a:t>
+            </a:r>
+            <a:endParaRPr lang="en-US" dirty="0"/>
+          </a:p>
+          <a:p>
+            <a:r>
+              <a:rPr lang="en-US" dirty="0">
+                <a:hlinkClick r:id="rId3"/>
+              </a:rPr>
+              <a:t>https://ssis.science/</a:t>
+            </a:r>
+            <a:endParaRPr lang="en-US" dirty="0"/>
+          </a:p>
+          <a:p>
+            <a:pPr marL="0" indent="0">
+              <a:buNone/>
+            </a:pPr>
+            <a:endParaRPr lang="en-US" dirty="0"/>
+          </a:p>
+          <a:p>
+            <a:r>
+              <a:rPr lang="en-US" dirty="0"/>
+              <a:t>Please patch your systems</a:t>
             </a:r>
           </a:p>
         </p:txBody>
@@ -8166,7 +8355,7 @@
     </p:spTree>
     <p:extLst>
       <p:ext uri="{BB962C8B-B14F-4D97-AF65-F5344CB8AC3E}">
-        <p14:creationId xmlns:p14="http://schemas.microsoft.com/office/powerpoint/2010/main" val="3641573987"/>
+        <p14:creationId xmlns:p14="http://schemas.microsoft.com/office/powerpoint/2010/main" val="30876423"/>
       </p:ext>
     </p:extLst>
   </p:cSld>

--- a/IntegratingWeatherData/IntegratingWeatherData.pptx
+++ b/IntegratingWeatherData/IntegratingWeatherData.pptx
@@ -533,7 +533,7 @@
           <a:lstStyle/>
           <a:p>
             <a:r>
-              <a:rPr lang="en-US"/>
+              <a:rPr lang="en-US" dirty="0"/>
               <a:t>https://github.com/billinkc/presentations/tree/master/IntegratingWeatherData</a:t>
             </a:r>
           </a:p>
@@ -621,6 +621,33 @@
           <a:p>
             <a:endParaRPr lang="en-US" dirty="0"/>
           </a:p>
+          <a:p>
+            <a:r>
+              <a:rPr lang="en-US" dirty="0"/>
+              <a:t>https://www.giss.nasa.gov/tools/panoply/</a:t>
+            </a:r>
+          </a:p>
+          <a:p>
+            <a:r>
+              <a:rPr lang="en-US" dirty="0"/>
+              <a:t>https://www.microsoft.com/en-us/research/project/scientific-dataset/ Pretty dead</a:t>
+            </a:r>
+          </a:p>
+          <a:p>
+            <a:r>
+              <a:rPr lang="en-US" dirty="0"/>
+              <a:t>https://downloads.unidata.ucar.edu/netcdf/</a:t>
+            </a:r>
+          </a:p>
+          <a:p>
+            <a:endParaRPr lang="en-US" dirty="0"/>
+          </a:p>
+          <a:p>
+            <a:r>
+              <a:rPr lang="en-US" dirty="0"/>
+              <a:t>https://docs.unidata.ucar.edu/netcdf-c/current/winbin.html</a:t>
+            </a:r>
+          </a:p>
         </p:txBody>
       </p:sp>
       <p:sp>
@@ -640,7 +667,7 @@
           <a:p>
             <a:fld id="{E5935EFC-FB85-46C2-B66D-1D634388063F}" type="slidenum">
               <a:rPr lang="en-US" smtClean="0"/>
-              <a:t>14</a:t>
+              <a:t>13</a:t>
             </a:fld>
             <a:endParaRPr lang="en-US"/>
           </a:p>
@@ -649,7 +676,7 @@
     </p:spTree>
     <p:extLst>
       <p:ext uri="{BB962C8B-B14F-4D97-AF65-F5344CB8AC3E}">
-        <p14:creationId xmlns:p14="http://schemas.microsoft.com/office/powerpoint/2010/main" val="1205840412"/>
+        <p14:creationId xmlns:p14="http://schemas.microsoft.com/office/powerpoint/2010/main" val="3672556829"/>
       </p:ext>
     </p:extLst>
   </p:cSld>
@@ -703,22 +730,6 @@
           <a:bodyPr/>
           <a:lstStyle/>
           <a:p>
-            <a:r>
-              <a:rPr lang="en-US" dirty="0"/>
-              <a:t>What date format do you get to deal with? Bonus points for Gregorian dates</a:t>
-            </a:r>
-          </a:p>
-          <a:p>
-            <a:r>
-              <a:rPr lang="en-US" dirty="0" err="1"/>
-              <a:t>Timezones</a:t>
-            </a:r>
-            <a:r>
-              <a:rPr lang="en-US" dirty="0"/>
-              <a:t>!</a:t>
-            </a:r>
-          </a:p>
-          <a:p>
             <a:endParaRPr lang="en-US" dirty="0"/>
           </a:p>
         </p:txBody>
@@ -740,7 +751,7 @@
           <a:p>
             <a:fld id="{E5935EFC-FB85-46C2-B66D-1D634388063F}" type="slidenum">
               <a:rPr lang="en-US" smtClean="0"/>
-              <a:t>15</a:t>
+              <a:t>14</a:t>
             </a:fld>
             <a:endParaRPr lang="en-US"/>
           </a:p>
@@ -749,7 +760,7 @@
     </p:spTree>
     <p:extLst>
       <p:ext uri="{BB962C8B-B14F-4D97-AF65-F5344CB8AC3E}">
-        <p14:creationId xmlns:p14="http://schemas.microsoft.com/office/powerpoint/2010/main" val="167641411"/>
+        <p14:creationId xmlns:p14="http://schemas.microsoft.com/office/powerpoint/2010/main" val="1205840412"/>
       </p:ext>
     </p:extLst>
   </p:cSld>
@@ -805,14 +816,21 @@
           <a:p>
             <a:r>
               <a:rPr lang="en-US" dirty="0"/>
-              <a:t>How is the missing data identified? A literal not-a-number or do they use a sentinel value?</a:t>
-            </a:r>
-          </a:p>
-          <a:p>
-            <a:r>
-              <a:rPr lang="en-US" dirty="0"/>
-              <a:t>What business rules need to apply? Historical prediction, we threw out the entire set</a:t>
-            </a:r>
+              <a:t>What date format do you get to deal with? Bonus points for Gregorian dates</a:t>
+            </a:r>
+          </a:p>
+          <a:p>
+            <a:r>
+              <a:rPr lang="en-US" dirty="0" err="1"/>
+              <a:t>Timezones</a:t>
+            </a:r>
+            <a:r>
+              <a:rPr lang="en-US" dirty="0"/>
+              <a:t>!</a:t>
+            </a:r>
+          </a:p>
+          <a:p>
+            <a:endParaRPr lang="en-US" dirty="0"/>
           </a:p>
         </p:txBody>
       </p:sp>
@@ -833,7 +851,7 @@
           <a:p>
             <a:fld id="{E5935EFC-FB85-46C2-B66D-1D634388063F}" type="slidenum">
               <a:rPr lang="en-US" smtClean="0"/>
-              <a:t>16</a:t>
+              <a:t>15</a:t>
             </a:fld>
             <a:endParaRPr lang="en-US"/>
           </a:p>
@@ -842,7 +860,7 @@
     </p:spTree>
     <p:extLst>
       <p:ext uri="{BB962C8B-B14F-4D97-AF65-F5344CB8AC3E}">
-        <p14:creationId xmlns:p14="http://schemas.microsoft.com/office/powerpoint/2010/main" val="1653535611"/>
+        <p14:creationId xmlns:p14="http://schemas.microsoft.com/office/powerpoint/2010/main" val="167641411"/>
       </p:ext>
     </p:extLst>
   </p:cSld>
@@ -926,7 +944,7 @@
           <a:p>
             <a:fld id="{E5935EFC-FB85-46C2-B66D-1D634388063F}" type="slidenum">
               <a:rPr lang="en-US" smtClean="0"/>
-              <a:t>17</a:t>
+              <a:t>16</a:t>
             </a:fld>
             <a:endParaRPr lang="en-US"/>
           </a:p>
@@ -935,7 +953,7 @@
     </p:spTree>
     <p:extLst>
       <p:ext uri="{BB962C8B-B14F-4D97-AF65-F5344CB8AC3E}">
-        <p14:creationId xmlns:p14="http://schemas.microsoft.com/office/powerpoint/2010/main" val="2375256773"/>
+        <p14:creationId xmlns:p14="http://schemas.microsoft.com/office/powerpoint/2010/main" val="1653535611"/>
       </p:ext>
     </p:extLst>
   </p:cSld>
@@ -991,28 +1009,13 @@
           <a:p>
             <a:r>
               <a:rPr lang="en-US" dirty="0"/>
-              <a:t>In-situ on site collector/recorder of information</a:t>
-            </a:r>
-          </a:p>
-          <a:p>
-            <a:r>
-              <a:rPr lang="en-US" dirty="0"/>
-              <a:t>Remote instruments </a:t>
-            </a:r>
-          </a:p>
-          <a:p>
-            <a:r>
-              <a:rPr lang="en-US" dirty="0"/>
-              <a:t>Why does this matter? Localization/Averages</a:t>
-            </a:r>
-          </a:p>
-          <a:p>
-            <a:endParaRPr lang="en-US" dirty="0"/>
-          </a:p>
-          <a:p>
-            <a:r>
-              <a:rPr lang="en-US" dirty="0"/>
-              <a:t>This is probably beyond what I can talk about so drop this slide</a:t>
+              <a:t>How is the missing data identified? A literal not-a-number or do they use a sentinel value?</a:t>
+            </a:r>
+          </a:p>
+          <a:p>
+            <a:r>
+              <a:rPr lang="en-US" dirty="0"/>
+              <a:t>What business rules need to apply? Historical prediction, we threw out the entire set</a:t>
             </a:r>
           </a:p>
         </p:txBody>
@@ -1034,7 +1037,7 @@
           <a:p>
             <a:fld id="{E5935EFC-FB85-46C2-B66D-1D634388063F}" type="slidenum">
               <a:rPr lang="en-US" smtClean="0"/>
-              <a:t>18</a:t>
+              <a:t>17</a:t>
             </a:fld>
             <a:endParaRPr lang="en-US"/>
           </a:p>
@@ -1043,7 +1046,7 @@
     </p:spTree>
     <p:extLst>
       <p:ext uri="{BB962C8B-B14F-4D97-AF65-F5344CB8AC3E}">
-        <p14:creationId xmlns:p14="http://schemas.microsoft.com/office/powerpoint/2010/main" val="2244058847"/>
+        <p14:creationId xmlns:p14="http://schemas.microsoft.com/office/powerpoint/2010/main" val="2375256773"/>
       </p:ext>
     </p:extLst>
   </p:cSld>
@@ -1099,13 +1102,19 @@
           <a:p>
             <a:r>
               <a:rPr lang="en-US" dirty="0"/>
-              <a:t>Raw sensor data might be misleading</a:t>
-            </a:r>
-          </a:p>
-          <a:p>
-            <a:r>
-              <a:rPr lang="en-US" dirty="0"/>
-              <a:t>Situations where a radar interpreted data was “cold” Local meteorologists would “know” that and adjust but if you are not in the tribe, you won’t know to do the same</a:t>
+              <a:t>In-situ on site collector/recorder of information</a:t>
+            </a:r>
+          </a:p>
+          <a:p>
+            <a:r>
+              <a:rPr lang="en-US" dirty="0"/>
+              <a:t>Remote instruments </a:t>
+            </a:r>
+          </a:p>
+          <a:p>
+            <a:r>
+              <a:rPr lang="en-US" dirty="0"/>
+              <a:t>Why does this matter? Localization/Averages</a:t>
             </a:r>
           </a:p>
           <a:p>
@@ -1114,7 +1123,7 @@
           <a:p>
             <a:r>
               <a:rPr lang="en-US" dirty="0"/>
-              <a:t>Some data files publish asap but can be restated up to a month later</a:t>
+              <a:t>This is probably beyond what I can talk about so drop this slide</a:t>
             </a:r>
           </a:p>
         </p:txBody>
@@ -1136,7 +1145,7 @@
           <a:p>
             <a:fld id="{E5935EFC-FB85-46C2-B66D-1D634388063F}" type="slidenum">
               <a:rPr lang="en-US" smtClean="0"/>
-              <a:t>19</a:t>
+              <a:t>18</a:t>
             </a:fld>
             <a:endParaRPr lang="en-US"/>
           </a:p>
@@ -1145,7 +1154,7 @@
     </p:spTree>
     <p:extLst>
       <p:ext uri="{BB962C8B-B14F-4D97-AF65-F5344CB8AC3E}">
-        <p14:creationId xmlns:p14="http://schemas.microsoft.com/office/powerpoint/2010/main" val="2162564805"/>
+        <p14:creationId xmlns:p14="http://schemas.microsoft.com/office/powerpoint/2010/main" val="2244058847"/>
       </p:ext>
     </p:extLst>
   </p:cSld>
@@ -1201,7 +1210,22 @@
           <a:p>
             <a:r>
               <a:rPr lang="en-US" dirty="0"/>
-              <a:t>What do you need to do with the data? </a:t>
+              <a:t>Raw sensor data might be misleading</a:t>
+            </a:r>
+          </a:p>
+          <a:p>
+            <a:r>
+              <a:rPr lang="en-US" dirty="0"/>
+              <a:t>Situations where a radar interpreted data was “cold” Local meteorologists would “know” that and adjust but if you are not in the tribe, you won’t know to do the same</a:t>
+            </a:r>
+          </a:p>
+          <a:p>
+            <a:endParaRPr lang="en-US" dirty="0"/>
+          </a:p>
+          <a:p>
+            <a:r>
+              <a:rPr lang="en-US" dirty="0"/>
+              <a:t>Some data files publish asap but can be restated up to a month later</a:t>
             </a:r>
           </a:p>
         </p:txBody>
@@ -1223,7 +1247,7 @@
           <a:p>
             <a:fld id="{E5935EFC-FB85-46C2-B66D-1D634388063F}" type="slidenum">
               <a:rPr lang="en-US" smtClean="0"/>
-              <a:t>20</a:t>
+              <a:t>19</a:t>
             </a:fld>
             <a:endParaRPr lang="en-US"/>
           </a:p>
@@ -1232,7 +1256,7 @@
     </p:spTree>
     <p:extLst>
       <p:ext uri="{BB962C8B-B14F-4D97-AF65-F5344CB8AC3E}">
-        <p14:creationId xmlns:p14="http://schemas.microsoft.com/office/powerpoint/2010/main" val="2137574610"/>
+        <p14:creationId xmlns:p14="http://schemas.microsoft.com/office/powerpoint/2010/main" val="2162564805"/>
       </p:ext>
     </p:extLst>
   </p:cSld>
@@ -1288,82 +1312,8 @@
           <a:p>
             <a:r>
               <a:rPr lang="en-US" dirty="0"/>
-              <a:t>You do not have enough storage</a:t>
-            </a:r>
-          </a:p>
-          <a:p>
-            <a:endParaRPr lang="en-US" dirty="0"/>
-          </a:p>
-          <a:p>
-            <a:r>
-              <a:rPr lang="en-US" dirty="0"/>
-              <a:t>Storage drives access patterns or access patterns drive storage</a:t>
-            </a:r>
-          </a:p>
-          <a:p>
-            <a:endParaRPr lang="en-US" dirty="0"/>
-          </a:p>
-          <a:p>
-            <a:r>
-              <a:rPr lang="en-US" dirty="0"/>
-              <a:t>1 day </a:t>
-            </a:r>
-            <a:r>
-              <a:rPr lang="en-US" dirty="0" err="1"/>
-              <a:t>netcdf</a:t>
-            </a:r>
-            <a:r>
-              <a:rPr lang="en-US" dirty="0"/>
-              <a:t> for rainfall is 4.2 MB</a:t>
-            </a:r>
-          </a:p>
-          <a:p>
-            <a:r>
-              <a:rPr lang="en-US" dirty="0"/>
-              <a:t>365 days * 20 years =&gt;  4.2 * 365 * 20 = 30,660 MB or ~30GB</a:t>
-            </a:r>
-          </a:p>
-          <a:p>
-            <a:endParaRPr lang="en-US" dirty="0"/>
-          </a:p>
-          <a:p>
-            <a:r>
-              <a:rPr lang="en-US" dirty="0"/>
-              <a:t>Likely time-based hierarchy or location-based hierarchy</a:t>
-            </a:r>
-          </a:p>
-          <a:p>
-            <a:endParaRPr lang="en-US" dirty="0"/>
-          </a:p>
-          <a:p>
-            <a:r>
-              <a:rPr lang="en-US" dirty="0"/>
-              <a:t>Time-based hierarchy – What happened on July 31, 2022 in Hampton Roads, VA?</a:t>
-            </a:r>
-          </a:p>
-          <a:p>
-            <a:r>
-              <a:rPr lang="en-US" dirty="0"/>
-              <a:t>	One file read activity can support multiple locations</a:t>
-            </a:r>
-          </a:p>
-          <a:p>
-            <a:endParaRPr lang="en-US" dirty="0"/>
-          </a:p>
-          <a:p>
-            <a:r>
-              <a:rPr lang="en-US" dirty="0"/>
-              <a:t>Location-based hierarchy – What happened in Hampton Roads, VA on July 31, 2022</a:t>
-            </a:r>
-          </a:p>
-          <a:p>
-            <a:r>
-              <a:rPr lang="en-US" dirty="0"/>
-              <a:t>	One file read activity can support multiple dates</a:t>
-            </a:r>
-          </a:p>
-          <a:p>
-            <a:endParaRPr lang="en-US" dirty="0"/>
+              <a:t>What do you need to do with the data? </a:t>
+            </a:r>
           </a:p>
         </p:txBody>
       </p:sp>
@@ -1384,7 +1334,7 @@
           <a:p>
             <a:fld id="{E5935EFC-FB85-46C2-B66D-1D634388063F}" type="slidenum">
               <a:rPr lang="en-US" smtClean="0"/>
-              <a:t>21</a:t>
+              <a:t>20</a:t>
             </a:fld>
             <a:endParaRPr lang="en-US"/>
           </a:p>
@@ -1393,7 +1343,7 @@
     </p:spTree>
     <p:extLst>
       <p:ext uri="{BB962C8B-B14F-4D97-AF65-F5344CB8AC3E}">
-        <p14:creationId xmlns:p14="http://schemas.microsoft.com/office/powerpoint/2010/main" val="1698570624"/>
+        <p14:creationId xmlns:p14="http://schemas.microsoft.com/office/powerpoint/2010/main" val="2137574610"/>
       </p:ext>
     </p:extLst>
   </p:cSld>
@@ -1467,13 +1417,21 @@
           <a:p>
             <a:r>
               <a:rPr lang="en-US" dirty="0"/>
-              <a:t>7.2b * 12 bytes = 86 billion bytes or ~ 86GB</a:t>
-            </a:r>
-          </a:p>
-          <a:p>
-            <a:r>
-              <a:rPr lang="en-US" dirty="0"/>
-              <a:t>3x what file on disk costs – but no indexing so add more</a:t>
+              <a:t>1 day </a:t>
+            </a:r>
+            <a:r>
+              <a:rPr lang="en-US" dirty="0" err="1"/>
+              <a:t>netcdf</a:t>
+            </a:r>
+            <a:r>
+              <a:rPr lang="en-US" dirty="0"/>
+              <a:t> for rainfall is 4.2 MB</a:t>
+            </a:r>
+          </a:p>
+          <a:p>
+            <a:r>
+              <a:rPr lang="en-US" dirty="0"/>
+              <a:t>365 days * 20 years =&gt;  4.2 * 365 * 20 = 30,660 MB or ~30GB</a:t>
             </a:r>
           </a:p>
           <a:p>
@@ -1482,16 +1440,41 @@
           <a:p>
             <a:r>
               <a:rPr lang="en-US" dirty="0"/>
-              <a:t>Compression (page) can help, </a:t>
-            </a:r>
-            <a:r>
-              <a:rPr lang="en-US" dirty="0" err="1"/>
-              <a:t>columnstore</a:t>
-            </a:r>
-            <a:r>
-              <a:rPr lang="en-US" dirty="0"/>
-              <a:t> more so</a:t>
-            </a:r>
+              <a:t>Likely time-based hierarchy or location-based hierarchy</a:t>
+            </a:r>
+          </a:p>
+          <a:p>
+            <a:endParaRPr lang="en-US" dirty="0"/>
+          </a:p>
+          <a:p>
+            <a:r>
+              <a:rPr lang="en-US" dirty="0"/>
+              <a:t>Time-based hierarchy – What happened on July 31, 2022 in Hampton Roads, VA?</a:t>
+            </a:r>
+          </a:p>
+          <a:p>
+            <a:r>
+              <a:rPr lang="en-US" dirty="0"/>
+              <a:t>	One file read activity can support multiple locations</a:t>
+            </a:r>
+          </a:p>
+          <a:p>
+            <a:endParaRPr lang="en-US" dirty="0"/>
+          </a:p>
+          <a:p>
+            <a:r>
+              <a:rPr lang="en-US" dirty="0"/>
+              <a:t>Location-based hierarchy – What happened in Hampton Roads, VA on July 31, 2022</a:t>
+            </a:r>
+          </a:p>
+          <a:p>
+            <a:r>
+              <a:rPr lang="en-US" dirty="0"/>
+              <a:t>	One file read activity can support multiple dates</a:t>
+            </a:r>
+          </a:p>
+          <a:p>
+            <a:endParaRPr lang="en-US" dirty="0"/>
           </a:p>
         </p:txBody>
       </p:sp>
@@ -1512,7 +1495,7 @@
           <a:p>
             <a:fld id="{E5935EFC-FB85-46C2-B66D-1D634388063F}" type="slidenum">
               <a:rPr lang="en-US" smtClean="0"/>
-              <a:t>22</a:t>
+              <a:t>21</a:t>
             </a:fld>
             <a:endParaRPr lang="en-US"/>
           </a:p>
@@ -1521,7 +1504,7 @@
     </p:spTree>
     <p:extLst>
       <p:ext uri="{BB962C8B-B14F-4D97-AF65-F5344CB8AC3E}">
-        <p14:creationId xmlns:p14="http://schemas.microsoft.com/office/powerpoint/2010/main" val="1395729089"/>
+        <p14:creationId xmlns:p14="http://schemas.microsoft.com/office/powerpoint/2010/main" val="1698570624"/>
       </p:ext>
     </p:extLst>
   </p:cSld>
@@ -1577,40 +1560,49 @@
           <a:p>
             <a:r>
               <a:rPr lang="en-US" dirty="0"/>
-              <a:t>What date format do you get to deal with? Bonus points for Gregorian dates</a:t>
-            </a:r>
-          </a:p>
-          <a:p>
-            <a:r>
-              <a:rPr lang="en-US" dirty="0"/>
-              <a:t>What </a:t>
+              <a:t>You do not have enough storage</a:t>
+            </a:r>
+          </a:p>
+          <a:p>
+            <a:endParaRPr lang="en-US" dirty="0"/>
+          </a:p>
+          <a:p>
+            <a:r>
+              <a:rPr lang="en-US" dirty="0"/>
+              <a:t>Storage drives access patterns or access patterns drive storage</a:t>
+            </a:r>
+          </a:p>
+          <a:p>
+            <a:endParaRPr lang="en-US" dirty="0"/>
+          </a:p>
+          <a:p>
+            <a:r>
+              <a:rPr lang="en-US" dirty="0"/>
+              <a:t>7.2b * 12 bytes = 86 billion bytes or ~ 86GB</a:t>
+            </a:r>
+          </a:p>
+          <a:p>
+            <a:r>
+              <a:rPr lang="en-US" dirty="0"/>
+              <a:t>3x what file on disk costs – but no indexing so add more</a:t>
+            </a:r>
+          </a:p>
+          <a:p>
+            <a:endParaRPr lang="en-US" dirty="0"/>
+          </a:p>
+          <a:p>
+            <a:r>
+              <a:rPr lang="en-US" dirty="0"/>
+              <a:t>Compression (page) can help, </a:t>
             </a:r>
             <a:r>
               <a:rPr lang="en-US" dirty="0" err="1"/>
-              <a:t>Timezones</a:t>
-            </a:r>
-            <a:r>
-              <a:rPr lang="en-US" dirty="0"/>
-              <a:t> is the data recorded in? Daylight Savings Time?</a:t>
-            </a:r>
-          </a:p>
-          <a:p>
-            <a:r>
-              <a:rPr lang="en-US" dirty="0"/>
-              <a:t>Off by one!</a:t>
-            </a:r>
-          </a:p>
-          <a:p>
-            <a:r>
-              <a:rPr lang="en-US" dirty="0"/>
-              <a:t>When you download that -1 day file from the NWS, did you use the calendar date you wanted or did you pick the next day so the -1 worked?</a:t>
-            </a:r>
-          </a:p>
-          <a:p>
-            <a:endParaRPr lang="en-US" dirty="0"/>
-          </a:p>
-          <a:p>
-            <a:endParaRPr lang="en-US" dirty="0"/>
+              <a:t>columnstore</a:t>
+            </a:r>
+            <a:r>
+              <a:rPr lang="en-US" dirty="0"/>
+              <a:t> more so</a:t>
+            </a:r>
           </a:p>
         </p:txBody>
       </p:sp>
@@ -1631,7 +1623,7 @@
           <a:p>
             <a:fld id="{E5935EFC-FB85-46C2-B66D-1D634388063F}" type="slidenum">
               <a:rPr lang="en-US" smtClean="0"/>
-              <a:t>23</a:t>
+              <a:t>22</a:t>
             </a:fld>
             <a:endParaRPr lang="en-US"/>
           </a:p>
@@ -1640,7 +1632,7 @@
     </p:spTree>
     <p:extLst>
       <p:ext uri="{BB962C8B-B14F-4D97-AF65-F5344CB8AC3E}">
-        <p14:creationId xmlns:p14="http://schemas.microsoft.com/office/powerpoint/2010/main" val="963472840"/>
+        <p14:creationId xmlns:p14="http://schemas.microsoft.com/office/powerpoint/2010/main" val="1395729089"/>
       </p:ext>
     </p:extLst>
   </p:cSld>
@@ -1696,7 +1688,13 @@
           <a:p>
             <a:r>
               <a:rPr lang="en-US" dirty="0"/>
-              <a:t>Please don’t ask me to spell Bureau or Meteorology without spellcheck</a:t>
+              <a:t>Honey Bee Festival @ Norfolk botanical garden Saturday Aug 20 1000 – 1600</a:t>
+            </a:r>
+          </a:p>
+          <a:p>
+            <a:r>
+              <a:rPr lang="en-US" dirty="0"/>
+              <a:t>10 Murals in 10 days near the VB Convention Center</a:t>
             </a:r>
           </a:p>
           <a:p>
@@ -1705,68 +1703,50 @@
           <a:p>
             <a:r>
               <a:rPr lang="en-US" dirty="0"/>
-              <a:t>e.g. https://psl.noaa.gov/data/gridded/</a:t>
-            </a:r>
-          </a:p>
-          <a:p>
+              <a:t>Forecast</a:t>
+            </a:r>
+          </a:p>
+          <a:p>
+            <a:pPr marL="0" marR="0" lvl="0" indent="0" algn="l" defTabSz="914400" rtl="0" eaLnBrk="1" fontAlgn="auto" latinLnBrk="0" hangingPunct="1">
+              <a:lnSpc>
+                <a:spcPct val="100000"/>
+              </a:lnSpc>
+              <a:spcBef>
+                <a:spcPts val="0"/>
+              </a:spcBef>
+              <a:spcAft>
+                <a:spcPts val="0"/>
+              </a:spcAft>
+              <a:buClrTx/>
+              <a:buSzTx/>
+              <a:buFontTx/>
+              <a:buNone/>
+              <a:tabLst/>
+              <a:defRPr/>
+            </a:pPr>
+            <a:r>
+              <a:rPr lang="en-US" dirty="0"/>
+              <a:t>Utility, Insurance companies, Agriculture</a:t>
+            </a:r>
+            <a:r>
+              <a:rPr lang="en-US"/>
+              <a:t>/Aquaculture</a:t>
+            </a:r>
             <a:endParaRPr lang="en-US" dirty="0"/>
           </a:p>
           <a:p>
-            <a:r>
-              <a:rPr lang="en-US" dirty="0"/>
-              <a:t>https://water.weather.gov/precip/downloads/</a:t>
-            </a:r>
-          </a:p>
-          <a:p>
             <a:endParaRPr lang="en-US" dirty="0"/>
           </a:p>
           <a:p>
             <a:r>
               <a:rPr lang="en-US" dirty="0"/>
-              <a:t>Demo: </a:t>
-            </a:r>
-          </a:p>
-          <a:p>
-            <a:r>
-              <a:rPr lang="en-US" dirty="0"/>
-              <a:t>Scenario: It rained “here” on the 11</a:t>
-            </a:r>
-            <a:r>
-              <a:rPr lang="en-US" baseline="30000" dirty="0"/>
-              <a:t>th</a:t>
-            </a:r>
-            <a:r>
-              <a:rPr lang="en-US" dirty="0"/>
-              <a:t> (Thursday) Let’s download the daily precipitation file and see what happened.</a:t>
-            </a:r>
-          </a:p>
-          <a:p>
-            <a:endParaRPr lang="en-US" dirty="0"/>
-          </a:p>
-          <a:p>
-            <a:r>
-              <a:rPr lang="en-US" dirty="0"/>
-              <a:t>Visit https://water.weather.gov/precip/download.php</a:t>
-            </a:r>
-          </a:p>
-          <a:p>
-            <a:r>
-              <a:rPr lang="en-US" dirty="0"/>
-              <a:t>Daily/</a:t>
-            </a:r>
-            <a:r>
-              <a:rPr lang="en-US" dirty="0" err="1"/>
-              <a:t>NetCDF</a:t>
-            </a:r>
-            <a:r>
-              <a:rPr lang="en-US" dirty="0"/>
-              <a:t>/Day/2022-August-11</a:t>
-            </a:r>
-          </a:p>
-          <a:p>
-            <a:r>
-              <a:rPr lang="en-US" dirty="0"/>
-              <a:t>1 Day</a:t>
+              <a:t>Retrospective analysis</a:t>
+            </a:r>
+          </a:p>
+          <a:p>
+            <a:r>
+              <a:rPr lang="en-US" dirty="0"/>
+              <a:t>Logistics, retail, entertainment</a:t>
             </a:r>
           </a:p>
         </p:txBody>
@@ -1788,7 +1768,7 @@
           <a:p>
             <a:fld id="{E5935EFC-FB85-46C2-B66D-1D634388063F}" type="slidenum">
               <a:rPr lang="en-US" smtClean="0"/>
-              <a:t>5</a:t>
+              <a:t>3</a:t>
             </a:fld>
             <a:endParaRPr lang="en-US"/>
           </a:p>
@@ -1797,7 +1777,7 @@
     </p:spTree>
     <p:extLst>
       <p:ext uri="{BB962C8B-B14F-4D97-AF65-F5344CB8AC3E}">
-        <p14:creationId xmlns:p14="http://schemas.microsoft.com/office/powerpoint/2010/main" val="2030679848"/>
+        <p14:creationId xmlns:p14="http://schemas.microsoft.com/office/powerpoint/2010/main" val="1038229475"/>
       </p:ext>
     </p:extLst>
   </p:cSld>
@@ -1808,6 +1788,125 @@
 </file>
 
 <file path=ppt/notesSlides/notesSlide20.xml><?xml version="1.0" encoding="utf-8"?>
+<p:notes xmlns:a="http://schemas.openxmlformats.org/drawingml/2006/main" xmlns:r="http://schemas.openxmlformats.org/officeDocument/2006/relationships" xmlns:p="http://schemas.openxmlformats.org/presentationml/2006/main">
+  <p:cSld>
+    <p:spTree>
+      <p:nvGrpSpPr>
+        <p:cNvPr id="1" name=""/>
+        <p:cNvGrpSpPr/>
+        <p:nvPr/>
+      </p:nvGrpSpPr>
+      <p:grpSpPr>
+        <a:xfrm>
+          <a:off x="0" y="0"/>
+          <a:ext cx="0" cy="0"/>
+          <a:chOff x="0" y="0"/>
+          <a:chExt cx="0" cy="0"/>
+        </a:xfrm>
+      </p:grpSpPr>
+      <p:sp>
+        <p:nvSpPr>
+          <p:cNvPr id="2" name="Slide Image Placeholder 1"/>
+          <p:cNvSpPr>
+            <a:spLocks noGrp="1" noRot="1" noChangeAspect="1"/>
+          </p:cNvSpPr>
+          <p:nvPr>
+            <p:ph type="sldImg"/>
+          </p:nvPr>
+        </p:nvSpPr>
+        <p:spPr/>
+      </p:sp>
+      <p:sp>
+        <p:nvSpPr>
+          <p:cNvPr id="3" name="Notes Placeholder 2"/>
+          <p:cNvSpPr>
+            <a:spLocks noGrp="1"/>
+          </p:cNvSpPr>
+          <p:nvPr>
+            <p:ph type="body" idx="1"/>
+          </p:nvPr>
+        </p:nvSpPr>
+        <p:spPr/>
+        <p:txBody>
+          <a:bodyPr/>
+          <a:lstStyle/>
+          <a:p>
+            <a:r>
+              <a:rPr lang="en-US" dirty="0"/>
+              <a:t>What date format do you get to deal with? Bonus points for Gregorian dates</a:t>
+            </a:r>
+          </a:p>
+          <a:p>
+            <a:r>
+              <a:rPr lang="en-US" dirty="0"/>
+              <a:t>What </a:t>
+            </a:r>
+            <a:r>
+              <a:rPr lang="en-US" dirty="0" err="1"/>
+              <a:t>Timezones</a:t>
+            </a:r>
+            <a:r>
+              <a:rPr lang="en-US" dirty="0"/>
+              <a:t> is the data recorded in? Daylight Savings Time?</a:t>
+            </a:r>
+          </a:p>
+          <a:p>
+            <a:r>
+              <a:rPr lang="en-US" dirty="0"/>
+              <a:t>Off by one!</a:t>
+            </a:r>
+          </a:p>
+          <a:p>
+            <a:r>
+              <a:rPr lang="en-US" dirty="0"/>
+              <a:t>When you download that -1 day file from the NWS, did you use the calendar date you wanted or did you pick the next day so the -1 worked?</a:t>
+            </a:r>
+          </a:p>
+          <a:p>
+            <a:endParaRPr lang="en-US" dirty="0"/>
+          </a:p>
+          <a:p>
+            <a:endParaRPr lang="en-US" dirty="0"/>
+          </a:p>
+        </p:txBody>
+      </p:sp>
+      <p:sp>
+        <p:nvSpPr>
+          <p:cNvPr id="4" name="Slide Number Placeholder 3"/>
+          <p:cNvSpPr>
+            <a:spLocks noGrp="1"/>
+          </p:cNvSpPr>
+          <p:nvPr>
+            <p:ph type="sldNum" sz="quarter" idx="5"/>
+          </p:nvPr>
+        </p:nvSpPr>
+        <p:spPr/>
+        <p:txBody>
+          <a:bodyPr/>
+          <a:lstStyle/>
+          <a:p>
+            <a:fld id="{E5935EFC-FB85-46C2-B66D-1D634388063F}" type="slidenum">
+              <a:rPr lang="en-US" smtClean="0"/>
+              <a:t>23</a:t>
+            </a:fld>
+            <a:endParaRPr lang="en-US"/>
+          </a:p>
+        </p:txBody>
+      </p:sp>
+    </p:spTree>
+    <p:extLst>
+      <p:ext uri="{BB962C8B-B14F-4D97-AF65-F5344CB8AC3E}">
+        <p14:creationId xmlns:p14="http://schemas.microsoft.com/office/powerpoint/2010/main" val="963472840"/>
+      </p:ext>
+    </p:extLst>
+  </p:cSld>
+  <p:clrMapOvr>
+    <a:masterClrMapping/>
+  </p:clrMapOvr>
+</p:notes>
+</file>
+
+<file path=ppt/notesSlides/notesSlide21.xml><?xml version="1.0" encoding="utf-8"?>
 <p:notes xmlns:a="http://schemas.openxmlformats.org/drawingml/2006/main" xmlns:r="http://schemas.openxmlformats.org/officeDocument/2006/relationships" xmlns:p="http://schemas.openxmlformats.org/presentationml/2006/main">
   <p:cSld>
     <p:spTree>
@@ -1940,17 +2039,78 @@
           <a:p>
             <a:r>
               <a:rPr lang="en-US" dirty="0"/>
-              <a:t>Latitude (up/down) Y coordinate -90 -&gt; +90</a:t>
-            </a:r>
-          </a:p>
-          <a:p>
-            <a:r>
-              <a:rPr lang="en-US" dirty="0"/>
-              <a:t>Longitude (left/right) X coordinate -180 -&gt; +180</a:t>
+              <a:t>Please don’t ask me to spell Bureau or Meteorology without spellcheck</a:t>
             </a:r>
           </a:p>
           <a:p>
             <a:endParaRPr lang="en-US" dirty="0"/>
+          </a:p>
+          <a:p>
+            <a:r>
+              <a:rPr lang="en-US" dirty="0"/>
+              <a:t>e.g. https://psl.noaa.gov/data/gridded/</a:t>
+            </a:r>
+          </a:p>
+          <a:p>
+            <a:endParaRPr lang="en-US" dirty="0"/>
+          </a:p>
+          <a:p>
+            <a:r>
+              <a:rPr lang="en-US" dirty="0"/>
+              <a:t>https://water.weather.gov/precip/downloads/</a:t>
+            </a:r>
+          </a:p>
+          <a:p>
+            <a:endParaRPr lang="en-US" dirty="0"/>
+          </a:p>
+          <a:p>
+            <a:r>
+              <a:rPr lang="en-US" dirty="0"/>
+              <a:t>Demo: </a:t>
+            </a:r>
+          </a:p>
+          <a:p>
+            <a:r>
+              <a:rPr lang="en-US" dirty="0"/>
+              <a:t>Scenario: It rained “here” on the 11</a:t>
+            </a:r>
+            <a:r>
+              <a:rPr lang="en-US" baseline="30000" dirty="0"/>
+              <a:t>th</a:t>
+            </a:r>
+            <a:r>
+              <a:rPr lang="en-US" dirty="0"/>
+              <a:t> (Thursday) Let’s download the daily precipitation file and see what happened.</a:t>
+            </a:r>
+          </a:p>
+          <a:p>
+            <a:endParaRPr lang="en-US" dirty="0"/>
+          </a:p>
+          <a:p>
+            <a:r>
+              <a:rPr lang="en-US" dirty="0"/>
+              <a:t>Visit https://water.weather.gov/precip/download.php</a:t>
+            </a:r>
+          </a:p>
+          <a:p>
+            <a:r>
+              <a:rPr lang="en-US" dirty="0"/>
+              <a:t>Daily/</a:t>
+            </a:r>
+            <a:r>
+              <a:rPr lang="en-US" dirty="0" err="1"/>
+              <a:t>NetCDF</a:t>
+            </a:r>
+            <a:r>
+              <a:rPr lang="en-US" dirty="0"/>
+              <a:t>/Day/2022-August-11</a:t>
+            </a:r>
+          </a:p>
+          <a:p>
+            <a:r>
+              <a:rPr lang="en-US" dirty="0"/>
+              <a:t>1 Day</a:t>
+            </a:r>
           </a:p>
         </p:txBody>
       </p:sp>
@@ -1971,7 +2131,7 @@
           <a:p>
             <a:fld id="{E5935EFC-FB85-46C2-B66D-1D634388063F}" type="slidenum">
               <a:rPr lang="en-US" smtClean="0"/>
-              <a:t>6</a:t>
+              <a:t>5</a:t>
             </a:fld>
             <a:endParaRPr lang="en-US"/>
           </a:p>
@@ -1980,7 +2140,7 @@
     </p:spTree>
     <p:extLst>
       <p:ext uri="{BB962C8B-B14F-4D97-AF65-F5344CB8AC3E}">
-        <p14:creationId xmlns:p14="http://schemas.microsoft.com/office/powerpoint/2010/main" val="130452446"/>
+        <p14:creationId xmlns:p14="http://schemas.microsoft.com/office/powerpoint/2010/main" val="2030679848"/>
       </p:ext>
     </p:extLst>
   </p:cSld>
@@ -2034,45 +2194,16 @@
           <a:bodyPr/>
           <a:lstStyle/>
           <a:p>
-            <a:pPr marL="0" marR="0" lvl="0" indent="0" algn="l" defTabSz="914400" rtl="0" eaLnBrk="1" fontAlgn="auto" latinLnBrk="0" hangingPunct="1">
-              <a:lnSpc>
-                <a:spcPct val="100000"/>
-              </a:lnSpc>
-              <a:spcBef>
-                <a:spcPts val="0"/>
-              </a:spcBef>
-              <a:spcAft>
-                <a:spcPts val="0"/>
-              </a:spcAft>
-              <a:buClrTx/>
-              <a:buSzTx/>
-              <a:buFontTx/>
-              <a:buNone/>
-              <a:tabLst/>
-              <a:defRPr/>
-            </a:pPr>
-            <a:r>
-              <a:rPr lang="en-US" sz="1200" i="1" dirty="0">
-                <a:solidFill>
-                  <a:srgbClr val="595959"/>
-                </a:solidFill>
-                <a:effectLst/>
-                <a:latin typeface="Calibri" panose="020F0502020204030204" pitchFamily="34" charset="0"/>
-              </a:rPr>
-              <a:t> </a:t>
-            </a:r>
-            <a:r>
-              <a:rPr lang="en-US" sz="1200" dirty="0">
-                <a:effectLst/>
-                <a:latin typeface="Calibri" panose="020F0502020204030204" pitchFamily="34" charset="0"/>
-                <a:hlinkClick r:id="rId3"/>
-              </a:rPr>
-              <a:t>https://gis.stackexchange.com/questions/8650/measuring-accuracy-of-latitude-and-longitude</a:t>
-            </a:r>
-            <a:endParaRPr lang="en-US" sz="1200" dirty="0">
-              <a:effectLst/>
-              <a:latin typeface="Calibri" panose="020F0502020204030204" pitchFamily="34" charset="0"/>
-            </a:endParaRPr>
+            <a:r>
+              <a:rPr lang="en-US" dirty="0"/>
+              <a:t>Latitude (up/down) Y coordinate -90 -&gt; +90</a:t>
+            </a:r>
+          </a:p>
+          <a:p>
+            <a:r>
+              <a:rPr lang="en-US" dirty="0"/>
+              <a:t>Longitude (left/right) X coordinate -180 -&gt; +180</a:t>
+            </a:r>
           </a:p>
           <a:p>
             <a:endParaRPr lang="en-US" dirty="0"/>
@@ -2096,7 +2227,7 @@
           <a:p>
             <a:fld id="{E5935EFC-FB85-46C2-B66D-1D634388063F}" type="slidenum">
               <a:rPr lang="en-US" smtClean="0"/>
-              <a:t>7</a:t>
+              <a:t>6</a:t>
             </a:fld>
             <a:endParaRPr lang="en-US"/>
           </a:p>
@@ -2105,7 +2236,7 @@
     </p:spTree>
     <p:extLst>
       <p:ext uri="{BB962C8B-B14F-4D97-AF65-F5344CB8AC3E}">
-        <p14:creationId xmlns:p14="http://schemas.microsoft.com/office/powerpoint/2010/main" val="1671838417"/>
+        <p14:creationId xmlns:p14="http://schemas.microsoft.com/office/powerpoint/2010/main" val="130452446"/>
       </p:ext>
     </p:extLst>
   </p:cSld>
@@ -2177,27 +2308,30 @@
               <a:defRPr/>
             </a:pPr>
             <a:r>
-              <a:rPr lang="en-US" b="1" dirty="0"/>
-              <a:t>“You cannot flatten an orange peel without tearing and warping it”</a:t>
-            </a:r>
-          </a:p>
-          <a:p>
-            <a:endParaRPr lang="en-US" b="1" dirty="0"/>
-          </a:p>
-          <a:p>
-            <a:r>
-              <a:rPr lang="en-US" b="1" dirty="0"/>
-              <a:t>https://en.wikipedia.org/wiki/Map_projection</a:t>
-            </a:r>
-          </a:p>
-          <a:p>
-            <a:endParaRPr lang="en-US" b="1" dirty="0"/>
-          </a:p>
-          <a:p>
-            <a:r>
-              <a:rPr lang="en-US" b="1" dirty="0"/>
-              <a:t>The grid system deforms the squares that you conceptually think of</a:t>
-            </a:r>
+              <a:rPr lang="en-US" sz="1200" i="1" dirty="0">
+                <a:solidFill>
+                  <a:srgbClr val="595959"/>
+                </a:solidFill>
+                <a:effectLst/>
+                <a:latin typeface="Calibri" panose="020F0502020204030204" pitchFamily="34" charset="0"/>
+              </a:rPr>
+              <a:t> </a:t>
+            </a:r>
+            <a:r>
+              <a:rPr lang="en-US" sz="1200" dirty="0">
+                <a:effectLst/>
+                <a:latin typeface="Calibri" panose="020F0502020204030204" pitchFamily="34" charset="0"/>
+                <a:hlinkClick r:id="rId3"/>
+              </a:rPr>
+              <a:t>https://gis.stackexchange.com/questions/8650/measuring-accuracy-of-latitude-and-longitude</a:t>
+            </a:r>
+            <a:endParaRPr lang="en-US" sz="1200" dirty="0">
+              <a:effectLst/>
+              <a:latin typeface="Calibri" panose="020F0502020204030204" pitchFamily="34" charset="0"/>
+            </a:endParaRPr>
+          </a:p>
+          <a:p>
+            <a:endParaRPr lang="en-US" dirty="0"/>
           </a:p>
         </p:txBody>
       </p:sp>
@@ -2218,7 +2352,7 @@
           <a:p>
             <a:fld id="{E5935EFC-FB85-46C2-B66D-1D634388063F}" type="slidenum">
               <a:rPr lang="en-US" smtClean="0"/>
-              <a:t>9</a:t>
+              <a:t>7</a:t>
             </a:fld>
             <a:endParaRPr lang="en-US"/>
           </a:p>
@@ -2227,7 +2361,7 @@
     </p:spTree>
     <p:extLst>
       <p:ext uri="{BB962C8B-B14F-4D97-AF65-F5344CB8AC3E}">
-        <p14:creationId xmlns:p14="http://schemas.microsoft.com/office/powerpoint/2010/main" val="3593864412"/>
+        <p14:creationId xmlns:p14="http://schemas.microsoft.com/office/powerpoint/2010/main" val="1671838417"/>
       </p:ext>
     </p:extLst>
   </p:cSld>
@@ -2281,16 +2415,45 @@
           <a:bodyPr/>
           <a:lstStyle/>
           <a:p>
-            <a:r>
-              <a:rPr lang="en-US" dirty="0"/>
-              <a:t>https://www.hec.usace.army.mil/confluence/hmsdocs/hmsum/4.8/geographic-information/coordinate-reference-systems</a:t>
-            </a:r>
-          </a:p>
-          <a:p>
-            <a:endParaRPr lang="en-US" dirty="0"/>
-          </a:p>
-          <a:p>
-            <a:endParaRPr lang="en-US" dirty="0"/>
+            <a:pPr marL="0" marR="0" lvl="0" indent="0" algn="l" defTabSz="914400" rtl="0" eaLnBrk="1" fontAlgn="auto" latinLnBrk="0" hangingPunct="1">
+              <a:lnSpc>
+                <a:spcPct val="100000"/>
+              </a:lnSpc>
+              <a:spcBef>
+                <a:spcPts val="0"/>
+              </a:spcBef>
+              <a:spcAft>
+                <a:spcPts val="0"/>
+              </a:spcAft>
+              <a:buClrTx/>
+              <a:buSzTx/>
+              <a:buFontTx/>
+              <a:buNone/>
+              <a:tabLst/>
+              <a:defRPr/>
+            </a:pPr>
+            <a:r>
+              <a:rPr lang="en-US" b="1" dirty="0"/>
+              <a:t>“You cannot flatten an orange peel without tearing and warping it”</a:t>
+            </a:r>
+          </a:p>
+          <a:p>
+            <a:endParaRPr lang="en-US" b="1" dirty="0"/>
+          </a:p>
+          <a:p>
+            <a:r>
+              <a:rPr lang="en-US" b="1" dirty="0"/>
+              <a:t>https://en.wikipedia.org/wiki/Map_projection</a:t>
+            </a:r>
+          </a:p>
+          <a:p>
+            <a:endParaRPr lang="en-US" b="1" dirty="0"/>
+          </a:p>
+          <a:p>
+            <a:r>
+              <a:rPr lang="en-US" b="1" dirty="0"/>
+              <a:t>The grid system deforms the squares that you conceptually think of</a:t>
+            </a:r>
           </a:p>
         </p:txBody>
       </p:sp>
@@ -2311,7 +2474,7 @@
           <a:p>
             <a:fld id="{E5935EFC-FB85-46C2-B66D-1D634388063F}" type="slidenum">
               <a:rPr lang="en-US" smtClean="0"/>
-              <a:t>10</a:t>
+              <a:t>9</a:t>
             </a:fld>
             <a:endParaRPr lang="en-US"/>
           </a:p>
@@ -2320,7 +2483,7 @@
     </p:spTree>
     <p:extLst>
       <p:ext uri="{BB962C8B-B14F-4D97-AF65-F5344CB8AC3E}">
-        <p14:creationId xmlns:p14="http://schemas.microsoft.com/office/powerpoint/2010/main" val="3605841803"/>
+        <p14:creationId xmlns:p14="http://schemas.microsoft.com/office/powerpoint/2010/main" val="3593864412"/>
       </p:ext>
     </p:extLst>
   </p:cSld>
@@ -2376,8 +2539,14 @@
           <a:p>
             <a:r>
               <a:rPr lang="en-US" dirty="0"/>
-              <a:t>The correct placement of 0,0 in the supplied coordinate system should be documented from the data provider. Don’t assume</a:t>
-            </a:r>
+              <a:t>https://www.hec.usace.army.mil/confluence/hmsdocs/hmsum/4.8/geographic-information/coordinate-reference-systems</a:t>
+            </a:r>
+          </a:p>
+          <a:p>
+            <a:endParaRPr lang="en-US" dirty="0"/>
+          </a:p>
+          <a:p>
+            <a:endParaRPr lang="en-US" dirty="0"/>
           </a:p>
         </p:txBody>
       </p:sp>
@@ -2398,7 +2567,7 @@
           <a:p>
             <a:fld id="{E5935EFC-FB85-46C2-B66D-1D634388063F}" type="slidenum">
               <a:rPr lang="en-US" smtClean="0"/>
-              <a:t>11</a:t>
+              <a:t>10</a:t>
             </a:fld>
             <a:endParaRPr lang="en-US"/>
           </a:p>
@@ -2407,7 +2576,7 @@
     </p:spTree>
     <p:extLst>
       <p:ext uri="{BB962C8B-B14F-4D97-AF65-F5344CB8AC3E}">
-        <p14:creationId xmlns:p14="http://schemas.microsoft.com/office/powerpoint/2010/main" val="1675960303"/>
+        <p14:creationId xmlns:p14="http://schemas.microsoft.com/office/powerpoint/2010/main" val="3605841803"/>
       </p:ext>
     </p:extLst>
   </p:cSld>
@@ -2463,47 +2632,7 @@
           <a:p>
             <a:r>
               <a:rPr lang="en-US" dirty="0"/>
-              <a:t>Network Common Data Form</a:t>
-            </a:r>
-          </a:p>
-          <a:p>
-            <a:r>
-              <a:rPr lang="en-US" dirty="0" err="1"/>
-              <a:t>GRIdded</a:t>
-            </a:r>
-            <a:r>
-              <a:rPr lang="en-US" dirty="0"/>
-              <a:t> Binary</a:t>
-            </a:r>
-          </a:p>
-          <a:p>
-            <a:endParaRPr lang="en-US" dirty="0"/>
-          </a:p>
-          <a:p>
-            <a:r>
-              <a:rPr lang="en-US" dirty="0"/>
-              <a:t>Observe: Daily vs Hourly</a:t>
-            </a:r>
-          </a:p>
-          <a:p>
-            <a:r>
-              <a:rPr lang="en-US" dirty="0"/>
-              <a:t>https://water.weather.gov/precip/download.php</a:t>
-            </a:r>
-          </a:p>
-          <a:p>
-            <a:endParaRPr lang="en-US" dirty="0"/>
-          </a:p>
-          <a:p>
-            <a:r>
-              <a:rPr lang="en-US" dirty="0"/>
-              <a:t>Hourly? Last 1/2/5/12/Since 12 UTC  - no date range allowed</a:t>
-            </a:r>
-          </a:p>
-          <a:p>
-            <a:r>
-              <a:rPr lang="en-US" dirty="0"/>
-              <a:t>Daily? Many more options</a:t>
+              <a:t>The correct placement of 0,0 in the supplied coordinate system should be documented from the data provider. Don’t assume</a:t>
             </a:r>
           </a:p>
         </p:txBody>
@@ -2525,7 +2654,7 @@
           <a:p>
             <a:fld id="{E5935EFC-FB85-46C2-B66D-1D634388063F}" type="slidenum">
               <a:rPr lang="en-US" smtClean="0"/>
-              <a:t>12</a:t>
+              <a:t>11</a:t>
             </a:fld>
             <a:endParaRPr lang="en-US"/>
           </a:p>
@@ -2534,7 +2663,7 @@
     </p:spTree>
     <p:extLst>
       <p:ext uri="{BB962C8B-B14F-4D97-AF65-F5344CB8AC3E}">
-        <p14:creationId xmlns:p14="http://schemas.microsoft.com/office/powerpoint/2010/main" val="2222407047"/>
+        <p14:creationId xmlns:p14="http://schemas.microsoft.com/office/powerpoint/2010/main" val="1675960303"/>
       </p:ext>
     </p:extLst>
   </p:cSld>
@@ -2588,24 +2717,34 @@
           <a:bodyPr/>
           <a:lstStyle/>
           <a:p>
+            <a:r>
+              <a:rPr lang="en-US" dirty="0"/>
+              <a:t>Network Common Data Form</a:t>
+            </a:r>
+          </a:p>
+          <a:p>
+            <a:r>
+              <a:rPr lang="en-US" dirty="0" err="1"/>
+              <a:t>GRIdded</a:t>
+            </a:r>
+            <a:r>
+              <a:rPr lang="en-US" dirty="0"/>
+              <a:t> Binary</a:t>
+            </a:r>
+          </a:p>
+          <a:p>
             <a:endParaRPr lang="en-US" dirty="0"/>
           </a:p>
           <a:p>
             <a:r>
               <a:rPr lang="en-US" dirty="0"/>
-              <a:t>https://www.giss.nasa.gov/tools/panoply/</a:t>
-            </a:r>
-          </a:p>
-          <a:p>
-            <a:r>
-              <a:rPr lang="en-US" dirty="0"/>
-              <a:t>https://www.microsoft.com/en-us/research/project/scientific-dataset/ Pretty dead</a:t>
-            </a:r>
-          </a:p>
-          <a:p>
-            <a:r>
-              <a:rPr lang="en-US" dirty="0"/>
-              <a:t>https://downloads.unidata.ucar.edu/netcdf/</a:t>
+              <a:t>Observe: Daily vs Hourly</a:t>
+            </a:r>
+          </a:p>
+          <a:p>
+            <a:r>
+              <a:rPr lang="en-US" dirty="0"/>
+              <a:t>https://water.weather.gov/precip/download.php</a:t>
             </a:r>
           </a:p>
           <a:p>
@@ -2614,7 +2753,13 @@
           <a:p>
             <a:r>
               <a:rPr lang="en-US" dirty="0"/>
-              <a:t>https://docs.unidata.ucar.edu/netcdf-c/current/winbin.html</a:t>
+              <a:t>Hourly? Last 1/2/5/12/Since 12 UTC  - no date range allowed</a:t>
+            </a:r>
+          </a:p>
+          <a:p>
+            <a:r>
+              <a:rPr lang="en-US" dirty="0"/>
+              <a:t>Daily? Many more options</a:t>
             </a:r>
           </a:p>
         </p:txBody>
@@ -2636,7 +2781,7 @@
           <a:p>
             <a:fld id="{E5935EFC-FB85-46C2-B66D-1D634388063F}" type="slidenum">
               <a:rPr lang="en-US" smtClean="0"/>
-              <a:t>13</a:t>
+              <a:t>12</a:t>
             </a:fld>
             <a:endParaRPr lang="en-US"/>
           </a:p>
@@ -2645,7 +2790,7 @@
     </p:spTree>
     <p:extLst>
       <p:ext uri="{BB962C8B-B14F-4D97-AF65-F5344CB8AC3E}">
-        <p14:creationId xmlns:p14="http://schemas.microsoft.com/office/powerpoint/2010/main" val="3672556829"/>
+        <p14:creationId xmlns:p14="http://schemas.microsoft.com/office/powerpoint/2010/main" val="2222407047"/>
       </p:ext>
     </p:extLst>
   </p:cSld>
@@ -8337,6 +8482,18 @@
               <a:t>https://ssis.science/</a:t>
             </a:r>
             <a:endParaRPr lang="en-US" dirty="0"/>
+          </a:p>
+          <a:p>
+            <a:r>
+              <a:rPr lang="en-US" dirty="0">
+                <a:hlinkClick r:id="rId4"/>
+              </a:rPr>
+              <a:t>https://linkedin.com/in/billinkc</a:t>
+            </a:r>
+            <a:r>
+              <a:rPr lang="en-US" dirty="0"/>
+              <a:t> </a:t>
+            </a:r>
           </a:p>
           <a:p>
             <a:pPr marL="0" indent="0">
